--- a/Test-Result/2022.12.01/New Microsoft PowerPoint Presentation.pptx
+++ b/Test-Result/2022.12.01/New Microsoft PowerPoint Presentation.pptx
@@ -10,6 +10,7 @@
     <p:sldId id="258" r:id="rId4"/>
     <p:sldId id="259" r:id="rId5"/>
     <p:sldId id="260" r:id="rId6"/>
+    <p:sldId id="261" r:id="rId7"/>
   </p:sldIdLst>
   <p:sldSz cx="12192000" cy="6858000"/>
   <p:notesSz cx="6858000" cy="9144000"/>
@@ -108,6 +109,11 @@
       </a:defRPr>
     </a:lvl9pPr>
   </p:defaultTextStyle>
+  <p:extLst>
+    <p:ext uri="{EFAFB233-063F-42B5-8137-9DF3F51BA10A}">
+      <p15:sldGuideLst xmlns:p15="http://schemas.microsoft.com/office/powerpoint/2012/main"/>
+    </p:ext>
+  </p:extLst>
 </p:presentation>
 </file>
 
@@ -258,7 +264,7 @@
           <a:p>
             <a:fld id="{818D92CC-00E8-4D30-8D68-0F4CD445B4D9}" type="datetimeFigureOut">
               <a:rPr lang="en-US" smtClean="0"/>
-              <a:t>12/2/2021</a:t>
+              <a:t>12/9/2021</a:t>
             </a:fld>
             <a:endParaRPr lang="en-US"/>
           </a:p>
@@ -456,7 +462,7 @@
           <a:p>
             <a:fld id="{818D92CC-00E8-4D30-8D68-0F4CD445B4D9}" type="datetimeFigureOut">
               <a:rPr lang="en-US" smtClean="0"/>
-              <a:t>12/2/2021</a:t>
+              <a:t>12/9/2021</a:t>
             </a:fld>
             <a:endParaRPr lang="en-US"/>
           </a:p>
@@ -664,7 +670,7 @@
           <a:p>
             <a:fld id="{818D92CC-00E8-4D30-8D68-0F4CD445B4D9}" type="datetimeFigureOut">
               <a:rPr lang="en-US" smtClean="0"/>
-              <a:t>12/2/2021</a:t>
+              <a:t>12/9/2021</a:t>
             </a:fld>
             <a:endParaRPr lang="en-US"/>
           </a:p>
@@ -862,7 +868,7 @@
           <a:p>
             <a:fld id="{818D92CC-00E8-4D30-8D68-0F4CD445B4D9}" type="datetimeFigureOut">
               <a:rPr lang="en-US" smtClean="0"/>
-              <a:t>12/2/2021</a:t>
+              <a:t>12/9/2021</a:t>
             </a:fld>
             <a:endParaRPr lang="en-US"/>
           </a:p>
@@ -1137,7 +1143,7 @@
           <a:p>
             <a:fld id="{818D92CC-00E8-4D30-8D68-0F4CD445B4D9}" type="datetimeFigureOut">
               <a:rPr lang="en-US" smtClean="0"/>
-              <a:t>12/2/2021</a:t>
+              <a:t>12/9/2021</a:t>
             </a:fld>
             <a:endParaRPr lang="en-US"/>
           </a:p>
@@ -1402,7 +1408,7 @@
           <a:p>
             <a:fld id="{818D92CC-00E8-4D30-8D68-0F4CD445B4D9}" type="datetimeFigureOut">
               <a:rPr lang="en-US" smtClean="0"/>
-              <a:t>12/2/2021</a:t>
+              <a:t>12/9/2021</a:t>
             </a:fld>
             <a:endParaRPr lang="en-US"/>
           </a:p>
@@ -1814,7 +1820,7 @@
           <a:p>
             <a:fld id="{818D92CC-00E8-4D30-8D68-0F4CD445B4D9}" type="datetimeFigureOut">
               <a:rPr lang="en-US" smtClean="0"/>
-              <a:t>12/2/2021</a:t>
+              <a:t>12/9/2021</a:t>
             </a:fld>
             <a:endParaRPr lang="en-US"/>
           </a:p>
@@ -1955,7 +1961,7 @@
           <a:p>
             <a:fld id="{818D92CC-00E8-4D30-8D68-0F4CD445B4D9}" type="datetimeFigureOut">
               <a:rPr lang="en-US" smtClean="0"/>
-              <a:t>12/2/2021</a:t>
+              <a:t>12/9/2021</a:t>
             </a:fld>
             <a:endParaRPr lang="en-US"/>
           </a:p>
@@ -2068,7 +2074,7 @@
           <a:p>
             <a:fld id="{818D92CC-00E8-4D30-8D68-0F4CD445B4D9}" type="datetimeFigureOut">
               <a:rPr lang="en-US" smtClean="0"/>
-              <a:t>12/2/2021</a:t>
+              <a:t>12/9/2021</a:t>
             </a:fld>
             <a:endParaRPr lang="en-US"/>
           </a:p>
@@ -2379,7 +2385,7 @@
           <a:p>
             <a:fld id="{818D92CC-00E8-4D30-8D68-0F4CD445B4D9}" type="datetimeFigureOut">
               <a:rPr lang="en-US" smtClean="0"/>
-              <a:t>12/2/2021</a:t>
+              <a:t>12/9/2021</a:t>
             </a:fld>
             <a:endParaRPr lang="en-US"/>
           </a:p>
@@ -2667,7 +2673,7 @@
           <a:p>
             <a:fld id="{818D92CC-00E8-4D30-8D68-0F4CD445B4D9}" type="datetimeFigureOut">
               <a:rPr lang="en-US" smtClean="0"/>
-              <a:t>12/2/2021</a:t>
+              <a:t>12/9/2021</a:t>
             </a:fld>
             <a:endParaRPr lang="en-US"/>
           </a:p>
@@ -2908,7 +2914,7 @@
           <a:p>
             <a:fld id="{818D92CC-00E8-4D30-8D68-0F4CD445B4D9}" type="datetimeFigureOut">
               <a:rPr lang="en-US" smtClean="0"/>
-              <a:t>12/2/2021</a:t>
+              <a:t>12/9/2021</a:t>
             </a:fld>
             <a:endParaRPr lang="en-US"/>
           </a:p>
@@ -3347,8 +3353,8 @@
         </p:blipFill>
         <p:spPr>
           <a:xfrm>
-            <a:off x="3257549" y="757171"/>
-            <a:ext cx="4762500" cy="1905000"/>
+            <a:off x="445009" y="926592"/>
+            <a:ext cx="2755391" cy="2135124"/>
           </a:xfrm>
           <a:prstGeom prst="rect">
             <a:avLst/>
@@ -3377,7 +3383,7 @@
         </p:blipFill>
         <p:spPr>
           <a:xfrm>
-            <a:off x="3399218" y="3654917"/>
+            <a:off x="4366937" y="2476500"/>
             <a:ext cx="4762500" cy="1905000"/>
           </a:xfrm>
           <a:prstGeom prst="rect">
@@ -3407,8 +3413,8 @@
         </p:blipFill>
         <p:spPr>
           <a:xfrm>
-            <a:off x="6781533" y="3543300"/>
-            <a:ext cx="1596176" cy="1064117"/>
+            <a:off x="8650384" y="3192523"/>
+            <a:ext cx="2433208" cy="1622138"/>
           </a:xfrm>
           <a:prstGeom prst="rect">
             <a:avLst/>
@@ -3484,32 +3490,63 @@
           </a:p>
         </p:txBody>
       </p:sp>
-      <p:sp>
-        <p:nvSpPr>
-          <p:cNvPr id="11" name="Rectangle 10">
-            <a:extLst>
-              <a:ext uri="{FF2B5EF4-FFF2-40B4-BE49-F238E27FC236}">
-                <a16:creationId xmlns:a16="http://schemas.microsoft.com/office/drawing/2014/main" id="{E10C401F-610A-4F96-A021-2A23D3880973}"/>
-              </a:ext>
-            </a:extLst>
-          </p:cNvPr>
-          <p:cNvSpPr/>
+      <p:pic>
+        <p:nvPicPr>
+          <p:cNvPr id="6" name="Picture 5">
+            <a:extLst>
+              <a:ext uri="{FF2B5EF4-FFF2-40B4-BE49-F238E27FC236}">
+                <a16:creationId xmlns:a16="http://schemas.microsoft.com/office/drawing/2014/main" id="{805AF6A9-AFBC-4AC8-A97C-A9E3E8EB95A8}"/>
+              </a:ext>
+            </a:extLst>
+          </p:cNvPr>
+          <p:cNvPicPr>
+            <a:picLocks noChangeAspect="1"/>
+          </p:cNvPicPr>
           <p:nvPr/>
-        </p:nvSpPr>
-        <p:spPr>
-          <a:xfrm>
-            <a:off x="6735254" y="674693"/>
-            <a:ext cx="1475232" cy="811133"/>
+        </p:nvPicPr>
+        <p:blipFill>
+          <a:blip r:embed="rId5"/>
+          <a:stretch>
+            <a:fillRect/>
+          </a:stretch>
+        </p:blipFill>
+        <p:spPr>
+          <a:xfrm>
+            <a:off x="832716" y="3323844"/>
+            <a:ext cx="2148228" cy="1432152"/>
           </a:xfrm>
           <a:prstGeom prst="rect">
             <a:avLst/>
           </a:prstGeom>
-          <a:solidFill>
-            <a:schemeClr val="bg1"/>
-          </a:solidFill>
+        </p:spPr>
+      </p:pic>
+      <p:sp>
+        <p:nvSpPr>
+          <p:cNvPr id="2" name="Rectangle 1">
+            <a:extLst>
+              <a:ext uri="{FF2B5EF4-FFF2-40B4-BE49-F238E27FC236}">
+                <a16:creationId xmlns:a16="http://schemas.microsoft.com/office/drawing/2014/main" id="{C26A8E24-69F5-4F2F-9C08-20F3C6C8DCE8}"/>
+              </a:ext>
+            </a:extLst>
+          </p:cNvPr>
+          <p:cNvSpPr/>
+          <p:nvPr/>
+        </p:nvSpPr>
+        <p:spPr>
+          <a:xfrm>
+            <a:off x="816864" y="1085088"/>
+            <a:ext cx="2164080" cy="1463040"/>
+          </a:xfrm>
+          <a:prstGeom prst="rect">
+            <a:avLst/>
+          </a:prstGeom>
+          <a:noFill/>
           <a:ln>
             <a:solidFill>
-              <a:schemeClr val="bg1"/>
+              <a:schemeClr val="accent1">
+                <a:lumMod val="20000"/>
+                <a:lumOff val="80000"/>
+              </a:schemeClr>
             </a:solidFill>
           </a:ln>
         </p:spPr>
@@ -3538,90 +3575,53 @@
           </a:p>
         </p:txBody>
       </p:sp>
-      <p:pic>
-        <p:nvPicPr>
-          <p:cNvPr id="6" name="Picture 5">
-            <a:extLst>
-              <a:ext uri="{FF2B5EF4-FFF2-40B4-BE49-F238E27FC236}">
-                <a16:creationId xmlns:a16="http://schemas.microsoft.com/office/drawing/2014/main" id="{805AF6A9-AFBC-4AC8-A97C-A9E3E8EB95A8}"/>
-              </a:ext>
-            </a:extLst>
-          </p:cNvPr>
-          <p:cNvPicPr>
-            <a:picLocks noChangeAspect="1"/>
-          </p:cNvPicPr>
+      <p:cxnSp>
+        <p:nvCxnSpPr>
+          <p:cNvPr id="5" name="Straight Arrow Connector 4">
+            <a:extLst>
+              <a:ext uri="{FF2B5EF4-FFF2-40B4-BE49-F238E27FC236}">
+                <a16:creationId xmlns:a16="http://schemas.microsoft.com/office/drawing/2014/main" id="{C9291A06-C30D-4B29-8FD1-E287AEA14099}"/>
+              </a:ext>
+            </a:extLst>
+          </p:cNvPr>
+          <p:cNvCxnSpPr>
+            <a:cxnSpLocks/>
+          </p:cNvCxnSpPr>
           <p:nvPr/>
-        </p:nvPicPr>
-        <p:blipFill>
-          <a:blip r:embed="rId5"/>
-          <a:stretch>
-            <a:fillRect/>
-          </a:stretch>
-        </p:blipFill>
-        <p:spPr>
-          <a:xfrm>
-            <a:off x="6686486" y="690131"/>
-            <a:ext cx="1384086" cy="922724"/>
-          </a:xfrm>
-          <a:prstGeom prst="rect">
+        </p:nvCxnSpPr>
+        <p:spPr>
+          <a:xfrm flipV="1">
+            <a:off x="2773680" y="1188720"/>
+            <a:ext cx="280416" cy="181704"/>
+          </a:xfrm>
+          <a:prstGeom prst="straightConnector1">
             <a:avLst/>
           </a:prstGeom>
-        </p:spPr>
-      </p:pic>
-      <p:sp>
-        <p:nvSpPr>
-          <p:cNvPr id="12" name="Rectangle 11">
-            <a:extLst>
-              <a:ext uri="{FF2B5EF4-FFF2-40B4-BE49-F238E27FC236}">
-                <a16:creationId xmlns:a16="http://schemas.microsoft.com/office/drawing/2014/main" id="{EF35FE8C-91BF-4C58-804A-3ECBD3B3F8A6}"/>
-              </a:ext>
-            </a:extLst>
-          </p:cNvPr>
-          <p:cNvSpPr/>
-          <p:nvPr/>
-        </p:nvSpPr>
-        <p:spPr>
-          <a:xfrm>
-            <a:off x="9521126" y="3543300"/>
-            <a:ext cx="1475232" cy="811133"/>
-          </a:xfrm>
-          <a:prstGeom prst="rect">
-            <a:avLst/>
-          </a:prstGeom>
-          <a:solidFill>
-            <a:schemeClr val="bg1"/>
-          </a:solidFill>
           <a:ln>
             <a:solidFill>
-              <a:schemeClr val="bg1"/>
+              <a:schemeClr val="accent1">
+                <a:lumMod val="40000"/>
+                <a:lumOff val="60000"/>
+              </a:schemeClr>
             </a:solidFill>
+            <a:tailEnd type="triangle"/>
           </a:ln>
         </p:spPr>
         <p:style>
-          <a:lnRef idx="2">
-            <a:schemeClr val="accent1">
-              <a:shade val="50000"/>
-            </a:schemeClr>
+          <a:lnRef idx="1">
+            <a:schemeClr val="accent1"/>
           </a:lnRef>
-          <a:fillRef idx="1">
+          <a:fillRef idx="0">
             <a:schemeClr val="accent1"/>
           </a:fillRef>
           <a:effectRef idx="0">
             <a:schemeClr val="accent1"/>
           </a:effectRef>
           <a:fontRef idx="minor">
-            <a:schemeClr val="lt1"/>
+            <a:schemeClr val="tx1"/>
           </a:fontRef>
         </p:style>
-        <p:txBody>
-          <a:bodyPr rtlCol="0" anchor="ctr"/>
-          <a:lstStyle/>
-          <a:p>
-            <a:pPr algn="ctr"/>
-            <a:endParaRPr lang="en-US"/>
-          </a:p>
-        </p:txBody>
-      </p:sp>
+      </p:cxnSp>
     </p:spTree>
     <p:extLst>
       <p:ext uri="{BB962C8B-B14F-4D97-AF65-F5344CB8AC3E}">
@@ -3788,7 +3788,7 @@
         </p:blipFill>
         <p:spPr>
           <a:xfrm>
-            <a:off x="6053328" y="570119"/>
+            <a:off x="7985159" y="1754976"/>
             <a:ext cx="1596176" cy="1064117"/>
           </a:xfrm>
           <a:prstGeom prst="rect">
@@ -3810,7 +3810,7 @@
         </p:nvSpPr>
         <p:spPr>
           <a:xfrm>
-            <a:off x="5969248" y="3890589"/>
+            <a:off x="9304876" y="3555491"/>
             <a:ext cx="1475232" cy="811133"/>
           </a:xfrm>
           <a:prstGeom prst="rect">
@@ -3872,7 +3872,7 @@
         </p:blipFill>
         <p:spPr>
           <a:xfrm>
-            <a:off x="5969248" y="3760977"/>
+            <a:off x="7315692" y="4246881"/>
             <a:ext cx="1728872" cy="1152581"/>
           </a:xfrm>
           <a:prstGeom prst="rect">
@@ -3910,6 +3910,1020 @@
           <a:chExt cx="0" cy="0"/>
         </a:xfrm>
       </p:grpSpPr>
+      <p:pic>
+        <p:nvPicPr>
+          <p:cNvPr id="67" name="Picture 66">
+            <a:extLst>
+              <a:ext uri="{FF2B5EF4-FFF2-40B4-BE49-F238E27FC236}">
+                <a16:creationId xmlns:a16="http://schemas.microsoft.com/office/drawing/2014/main" id="{4498CD7A-6A42-4C63-A1E1-A1FD05B3BD38}"/>
+              </a:ext>
+            </a:extLst>
+          </p:cNvPr>
+          <p:cNvPicPr>
+            <a:picLocks noChangeAspect="1"/>
+          </p:cNvPicPr>
+          <p:nvPr/>
+        </p:nvPicPr>
+        <p:blipFill>
+          <a:blip r:embed="rId2"/>
+          <a:stretch>
+            <a:fillRect/>
+          </a:stretch>
+        </p:blipFill>
+        <p:spPr>
+          <a:xfrm>
+            <a:off x="3137154" y="3508945"/>
+            <a:ext cx="2857500" cy="1428750"/>
+          </a:xfrm>
+          <a:prstGeom prst="rect">
+            <a:avLst/>
+          </a:prstGeom>
+        </p:spPr>
+      </p:pic>
+      <p:pic>
+        <p:nvPicPr>
+          <p:cNvPr id="3" name="Picture 2">
+            <a:extLst>
+              <a:ext uri="{FF2B5EF4-FFF2-40B4-BE49-F238E27FC236}">
+                <a16:creationId xmlns:a16="http://schemas.microsoft.com/office/drawing/2014/main" id="{BA6BE434-8F6A-4865-A17A-D6FA4B37182A}"/>
+              </a:ext>
+            </a:extLst>
+          </p:cNvPr>
+          <p:cNvPicPr>
+            <a:picLocks noChangeAspect="1"/>
+          </p:cNvPicPr>
+          <p:nvPr/>
+        </p:nvPicPr>
+        <p:blipFill>
+          <a:blip r:embed="rId3"/>
+          <a:stretch>
+            <a:fillRect/>
+          </a:stretch>
+        </p:blipFill>
+        <p:spPr>
+          <a:xfrm>
+            <a:off x="3137154" y="2000250"/>
+            <a:ext cx="2857500" cy="1428750"/>
+          </a:xfrm>
+          <a:prstGeom prst="rect">
+            <a:avLst/>
+          </a:prstGeom>
+        </p:spPr>
+      </p:pic>
+      <p:cxnSp>
+        <p:nvCxnSpPr>
+          <p:cNvPr id="7" name="Straight Connector 6">
+            <a:extLst>
+              <a:ext uri="{FF2B5EF4-FFF2-40B4-BE49-F238E27FC236}">
+                <a16:creationId xmlns:a16="http://schemas.microsoft.com/office/drawing/2014/main" id="{2A468A2C-8645-4720-97D1-FD98C8F73DDF}"/>
+              </a:ext>
+            </a:extLst>
+          </p:cNvPr>
+          <p:cNvCxnSpPr>
+            <a:cxnSpLocks/>
+          </p:cNvCxnSpPr>
+          <p:nvPr/>
+        </p:nvCxnSpPr>
+        <p:spPr>
+          <a:xfrm>
+            <a:off x="3950208" y="2000250"/>
+            <a:ext cx="0" cy="2503551"/>
+          </a:xfrm>
+          <a:prstGeom prst="line">
+            <a:avLst/>
+          </a:prstGeom>
+          <a:ln w="9525">
+            <a:solidFill>
+              <a:schemeClr val="bg2">
+                <a:lumMod val="25000"/>
+              </a:schemeClr>
+            </a:solidFill>
+            <a:prstDash val="dash"/>
+          </a:ln>
+        </p:spPr>
+        <p:style>
+          <a:lnRef idx="1">
+            <a:schemeClr val="accent1"/>
+          </a:lnRef>
+          <a:fillRef idx="0">
+            <a:schemeClr val="accent1"/>
+          </a:fillRef>
+          <a:effectRef idx="0">
+            <a:schemeClr val="accent1"/>
+          </a:effectRef>
+          <a:fontRef idx="minor">
+            <a:schemeClr val="tx1"/>
+          </a:fontRef>
+        </p:style>
+      </p:cxnSp>
+      <p:cxnSp>
+        <p:nvCxnSpPr>
+          <p:cNvPr id="9" name="Straight Connector 8">
+            <a:extLst>
+              <a:ext uri="{FF2B5EF4-FFF2-40B4-BE49-F238E27FC236}">
+                <a16:creationId xmlns:a16="http://schemas.microsoft.com/office/drawing/2014/main" id="{5419EA25-31D4-49B4-B1C7-EE41701A1868}"/>
+              </a:ext>
+            </a:extLst>
+          </p:cNvPr>
+          <p:cNvCxnSpPr>
+            <a:cxnSpLocks/>
+          </p:cNvCxnSpPr>
+          <p:nvPr/>
+        </p:nvCxnSpPr>
+        <p:spPr>
+          <a:xfrm>
+            <a:off x="5048504" y="2000250"/>
+            <a:ext cx="0" cy="2503551"/>
+          </a:xfrm>
+          <a:prstGeom prst="line">
+            <a:avLst/>
+          </a:prstGeom>
+          <a:ln w="9525">
+            <a:solidFill>
+              <a:schemeClr val="bg2">
+                <a:lumMod val="25000"/>
+              </a:schemeClr>
+            </a:solidFill>
+            <a:prstDash val="dash"/>
+          </a:ln>
+        </p:spPr>
+        <p:style>
+          <a:lnRef idx="1">
+            <a:schemeClr val="accent1"/>
+          </a:lnRef>
+          <a:fillRef idx="0">
+            <a:schemeClr val="accent1"/>
+          </a:fillRef>
+          <a:effectRef idx="0">
+            <a:schemeClr val="accent1"/>
+          </a:effectRef>
+          <a:fontRef idx="minor">
+            <a:schemeClr val="tx1"/>
+          </a:fontRef>
+        </p:style>
+      </p:cxnSp>
+      <mc:AlternateContent xmlns:mc="http://schemas.openxmlformats.org/markup-compatibility/2006" xmlns:a14="http://schemas.microsoft.com/office/drawing/2010/main">
+        <mc:Choice Requires="a14">
+          <p:sp>
+            <p:nvSpPr>
+              <p:cNvPr id="14" name="TextBox 13">
+                <a:extLst>
+                  <a:ext uri="{FF2B5EF4-FFF2-40B4-BE49-F238E27FC236}">
+                    <a16:creationId xmlns:a16="http://schemas.microsoft.com/office/drawing/2014/main" id="{9E47724A-A495-40BE-A24E-DB98C8C29574}"/>
+                  </a:ext>
+                </a:extLst>
+              </p:cNvPr>
+              <p:cNvSpPr txBox="1"/>
+              <p:nvPr/>
+            </p:nvSpPr>
+            <p:spPr>
+              <a:xfrm>
+                <a:off x="3906513" y="1815584"/>
+                <a:ext cx="162480" cy="184666"/>
+              </a:xfrm>
+              <a:prstGeom prst="rect">
+                <a:avLst/>
+              </a:prstGeom>
+              <a:noFill/>
+            </p:spPr>
+            <p:txBody>
+              <a:bodyPr wrap="none" lIns="0" tIns="0" rIns="0" bIns="0" rtlCol="0">
+                <a:spAutoFit/>
+              </a:bodyPr>
+              <a:lstStyle/>
+              <a:p>
+                <a:pPr/>
+                <a14:m>
+                  <m:oMathPara xmlns:m="http://schemas.openxmlformats.org/officeDocument/2006/math">
+                    <m:oMathParaPr>
+                      <m:jc m:val="centerGroup"/>
+                    </m:oMathParaPr>
+                    <m:oMath xmlns:m="http://schemas.openxmlformats.org/officeDocument/2006/math">
+                      <m:sSub>
+                        <m:sSubPr>
+                          <m:ctrlPr>
+                            <a:rPr lang="en-US" sz="1200" b="0" i="1" smtClean="0">
+                              <a:latin typeface="Cambria Math" panose="02040503050406030204" pitchFamily="18" charset="0"/>
+                            </a:rPr>
+                          </m:ctrlPr>
+                        </m:sSubPr>
+                        <m:e>
+                          <m:r>
+                            <a:rPr lang="en-US" sz="1200" b="0" i="1" smtClean="0">
+                              <a:latin typeface="Cambria Math" panose="02040503050406030204" pitchFamily="18" charset="0"/>
+                            </a:rPr>
+                            <m:t>𝑡</m:t>
+                          </m:r>
+                        </m:e>
+                        <m:sub>
+                          <m:r>
+                            <a:rPr lang="en-US" sz="1200" b="0" i="1" smtClean="0">
+                              <a:latin typeface="Cambria Math" panose="02040503050406030204" pitchFamily="18" charset="0"/>
+                            </a:rPr>
+                            <m:t>1</m:t>
+                          </m:r>
+                        </m:sub>
+                      </m:sSub>
+                    </m:oMath>
+                  </m:oMathPara>
+                </a14:m>
+                <a:endParaRPr lang="en-US" sz="1200" dirty="0"/>
+              </a:p>
+            </p:txBody>
+          </p:sp>
+        </mc:Choice>
+        <mc:Fallback xmlns="">
+          <p:sp>
+            <p:nvSpPr>
+              <p:cNvPr id="14" name="TextBox 13">
+                <a:extLst>
+                  <a:ext uri="{FF2B5EF4-FFF2-40B4-BE49-F238E27FC236}">
+                    <a16:creationId xmlns:a16="http://schemas.microsoft.com/office/drawing/2014/main" id="{9E47724A-A495-40BE-A24E-DB98C8C29574}"/>
+                  </a:ext>
+                </a:extLst>
+              </p:cNvPr>
+              <p:cNvSpPr txBox="1">
+                <a:spLocks noRot="1" noChangeAspect="1" noMove="1" noResize="1" noEditPoints="1" noAdjustHandles="1" noChangeArrowheads="1" noChangeShapeType="1" noTextEdit="1"/>
+              </p:cNvSpPr>
+              <p:nvPr/>
+            </p:nvSpPr>
+            <p:spPr>
+              <a:xfrm>
+                <a:off x="3906513" y="1815584"/>
+                <a:ext cx="162480" cy="184666"/>
+              </a:xfrm>
+              <a:prstGeom prst="rect">
+                <a:avLst/>
+              </a:prstGeom>
+              <a:blipFill>
+                <a:blip r:embed="rId4"/>
+                <a:stretch>
+                  <a:fillRect l="-19231" r="-7692" b="-13333"/>
+                </a:stretch>
+              </a:blipFill>
+            </p:spPr>
+            <p:txBody>
+              <a:bodyPr/>
+              <a:lstStyle/>
+              <a:p>
+                <a:r>
+                  <a:rPr lang="en-US">
+                    <a:noFill/>
+                  </a:rPr>
+                  <a:t> </a:t>
+                </a:r>
+              </a:p>
+            </p:txBody>
+          </p:sp>
+        </mc:Fallback>
+      </mc:AlternateContent>
+      <mc:AlternateContent xmlns:mc="http://schemas.openxmlformats.org/markup-compatibility/2006" xmlns:a14="http://schemas.microsoft.com/office/drawing/2010/main">
+        <mc:Choice Requires="a14">
+          <p:sp>
+            <p:nvSpPr>
+              <p:cNvPr id="17" name="TextBox 16">
+                <a:extLst>
+                  <a:ext uri="{FF2B5EF4-FFF2-40B4-BE49-F238E27FC236}">
+                    <a16:creationId xmlns:a16="http://schemas.microsoft.com/office/drawing/2014/main" id="{8814F855-D937-4080-ACDC-83A5D49E1B2D}"/>
+                  </a:ext>
+                </a:extLst>
+              </p:cNvPr>
+              <p:cNvSpPr txBox="1"/>
+              <p:nvPr/>
+            </p:nvSpPr>
+            <p:spPr>
+              <a:xfrm>
+                <a:off x="4965468" y="1815584"/>
+                <a:ext cx="166071" cy="184666"/>
+              </a:xfrm>
+              <a:prstGeom prst="rect">
+                <a:avLst/>
+              </a:prstGeom>
+              <a:noFill/>
+            </p:spPr>
+            <p:txBody>
+              <a:bodyPr wrap="none" lIns="0" tIns="0" rIns="0" bIns="0" rtlCol="0">
+                <a:spAutoFit/>
+              </a:bodyPr>
+              <a:lstStyle/>
+              <a:p>
+                <a:pPr/>
+                <a14:m>
+                  <m:oMathPara xmlns:m="http://schemas.openxmlformats.org/officeDocument/2006/math">
+                    <m:oMathParaPr>
+                      <m:jc m:val="centerGroup"/>
+                    </m:oMathParaPr>
+                    <m:oMath xmlns:m="http://schemas.openxmlformats.org/officeDocument/2006/math">
+                      <m:sSub>
+                        <m:sSubPr>
+                          <m:ctrlPr>
+                            <a:rPr lang="en-US" sz="1200" b="0" i="1" smtClean="0">
+                              <a:latin typeface="Cambria Math" panose="02040503050406030204" pitchFamily="18" charset="0"/>
+                            </a:rPr>
+                          </m:ctrlPr>
+                        </m:sSubPr>
+                        <m:e>
+                          <m:r>
+                            <a:rPr lang="en-US" sz="1200" b="0" i="1" smtClean="0">
+                              <a:latin typeface="Cambria Math" panose="02040503050406030204" pitchFamily="18" charset="0"/>
+                            </a:rPr>
+                            <m:t>𝑡</m:t>
+                          </m:r>
+                        </m:e>
+                        <m:sub>
+                          <m:r>
+                            <a:rPr lang="en-US" sz="1200" b="0" i="1" smtClean="0">
+                              <a:latin typeface="Cambria Math" panose="02040503050406030204" pitchFamily="18" charset="0"/>
+                            </a:rPr>
+                            <m:t>2</m:t>
+                          </m:r>
+                        </m:sub>
+                      </m:sSub>
+                    </m:oMath>
+                  </m:oMathPara>
+                </a14:m>
+                <a:endParaRPr lang="en-US" sz="1200" dirty="0"/>
+              </a:p>
+            </p:txBody>
+          </p:sp>
+        </mc:Choice>
+        <mc:Fallback xmlns="">
+          <p:sp>
+            <p:nvSpPr>
+              <p:cNvPr id="17" name="TextBox 16">
+                <a:extLst>
+                  <a:ext uri="{FF2B5EF4-FFF2-40B4-BE49-F238E27FC236}">
+                    <a16:creationId xmlns:a16="http://schemas.microsoft.com/office/drawing/2014/main" id="{8814F855-D937-4080-ACDC-83A5D49E1B2D}"/>
+                  </a:ext>
+                </a:extLst>
+              </p:cNvPr>
+              <p:cNvSpPr txBox="1">
+                <a:spLocks noRot="1" noChangeAspect="1" noMove="1" noResize="1" noEditPoints="1" noAdjustHandles="1" noChangeArrowheads="1" noChangeShapeType="1" noTextEdit="1"/>
+              </p:cNvSpPr>
+              <p:nvPr/>
+            </p:nvSpPr>
+            <p:spPr>
+              <a:xfrm>
+                <a:off x="4965468" y="1815584"/>
+                <a:ext cx="166071" cy="184666"/>
+              </a:xfrm>
+              <a:prstGeom prst="rect">
+                <a:avLst/>
+              </a:prstGeom>
+              <a:blipFill>
+                <a:blip r:embed="rId5"/>
+                <a:stretch>
+                  <a:fillRect l="-18519" r="-7407" b="-13333"/>
+                </a:stretch>
+              </a:blipFill>
+            </p:spPr>
+            <p:txBody>
+              <a:bodyPr/>
+              <a:lstStyle/>
+              <a:p>
+                <a:r>
+                  <a:rPr lang="en-US">
+                    <a:noFill/>
+                  </a:rPr>
+                  <a:t> </a:t>
+                </a:r>
+              </a:p>
+            </p:txBody>
+          </p:sp>
+        </mc:Fallback>
+      </mc:AlternateContent>
+      <p:sp>
+        <p:nvSpPr>
+          <p:cNvPr id="21" name="Rectangle 20">
+            <a:extLst>
+              <a:ext uri="{FF2B5EF4-FFF2-40B4-BE49-F238E27FC236}">
+                <a16:creationId xmlns:a16="http://schemas.microsoft.com/office/drawing/2014/main" id="{3A00470D-E670-45EC-8CEE-96AFA20294F2}"/>
+              </a:ext>
+            </a:extLst>
+          </p:cNvPr>
+          <p:cNvSpPr/>
+          <p:nvPr/>
+        </p:nvSpPr>
+        <p:spPr>
+          <a:xfrm>
+            <a:off x="3716019" y="3733549"/>
+            <a:ext cx="131063" cy="726563"/>
+          </a:xfrm>
+          <a:prstGeom prst="rect">
+            <a:avLst/>
+          </a:prstGeom>
+          <a:noFill/>
+          <a:ln>
+            <a:solidFill>
+              <a:schemeClr val="bg2">
+                <a:lumMod val="25000"/>
+              </a:schemeClr>
+            </a:solidFill>
+            <a:prstDash val="sysDot"/>
+          </a:ln>
+        </p:spPr>
+        <p:style>
+          <a:lnRef idx="2">
+            <a:schemeClr val="accent1">
+              <a:shade val="50000"/>
+            </a:schemeClr>
+          </a:lnRef>
+          <a:fillRef idx="1">
+            <a:schemeClr val="accent1"/>
+          </a:fillRef>
+          <a:effectRef idx="0">
+            <a:schemeClr val="accent1"/>
+          </a:effectRef>
+          <a:fontRef idx="minor">
+            <a:schemeClr val="lt1"/>
+          </a:fontRef>
+        </p:style>
+        <p:txBody>
+          <a:bodyPr rtlCol="0" anchor="ctr"/>
+          <a:lstStyle/>
+          <a:p>
+            <a:pPr algn="ctr"/>
+            <a:endParaRPr lang="en-US"/>
+          </a:p>
+        </p:txBody>
+      </p:sp>
+      <p:sp>
+        <p:nvSpPr>
+          <p:cNvPr id="22" name="Rectangle 21">
+            <a:extLst>
+              <a:ext uri="{FF2B5EF4-FFF2-40B4-BE49-F238E27FC236}">
+                <a16:creationId xmlns:a16="http://schemas.microsoft.com/office/drawing/2014/main" id="{EECECBB0-EB16-4C92-A514-E969CC934276}"/>
+              </a:ext>
+            </a:extLst>
+          </p:cNvPr>
+          <p:cNvSpPr/>
+          <p:nvPr/>
+        </p:nvSpPr>
+        <p:spPr>
+          <a:xfrm>
+            <a:off x="4547985" y="3733549"/>
+            <a:ext cx="142555" cy="726563"/>
+          </a:xfrm>
+          <a:prstGeom prst="rect">
+            <a:avLst/>
+          </a:prstGeom>
+          <a:noFill/>
+          <a:ln>
+            <a:solidFill>
+              <a:schemeClr val="bg2">
+                <a:lumMod val="25000"/>
+              </a:schemeClr>
+            </a:solidFill>
+            <a:prstDash val="sysDot"/>
+          </a:ln>
+        </p:spPr>
+        <p:style>
+          <a:lnRef idx="2">
+            <a:schemeClr val="accent1">
+              <a:shade val="50000"/>
+            </a:schemeClr>
+          </a:lnRef>
+          <a:fillRef idx="1">
+            <a:schemeClr val="accent1"/>
+          </a:fillRef>
+          <a:effectRef idx="0">
+            <a:schemeClr val="accent1"/>
+          </a:effectRef>
+          <a:fontRef idx="minor">
+            <a:schemeClr val="lt1"/>
+          </a:fontRef>
+        </p:style>
+        <p:txBody>
+          <a:bodyPr rtlCol="0" anchor="ctr"/>
+          <a:lstStyle/>
+          <a:p>
+            <a:pPr algn="ctr"/>
+            <a:endParaRPr lang="en-US"/>
+          </a:p>
+        </p:txBody>
+      </p:sp>
+      <p:cxnSp>
+        <p:nvCxnSpPr>
+          <p:cNvPr id="41" name="Straight Connector 40">
+            <a:extLst>
+              <a:ext uri="{FF2B5EF4-FFF2-40B4-BE49-F238E27FC236}">
+                <a16:creationId xmlns:a16="http://schemas.microsoft.com/office/drawing/2014/main" id="{2B465213-51A3-43CB-A7EE-4E5B57BCA9B8}"/>
+              </a:ext>
+            </a:extLst>
+          </p:cNvPr>
+          <p:cNvCxnSpPr>
+            <a:cxnSpLocks/>
+          </p:cNvCxnSpPr>
+          <p:nvPr/>
+        </p:nvCxnSpPr>
+        <p:spPr>
+          <a:xfrm>
+            <a:off x="3783802" y="3429000"/>
+            <a:ext cx="0" cy="350393"/>
+          </a:xfrm>
+          <a:prstGeom prst="line">
+            <a:avLst/>
+          </a:prstGeom>
+          <a:ln w="12700">
+            <a:solidFill>
+              <a:srgbClr val="7030A0"/>
+            </a:solidFill>
+          </a:ln>
+        </p:spPr>
+        <p:style>
+          <a:lnRef idx="1">
+            <a:schemeClr val="accent1"/>
+          </a:lnRef>
+          <a:fillRef idx="0">
+            <a:schemeClr val="accent1"/>
+          </a:fillRef>
+          <a:effectRef idx="0">
+            <a:schemeClr val="accent1"/>
+          </a:effectRef>
+          <a:fontRef idx="minor">
+            <a:schemeClr val="tx1"/>
+          </a:fontRef>
+        </p:style>
+      </p:cxnSp>
+      <p:cxnSp>
+        <p:nvCxnSpPr>
+          <p:cNvPr id="43" name="Straight Connector 42">
+            <a:extLst>
+              <a:ext uri="{FF2B5EF4-FFF2-40B4-BE49-F238E27FC236}">
+                <a16:creationId xmlns:a16="http://schemas.microsoft.com/office/drawing/2014/main" id="{C8562596-FACE-4CA4-AD5F-4F547E7AEA2D}"/>
+              </a:ext>
+            </a:extLst>
+          </p:cNvPr>
+          <p:cNvCxnSpPr>
+            <a:cxnSpLocks/>
+          </p:cNvCxnSpPr>
+          <p:nvPr/>
+        </p:nvCxnSpPr>
+        <p:spPr>
+          <a:xfrm>
+            <a:off x="3783802" y="3429000"/>
+            <a:ext cx="2077502" cy="0"/>
+          </a:xfrm>
+          <a:prstGeom prst="line">
+            <a:avLst/>
+          </a:prstGeom>
+          <a:ln w="12700">
+            <a:solidFill>
+              <a:srgbClr val="7030A0"/>
+            </a:solidFill>
+          </a:ln>
+        </p:spPr>
+        <p:style>
+          <a:lnRef idx="1">
+            <a:schemeClr val="accent1"/>
+          </a:lnRef>
+          <a:fillRef idx="0">
+            <a:schemeClr val="accent1"/>
+          </a:fillRef>
+          <a:effectRef idx="0">
+            <a:schemeClr val="accent1"/>
+          </a:effectRef>
+          <a:fontRef idx="minor">
+            <a:schemeClr val="tx1"/>
+          </a:fontRef>
+        </p:style>
+      </p:cxnSp>
+      <p:cxnSp>
+        <p:nvCxnSpPr>
+          <p:cNvPr id="48" name="Straight Arrow Connector 47">
+            <a:extLst>
+              <a:ext uri="{FF2B5EF4-FFF2-40B4-BE49-F238E27FC236}">
+                <a16:creationId xmlns:a16="http://schemas.microsoft.com/office/drawing/2014/main" id="{C406E7BD-93F1-4CFC-A29E-3B22F4FE0508}"/>
+              </a:ext>
+            </a:extLst>
+          </p:cNvPr>
+          <p:cNvCxnSpPr>
+            <a:cxnSpLocks/>
+          </p:cNvCxnSpPr>
+          <p:nvPr/>
+        </p:nvCxnSpPr>
+        <p:spPr>
+          <a:xfrm>
+            <a:off x="5857494" y="2857562"/>
+            <a:ext cx="137160" cy="0"/>
+          </a:xfrm>
+          <a:prstGeom prst="straightConnector1">
+            <a:avLst/>
+          </a:prstGeom>
+          <a:ln w="12700">
+            <a:solidFill>
+              <a:srgbClr val="7030A0"/>
+            </a:solidFill>
+            <a:tailEnd type="triangle"/>
+          </a:ln>
+        </p:spPr>
+        <p:style>
+          <a:lnRef idx="1">
+            <a:schemeClr val="accent1"/>
+          </a:lnRef>
+          <a:fillRef idx="0">
+            <a:schemeClr val="accent1"/>
+          </a:fillRef>
+          <a:effectRef idx="0">
+            <a:schemeClr val="accent1"/>
+          </a:effectRef>
+          <a:fontRef idx="minor">
+            <a:schemeClr val="tx1"/>
+          </a:fontRef>
+        </p:style>
+      </p:cxnSp>
+      <p:cxnSp>
+        <p:nvCxnSpPr>
+          <p:cNvPr id="53" name="Straight Connector 52">
+            <a:extLst>
+              <a:ext uri="{FF2B5EF4-FFF2-40B4-BE49-F238E27FC236}">
+                <a16:creationId xmlns:a16="http://schemas.microsoft.com/office/drawing/2014/main" id="{7B21F530-E5F1-47CA-8BB7-DA449DA0C3A4}"/>
+              </a:ext>
+            </a:extLst>
+          </p:cNvPr>
+          <p:cNvCxnSpPr>
+            <a:cxnSpLocks/>
+          </p:cNvCxnSpPr>
+          <p:nvPr/>
+        </p:nvCxnSpPr>
+        <p:spPr>
+          <a:xfrm>
+            <a:off x="4619263" y="3533077"/>
+            <a:ext cx="0" cy="208158"/>
+          </a:xfrm>
+          <a:prstGeom prst="line">
+            <a:avLst/>
+          </a:prstGeom>
+          <a:ln w="12700">
+            <a:solidFill>
+              <a:srgbClr val="7030A0"/>
+            </a:solidFill>
+          </a:ln>
+        </p:spPr>
+        <p:style>
+          <a:lnRef idx="1">
+            <a:schemeClr val="accent1"/>
+          </a:lnRef>
+          <a:fillRef idx="0">
+            <a:schemeClr val="accent1"/>
+          </a:fillRef>
+          <a:effectRef idx="0">
+            <a:schemeClr val="accent1"/>
+          </a:effectRef>
+          <a:fontRef idx="minor">
+            <a:schemeClr val="tx1"/>
+          </a:fontRef>
+        </p:style>
+      </p:cxnSp>
+      <p:cxnSp>
+        <p:nvCxnSpPr>
+          <p:cNvPr id="56" name="Straight Connector 55">
+            <a:extLst>
+              <a:ext uri="{FF2B5EF4-FFF2-40B4-BE49-F238E27FC236}">
+                <a16:creationId xmlns:a16="http://schemas.microsoft.com/office/drawing/2014/main" id="{9E6D9858-D4EF-48B3-B976-811C40E0A2CB}"/>
+              </a:ext>
+            </a:extLst>
+          </p:cNvPr>
+          <p:cNvCxnSpPr>
+            <a:cxnSpLocks/>
+          </p:cNvCxnSpPr>
+          <p:nvPr/>
+        </p:nvCxnSpPr>
+        <p:spPr>
+          <a:xfrm flipV="1">
+            <a:off x="4619263" y="3525391"/>
+            <a:ext cx="1238231" cy="7686"/>
+          </a:xfrm>
+          <a:prstGeom prst="line">
+            <a:avLst/>
+          </a:prstGeom>
+          <a:ln w="12700">
+            <a:solidFill>
+              <a:srgbClr val="7030A0"/>
+            </a:solidFill>
+          </a:ln>
+        </p:spPr>
+        <p:style>
+          <a:lnRef idx="1">
+            <a:schemeClr val="accent1"/>
+          </a:lnRef>
+          <a:fillRef idx="0">
+            <a:schemeClr val="accent1"/>
+          </a:fillRef>
+          <a:effectRef idx="0">
+            <a:schemeClr val="accent1"/>
+          </a:effectRef>
+          <a:fontRef idx="minor">
+            <a:schemeClr val="tx1"/>
+          </a:fontRef>
+        </p:style>
+      </p:cxnSp>
+      <p:cxnSp>
+        <p:nvCxnSpPr>
+          <p:cNvPr id="61" name="Straight Connector 60">
+            <a:extLst>
+              <a:ext uri="{FF2B5EF4-FFF2-40B4-BE49-F238E27FC236}">
+                <a16:creationId xmlns:a16="http://schemas.microsoft.com/office/drawing/2014/main" id="{CB15E32B-5403-4D4B-9856-53D633872A73}"/>
+              </a:ext>
+            </a:extLst>
+          </p:cNvPr>
+          <p:cNvCxnSpPr>
+            <a:cxnSpLocks/>
+          </p:cNvCxnSpPr>
+          <p:nvPr/>
+        </p:nvCxnSpPr>
+        <p:spPr>
+          <a:xfrm flipV="1">
+            <a:off x="5857494" y="3525392"/>
+            <a:ext cx="0" cy="571438"/>
+          </a:xfrm>
+          <a:prstGeom prst="line">
+            <a:avLst/>
+          </a:prstGeom>
+          <a:ln w="12700">
+            <a:solidFill>
+              <a:srgbClr val="7030A0"/>
+            </a:solidFill>
+          </a:ln>
+        </p:spPr>
+        <p:style>
+          <a:lnRef idx="1">
+            <a:schemeClr val="accent1"/>
+          </a:lnRef>
+          <a:fillRef idx="0">
+            <a:schemeClr val="accent1"/>
+          </a:fillRef>
+          <a:effectRef idx="0">
+            <a:schemeClr val="accent1"/>
+          </a:effectRef>
+          <a:fontRef idx="minor">
+            <a:schemeClr val="tx1"/>
+          </a:fontRef>
+        </p:style>
+      </p:cxnSp>
+      <p:cxnSp>
+        <p:nvCxnSpPr>
+          <p:cNvPr id="66" name="Straight Arrow Connector 65">
+            <a:extLst>
+              <a:ext uri="{FF2B5EF4-FFF2-40B4-BE49-F238E27FC236}">
+                <a16:creationId xmlns:a16="http://schemas.microsoft.com/office/drawing/2014/main" id="{2915E729-7F96-46F3-950D-697AC29EC702}"/>
+              </a:ext>
+            </a:extLst>
+          </p:cNvPr>
+          <p:cNvCxnSpPr>
+            <a:cxnSpLocks/>
+          </p:cNvCxnSpPr>
+          <p:nvPr/>
+        </p:nvCxnSpPr>
+        <p:spPr>
+          <a:xfrm>
+            <a:off x="5857494" y="4096830"/>
+            <a:ext cx="137160" cy="0"/>
+          </a:xfrm>
+          <a:prstGeom prst="straightConnector1">
+            <a:avLst/>
+          </a:prstGeom>
+          <a:ln w="12700">
+            <a:solidFill>
+              <a:srgbClr val="7030A0"/>
+            </a:solidFill>
+            <a:tailEnd type="triangle"/>
+          </a:ln>
+        </p:spPr>
+        <p:style>
+          <a:lnRef idx="1">
+            <a:schemeClr val="accent1"/>
+          </a:lnRef>
+          <a:fillRef idx="0">
+            <a:schemeClr val="accent1"/>
+          </a:fillRef>
+          <a:effectRef idx="0">
+            <a:schemeClr val="accent1"/>
+          </a:effectRef>
+          <a:fontRef idx="minor">
+            <a:schemeClr val="tx1"/>
+          </a:fontRef>
+        </p:style>
+      </p:cxnSp>
+      <p:cxnSp>
+        <p:nvCxnSpPr>
+          <p:cNvPr id="68" name="Straight Connector 67">
+            <a:extLst>
+              <a:ext uri="{FF2B5EF4-FFF2-40B4-BE49-F238E27FC236}">
+                <a16:creationId xmlns:a16="http://schemas.microsoft.com/office/drawing/2014/main" id="{D35156A3-C938-4924-87D7-92624C737ED6}"/>
+              </a:ext>
+            </a:extLst>
+          </p:cNvPr>
+          <p:cNvCxnSpPr>
+            <a:cxnSpLocks/>
+          </p:cNvCxnSpPr>
+          <p:nvPr/>
+        </p:nvCxnSpPr>
+        <p:spPr>
+          <a:xfrm flipV="1">
+            <a:off x="5857494" y="2857562"/>
+            <a:ext cx="0" cy="571438"/>
+          </a:xfrm>
+          <a:prstGeom prst="line">
+            <a:avLst/>
+          </a:prstGeom>
+          <a:ln w="12700">
+            <a:solidFill>
+              <a:srgbClr val="7030A0"/>
+            </a:solidFill>
+          </a:ln>
+        </p:spPr>
+        <p:style>
+          <a:lnRef idx="1">
+            <a:schemeClr val="accent1"/>
+          </a:lnRef>
+          <a:fillRef idx="0">
+            <a:schemeClr val="accent1"/>
+          </a:fillRef>
+          <a:effectRef idx="0">
+            <a:schemeClr val="accent1"/>
+          </a:effectRef>
+          <a:fontRef idx="minor">
+            <a:schemeClr val="tx1"/>
+          </a:fontRef>
+        </p:style>
+      </p:cxnSp>
+      <p:sp>
+        <p:nvSpPr>
+          <p:cNvPr id="69" name="TextBox 68">
+            <a:extLst>
+              <a:ext uri="{FF2B5EF4-FFF2-40B4-BE49-F238E27FC236}">
+                <a16:creationId xmlns:a16="http://schemas.microsoft.com/office/drawing/2014/main" id="{97FD8080-0829-4B5F-A856-A812DF45065E}"/>
+              </a:ext>
+            </a:extLst>
+          </p:cNvPr>
+          <p:cNvSpPr txBox="1"/>
+          <p:nvPr/>
+        </p:nvSpPr>
+        <p:spPr>
+          <a:xfrm>
+            <a:off x="5676875" y="2649406"/>
+            <a:ext cx="1041731" cy="246221"/>
+          </a:xfrm>
+          <a:prstGeom prst="rect">
+            <a:avLst/>
+          </a:prstGeom>
+          <a:noFill/>
+        </p:spPr>
+        <p:txBody>
+          <a:bodyPr wrap="square" rtlCol="0">
+            <a:spAutoFit/>
+          </a:bodyPr>
+          <a:lstStyle/>
+          <a:p>
+            <a:r>
+              <a:rPr lang="en-US" sz="1000" dirty="0">
+                <a:solidFill>
+                  <a:srgbClr val="7030A0"/>
+                </a:solidFill>
+                <a:latin typeface="Times New Roman" panose="02020603050405020304" pitchFamily="18" charset="0"/>
+                <a:cs typeface="Times New Roman" panose="02020603050405020304" pitchFamily="18" charset="0"/>
+              </a:rPr>
+              <a:t>Zoom</a:t>
+            </a:r>
+          </a:p>
+        </p:txBody>
+      </p:sp>
+      <p:sp>
+        <p:nvSpPr>
+          <p:cNvPr id="70" name="TextBox 69">
+            <a:extLst>
+              <a:ext uri="{FF2B5EF4-FFF2-40B4-BE49-F238E27FC236}">
+                <a16:creationId xmlns:a16="http://schemas.microsoft.com/office/drawing/2014/main" id="{9F136572-9952-473E-9D86-AD7538AD1AA7}"/>
+              </a:ext>
+            </a:extLst>
+          </p:cNvPr>
+          <p:cNvSpPr txBox="1"/>
+          <p:nvPr/>
+        </p:nvSpPr>
+        <p:spPr>
+          <a:xfrm>
+            <a:off x="5676875" y="4061879"/>
+            <a:ext cx="1041731" cy="246221"/>
+          </a:xfrm>
+          <a:prstGeom prst="rect">
+            <a:avLst/>
+          </a:prstGeom>
+          <a:noFill/>
+        </p:spPr>
+        <p:txBody>
+          <a:bodyPr wrap="square" rtlCol="0">
+            <a:spAutoFit/>
+          </a:bodyPr>
+          <a:lstStyle/>
+          <a:p>
+            <a:r>
+              <a:rPr lang="en-US" sz="1000" dirty="0">
+                <a:solidFill>
+                  <a:srgbClr val="7030A0"/>
+                </a:solidFill>
+                <a:latin typeface="Times New Roman" panose="02020603050405020304" pitchFamily="18" charset="0"/>
+                <a:cs typeface="Times New Roman" panose="02020603050405020304" pitchFamily="18" charset="0"/>
+              </a:rPr>
+              <a:t>Zoom</a:t>
+            </a:r>
+          </a:p>
+        </p:txBody>
+      </p:sp>
+      <p:sp>
+        <p:nvSpPr>
+          <p:cNvPr id="71" name="Rectangle 70">
+            <a:extLst>
+              <a:ext uri="{FF2B5EF4-FFF2-40B4-BE49-F238E27FC236}">
+                <a16:creationId xmlns:a16="http://schemas.microsoft.com/office/drawing/2014/main" id="{A0869B8C-EC27-451B-AAFE-3FC5021D424B}"/>
+              </a:ext>
+            </a:extLst>
+          </p:cNvPr>
+          <p:cNvSpPr/>
+          <p:nvPr/>
+        </p:nvSpPr>
+        <p:spPr>
+          <a:xfrm>
+            <a:off x="2977809" y="368273"/>
+            <a:ext cx="4491999" cy="369332"/>
+          </a:xfrm>
+          <a:prstGeom prst="rect">
+            <a:avLst/>
+          </a:prstGeom>
+        </p:spPr>
+        <p:txBody>
+          <a:bodyPr wrap="none">
+            <a:spAutoFit/>
+          </a:bodyPr>
+          <a:lstStyle/>
+          <a:p>
+            <a:r>
+              <a:rPr lang="en-US" dirty="0"/>
+              <a:t>D:\Github\WPTMotor\Test-Result\2022.12.01</a:t>
+            </a:r>
+          </a:p>
+        </p:txBody>
+      </p:sp>
+      <p:pic>
+        <p:nvPicPr>
+          <p:cNvPr id="87" name="Picture 86">
+            <a:extLst>
+              <a:ext uri="{FF2B5EF4-FFF2-40B4-BE49-F238E27FC236}">
+                <a16:creationId xmlns:a16="http://schemas.microsoft.com/office/drawing/2014/main" id="{76ED2D51-A931-41FD-997E-E8BDF37D5E20}"/>
+              </a:ext>
+            </a:extLst>
+          </p:cNvPr>
+          <p:cNvPicPr>
+            <a:picLocks noChangeAspect="1"/>
+          </p:cNvPicPr>
+          <p:nvPr/>
+        </p:nvPicPr>
+        <p:blipFill>
+          <a:blip r:embed="rId6"/>
+          <a:stretch>
+            <a:fillRect/>
+          </a:stretch>
+        </p:blipFill>
+        <p:spPr>
+          <a:xfrm>
+            <a:off x="5888315" y="2080194"/>
+            <a:ext cx="1905000" cy="1428750"/>
+          </a:xfrm>
+          <a:prstGeom prst="rect">
+            <a:avLst/>
+          </a:prstGeom>
+        </p:spPr>
+      </p:pic>
+      <p:pic>
+        <p:nvPicPr>
+          <p:cNvPr id="89" name="Picture 88">
+            <a:extLst>
+              <a:ext uri="{FF2B5EF4-FFF2-40B4-BE49-F238E27FC236}">
+                <a16:creationId xmlns:a16="http://schemas.microsoft.com/office/drawing/2014/main" id="{1832F251-95CF-465B-BBD6-7FA96AF3DAAC}"/>
+              </a:ext>
+            </a:extLst>
+          </p:cNvPr>
+          <p:cNvPicPr>
+            <a:picLocks noChangeAspect="1"/>
+          </p:cNvPicPr>
+          <p:nvPr/>
+        </p:nvPicPr>
+        <p:blipFill>
+          <a:blip r:embed="rId7"/>
+          <a:stretch>
+            <a:fillRect/>
+          </a:stretch>
+        </p:blipFill>
+        <p:spPr>
+          <a:xfrm>
+            <a:off x="5915326" y="3508944"/>
+            <a:ext cx="1905000" cy="1428750"/>
+          </a:xfrm>
+          <a:prstGeom prst="rect">
+            <a:avLst/>
+          </a:prstGeom>
+        </p:spPr>
+      </p:pic>
     </p:spTree>
     <p:extLst>
       <p:ext uri="{BB962C8B-B14F-4D97-AF65-F5344CB8AC3E}">
@@ -3940,6 +4954,388 @@
           <a:chExt cx="0" cy="0"/>
         </a:xfrm>
       </p:grpSpPr>
+      <p:pic>
+        <p:nvPicPr>
+          <p:cNvPr id="8" name="Picture 7">
+            <a:extLst>
+              <a:ext uri="{FF2B5EF4-FFF2-40B4-BE49-F238E27FC236}">
+                <a16:creationId xmlns:a16="http://schemas.microsoft.com/office/drawing/2014/main" id="{E6C550E0-A993-4A19-B682-EB2F732B4398}"/>
+              </a:ext>
+            </a:extLst>
+          </p:cNvPr>
+          <p:cNvPicPr>
+            <a:picLocks noChangeAspect="1"/>
+          </p:cNvPicPr>
+          <p:nvPr/>
+        </p:nvPicPr>
+        <p:blipFill>
+          <a:blip r:embed="rId2"/>
+          <a:stretch>
+            <a:fillRect/>
+          </a:stretch>
+        </p:blipFill>
+        <p:spPr>
+          <a:xfrm>
+            <a:off x="3611880" y="1422273"/>
+            <a:ext cx="3810000" cy="1428750"/>
+          </a:xfrm>
+          <a:prstGeom prst="rect">
+            <a:avLst/>
+          </a:prstGeom>
+        </p:spPr>
+      </p:pic>
+      <p:pic>
+        <p:nvPicPr>
+          <p:cNvPr id="9" name="Picture 8">
+            <a:extLst>
+              <a:ext uri="{FF2B5EF4-FFF2-40B4-BE49-F238E27FC236}">
+                <a16:creationId xmlns:a16="http://schemas.microsoft.com/office/drawing/2014/main" id="{27C6BDE1-D281-4B46-90A8-E7496D03F49C}"/>
+              </a:ext>
+            </a:extLst>
+          </p:cNvPr>
+          <p:cNvPicPr>
+            <a:picLocks noChangeAspect="1"/>
+          </p:cNvPicPr>
+          <p:nvPr/>
+        </p:nvPicPr>
+        <p:blipFill>
+          <a:blip r:embed="rId3"/>
+          <a:stretch>
+            <a:fillRect/>
+          </a:stretch>
+        </p:blipFill>
+        <p:spPr>
+          <a:xfrm>
+            <a:off x="3611880" y="2851023"/>
+            <a:ext cx="3810000" cy="1428750"/>
+          </a:xfrm>
+          <a:prstGeom prst="rect">
+            <a:avLst/>
+          </a:prstGeom>
+        </p:spPr>
+      </p:pic>
+      <p:cxnSp>
+        <p:nvCxnSpPr>
+          <p:cNvPr id="10" name="Straight Connector 9">
+            <a:extLst>
+              <a:ext uri="{FF2B5EF4-FFF2-40B4-BE49-F238E27FC236}">
+                <a16:creationId xmlns:a16="http://schemas.microsoft.com/office/drawing/2014/main" id="{7BD017CA-FE9F-4813-B4F5-AF2DFFF7B0F4}"/>
+              </a:ext>
+            </a:extLst>
+          </p:cNvPr>
+          <p:cNvCxnSpPr>
+            <a:cxnSpLocks/>
+          </p:cNvCxnSpPr>
+          <p:nvPr/>
+        </p:nvCxnSpPr>
+        <p:spPr>
+          <a:xfrm>
+            <a:off x="4785360" y="1422273"/>
+            <a:ext cx="0" cy="2368296"/>
+          </a:xfrm>
+          <a:prstGeom prst="line">
+            <a:avLst/>
+          </a:prstGeom>
+          <a:ln w="9525">
+            <a:solidFill>
+              <a:schemeClr val="bg2">
+                <a:lumMod val="25000"/>
+              </a:schemeClr>
+            </a:solidFill>
+            <a:prstDash val="dash"/>
+          </a:ln>
+        </p:spPr>
+        <p:style>
+          <a:lnRef idx="1">
+            <a:schemeClr val="accent1"/>
+          </a:lnRef>
+          <a:fillRef idx="0">
+            <a:schemeClr val="accent1"/>
+          </a:fillRef>
+          <a:effectRef idx="0">
+            <a:schemeClr val="accent1"/>
+          </a:effectRef>
+          <a:fontRef idx="minor">
+            <a:schemeClr val="tx1"/>
+          </a:fontRef>
+        </p:style>
+      </p:cxnSp>
+      <mc:AlternateContent xmlns:mc="http://schemas.openxmlformats.org/markup-compatibility/2006" xmlns:a14="http://schemas.microsoft.com/office/drawing/2010/main">
+        <mc:Choice Requires="a14">
+          <p:sp>
+            <p:nvSpPr>
+              <p:cNvPr id="11" name="TextBox 10">
+                <a:extLst>
+                  <a:ext uri="{FF2B5EF4-FFF2-40B4-BE49-F238E27FC236}">
+                    <a16:creationId xmlns:a16="http://schemas.microsoft.com/office/drawing/2014/main" id="{6A81C444-387A-4294-B2F9-B910D706A234}"/>
+                  </a:ext>
+                </a:extLst>
+              </p:cNvPr>
+              <p:cNvSpPr txBox="1"/>
+              <p:nvPr/>
+            </p:nvSpPr>
+            <p:spPr>
+              <a:xfrm>
+                <a:off x="4704120" y="1237607"/>
+                <a:ext cx="162480" cy="184666"/>
+              </a:xfrm>
+              <a:prstGeom prst="rect">
+                <a:avLst/>
+              </a:prstGeom>
+              <a:noFill/>
+            </p:spPr>
+            <p:txBody>
+              <a:bodyPr wrap="none" lIns="0" tIns="0" rIns="0" bIns="0" rtlCol="0">
+                <a:spAutoFit/>
+              </a:bodyPr>
+              <a:lstStyle/>
+              <a:p>
+                <a:pPr/>
+                <a14:m>
+                  <m:oMathPara xmlns:m="http://schemas.openxmlformats.org/officeDocument/2006/math">
+                    <m:oMathParaPr>
+                      <m:jc m:val="centerGroup"/>
+                    </m:oMathParaPr>
+                    <m:oMath xmlns:m="http://schemas.openxmlformats.org/officeDocument/2006/math">
+                      <m:sSub>
+                        <m:sSubPr>
+                          <m:ctrlPr>
+                            <a:rPr lang="en-US" sz="1200" b="0" i="1" smtClean="0">
+                              <a:latin typeface="Cambria Math" panose="02040503050406030204" pitchFamily="18" charset="0"/>
+                            </a:rPr>
+                          </m:ctrlPr>
+                        </m:sSubPr>
+                        <m:e>
+                          <m:r>
+                            <a:rPr lang="en-US" sz="1200" b="0" i="1" smtClean="0">
+                              <a:latin typeface="Cambria Math" panose="02040503050406030204" pitchFamily="18" charset="0"/>
+                            </a:rPr>
+                            <m:t>𝑡</m:t>
+                          </m:r>
+                        </m:e>
+                        <m:sub>
+                          <m:r>
+                            <a:rPr lang="en-US" sz="1200" b="0" i="1" smtClean="0">
+                              <a:latin typeface="Cambria Math" panose="02040503050406030204" pitchFamily="18" charset="0"/>
+                            </a:rPr>
+                            <m:t>1</m:t>
+                          </m:r>
+                        </m:sub>
+                      </m:sSub>
+                    </m:oMath>
+                  </m:oMathPara>
+                </a14:m>
+                <a:endParaRPr lang="en-US" sz="1200" dirty="0"/>
+              </a:p>
+            </p:txBody>
+          </p:sp>
+        </mc:Choice>
+        <mc:Fallback xmlns="">
+          <p:sp>
+            <p:nvSpPr>
+              <p:cNvPr id="11" name="TextBox 10">
+                <a:extLst>
+                  <a:ext uri="{FF2B5EF4-FFF2-40B4-BE49-F238E27FC236}">
+                    <a16:creationId xmlns:a16="http://schemas.microsoft.com/office/drawing/2014/main" id="{6A81C444-387A-4294-B2F9-B910D706A234}"/>
+                  </a:ext>
+                </a:extLst>
+              </p:cNvPr>
+              <p:cNvSpPr txBox="1">
+                <a:spLocks noRot="1" noChangeAspect="1" noMove="1" noResize="1" noEditPoints="1" noAdjustHandles="1" noChangeArrowheads="1" noChangeShapeType="1" noTextEdit="1"/>
+              </p:cNvSpPr>
+              <p:nvPr/>
+            </p:nvSpPr>
+            <p:spPr>
+              <a:xfrm>
+                <a:off x="4704120" y="1237607"/>
+                <a:ext cx="162480" cy="184666"/>
+              </a:xfrm>
+              <a:prstGeom prst="rect">
+                <a:avLst/>
+              </a:prstGeom>
+              <a:blipFill>
+                <a:blip r:embed="rId4"/>
+                <a:stretch>
+                  <a:fillRect l="-19231" r="-7692" b="-13333"/>
+                </a:stretch>
+              </a:blipFill>
+            </p:spPr>
+            <p:txBody>
+              <a:bodyPr/>
+              <a:lstStyle/>
+              <a:p>
+                <a:r>
+                  <a:rPr lang="en-US">
+                    <a:noFill/>
+                  </a:rPr>
+                  <a:t> </a:t>
+                </a:r>
+              </a:p>
+            </p:txBody>
+          </p:sp>
+        </mc:Fallback>
+      </mc:AlternateContent>
+      <p:cxnSp>
+        <p:nvCxnSpPr>
+          <p:cNvPr id="12" name="Straight Connector 11">
+            <a:extLst>
+              <a:ext uri="{FF2B5EF4-FFF2-40B4-BE49-F238E27FC236}">
+                <a16:creationId xmlns:a16="http://schemas.microsoft.com/office/drawing/2014/main" id="{00871B75-6B50-4E15-9F7C-FA4F2180150C}"/>
+              </a:ext>
+            </a:extLst>
+          </p:cNvPr>
+          <p:cNvCxnSpPr>
+            <a:cxnSpLocks/>
+          </p:cNvCxnSpPr>
+          <p:nvPr/>
+        </p:nvCxnSpPr>
+        <p:spPr>
+          <a:xfrm>
+            <a:off x="6339840" y="1469136"/>
+            <a:ext cx="0" cy="2321433"/>
+          </a:xfrm>
+          <a:prstGeom prst="line">
+            <a:avLst/>
+          </a:prstGeom>
+          <a:ln w="9525">
+            <a:solidFill>
+              <a:schemeClr val="bg2">
+                <a:lumMod val="25000"/>
+              </a:schemeClr>
+            </a:solidFill>
+            <a:prstDash val="dash"/>
+          </a:ln>
+        </p:spPr>
+        <p:style>
+          <a:lnRef idx="1">
+            <a:schemeClr val="accent1"/>
+          </a:lnRef>
+          <a:fillRef idx="0">
+            <a:schemeClr val="accent1"/>
+          </a:fillRef>
+          <a:effectRef idx="0">
+            <a:schemeClr val="accent1"/>
+          </a:effectRef>
+          <a:fontRef idx="minor">
+            <a:schemeClr val="tx1"/>
+          </a:fontRef>
+        </p:style>
+      </p:cxnSp>
+      <mc:AlternateContent xmlns:mc="http://schemas.openxmlformats.org/markup-compatibility/2006" xmlns:a14="http://schemas.microsoft.com/office/drawing/2010/main">
+        <mc:Choice Requires="a14">
+          <p:sp>
+            <p:nvSpPr>
+              <p:cNvPr id="13" name="TextBox 12">
+                <a:extLst>
+                  <a:ext uri="{FF2B5EF4-FFF2-40B4-BE49-F238E27FC236}">
+                    <a16:creationId xmlns:a16="http://schemas.microsoft.com/office/drawing/2014/main" id="{EA920651-F506-481A-8C52-AF4B0E631B78}"/>
+                  </a:ext>
+                </a:extLst>
+              </p:cNvPr>
+              <p:cNvSpPr txBox="1"/>
+              <p:nvPr/>
+            </p:nvSpPr>
+            <p:spPr>
+              <a:xfrm>
+                <a:off x="6256804" y="1237607"/>
+                <a:ext cx="166071" cy="184666"/>
+              </a:xfrm>
+              <a:prstGeom prst="rect">
+                <a:avLst/>
+              </a:prstGeom>
+              <a:noFill/>
+            </p:spPr>
+            <p:txBody>
+              <a:bodyPr wrap="none" lIns="0" tIns="0" rIns="0" bIns="0" rtlCol="0">
+                <a:spAutoFit/>
+              </a:bodyPr>
+              <a:lstStyle/>
+              <a:p>
+                <a:pPr/>
+                <a14:m>
+                  <m:oMathPara xmlns:m="http://schemas.openxmlformats.org/officeDocument/2006/math">
+                    <m:oMathParaPr>
+                      <m:jc m:val="centerGroup"/>
+                    </m:oMathParaPr>
+                    <m:oMath xmlns:m="http://schemas.openxmlformats.org/officeDocument/2006/math">
+                      <m:sSub>
+                        <m:sSubPr>
+                          <m:ctrlPr>
+                            <a:rPr lang="en-US" sz="1200" b="0" i="1" smtClean="0">
+                              <a:latin typeface="Cambria Math" panose="02040503050406030204" pitchFamily="18" charset="0"/>
+                            </a:rPr>
+                          </m:ctrlPr>
+                        </m:sSubPr>
+                        <m:e>
+                          <m:r>
+                            <a:rPr lang="en-US" sz="1200" b="0" i="1" smtClean="0">
+                              <a:latin typeface="Cambria Math" panose="02040503050406030204" pitchFamily="18" charset="0"/>
+                            </a:rPr>
+                            <m:t>𝑡</m:t>
+                          </m:r>
+                        </m:e>
+                        <m:sub>
+                          <m:r>
+                            <a:rPr lang="en-US" sz="1200" b="0" i="1" smtClean="0">
+                              <a:latin typeface="Cambria Math" panose="02040503050406030204" pitchFamily="18" charset="0"/>
+                            </a:rPr>
+                            <m:t>2</m:t>
+                          </m:r>
+                        </m:sub>
+                      </m:sSub>
+                    </m:oMath>
+                  </m:oMathPara>
+                </a14:m>
+                <a:endParaRPr lang="en-US" sz="1200" dirty="0"/>
+              </a:p>
+            </p:txBody>
+          </p:sp>
+        </mc:Choice>
+        <mc:Fallback xmlns="">
+          <p:sp>
+            <p:nvSpPr>
+              <p:cNvPr id="13" name="TextBox 12">
+                <a:extLst>
+                  <a:ext uri="{FF2B5EF4-FFF2-40B4-BE49-F238E27FC236}">
+                    <a16:creationId xmlns:a16="http://schemas.microsoft.com/office/drawing/2014/main" id="{EA920651-F506-481A-8C52-AF4B0E631B78}"/>
+                  </a:ext>
+                </a:extLst>
+              </p:cNvPr>
+              <p:cNvSpPr txBox="1">
+                <a:spLocks noRot="1" noChangeAspect="1" noMove="1" noResize="1" noEditPoints="1" noAdjustHandles="1" noChangeArrowheads="1" noChangeShapeType="1" noTextEdit="1"/>
+              </p:cNvSpPr>
+              <p:nvPr/>
+            </p:nvSpPr>
+            <p:spPr>
+              <a:xfrm>
+                <a:off x="6256804" y="1237607"/>
+                <a:ext cx="166071" cy="184666"/>
+              </a:xfrm>
+              <a:prstGeom prst="rect">
+                <a:avLst/>
+              </a:prstGeom>
+              <a:blipFill>
+                <a:blip r:embed="rId5"/>
+                <a:stretch>
+                  <a:fillRect l="-17857" r="-3571" b="-13333"/>
+                </a:stretch>
+              </a:blipFill>
+            </p:spPr>
+            <p:txBody>
+              <a:bodyPr/>
+              <a:lstStyle/>
+              <a:p>
+                <a:r>
+                  <a:rPr lang="en-US">
+                    <a:noFill/>
+                  </a:rPr>
+                  <a:t> </a:t>
+                </a:r>
+              </a:p>
+            </p:txBody>
+          </p:sp>
+        </mc:Fallback>
+      </mc:AlternateContent>
     </p:spTree>
     <p:extLst>
       <p:ext uri="{BB962C8B-B14F-4D97-AF65-F5344CB8AC3E}">
@@ -3970,10 +5366,164 @@
           <a:chExt cx="0" cy="0"/>
         </a:xfrm>
       </p:grpSpPr>
+      <p:pic>
+        <p:nvPicPr>
+          <p:cNvPr id="17" name="Picture 16">
+            <a:extLst>
+              <a:ext uri="{FF2B5EF4-FFF2-40B4-BE49-F238E27FC236}">
+                <a16:creationId xmlns:a16="http://schemas.microsoft.com/office/drawing/2014/main" id="{C9AFB836-6469-45E2-9832-ED7285D6FE9A}"/>
+              </a:ext>
+            </a:extLst>
+          </p:cNvPr>
+          <p:cNvPicPr>
+            <a:picLocks noChangeAspect="1"/>
+          </p:cNvPicPr>
+          <p:nvPr/>
+        </p:nvPicPr>
+        <p:blipFill>
+          <a:blip r:embed="rId2"/>
+          <a:stretch>
+            <a:fillRect/>
+          </a:stretch>
+        </p:blipFill>
+        <p:spPr>
+          <a:xfrm>
+            <a:off x="4709246" y="1133663"/>
+            <a:ext cx="3810000" cy="1905000"/>
+          </a:xfrm>
+          <a:prstGeom prst="rect">
+            <a:avLst/>
+          </a:prstGeom>
+        </p:spPr>
+      </p:pic>
+      <p:pic>
+        <p:nvPicPr>
+          <p:cNvPr id="18" name="Picture 17">
+            <a:extLst>
+              <a:ext uri="{FF2B5EF4-FFF2-40B4-BE49-F238E27FC236}">
+                <a16:creationId xmlns:a16="http://schemas.microsoft.com/office/drawing/2014/main" id="{3B803906-51B3-4E84-9538-BC3B21F49B2E}"/>
+              </a:ext>
+            </a:extLst>
+          </p:cNvPr>
+          <p:cNvPicPr>
+            <a:picLocks noChangeAspect="1"/>
+          </p:cNvPicPr>
+          <p:nvPr/>
+        </p:nvPicPr>
+        <p:blipFill>
+          <a:blip r:embed="rId3"/>
+          <a:stretch>
+            <a:fillRect/>
+          </a:stretch>
+        </p:blipFill>
+        <p:spPr>
+          <a:xfrm>
+            <a:off x="4709246" y="3038663"/>
+            <a:ext cx="3810000" cy="1905000"/>
+          </a:xfrm>
+          <a:prstGeom prst="rect">
+            <a:avLst/>
+          </a:prstGeom>
+        </p:spPr>
+      </p:pic>
     </p:spTree>
     <p:extLst>
       <p:ext uri="{BB962C8B-B14F-4D97-AF65-F5344CB8AC3E}">
         <p14:creationId xmlns:p14="http://schemas.microsoft.com/office/powerpoint/2010/main" val="4000646965"/>
+      </p:ext>
+    </p:extLst>
+  </p:cSld>
+  <p:clrMapOvr>
+    <a:masterClrMapping/>
+  </p:clrMapOvr>
+</p:sld>
+</file>
+
+<file path=ppt/slides/slide6.xml><?xml version="1.0" encoding="utf-8"?>
+<p:sld xmlns:a="http://schemas.openxmlformats.org/drawingml/2006/main" xmlns:r="http://schemas.openxmlformats.org/officeDocument/2006/relationships" xmlns:p="http://schemas.openxmlformats.org/presentationml/2006/main">
+  <p:cSld>
+    <p:spTree>
+      <p:nvGrpSpPr>
+        <p:cNvPr id="1" name=""/>
+        <p:cNvGrpSpPr/>
+        <p:nvPr/>
+      </p:nvGrpSpPr>
+      <p:grpSpPr>
+        <a:xfrm>
+          <a:off x="0" y="0"/>
+          <a:ext cx="0" cy="0"/>
+          <a:chOff x="0" y="0"/>
+          <a:chExt cx="0" cy="0"/>
+        </a:xfrm>
+      </p:grpSpPr>
+      <p:sp>
+        <p:nvSpPr>
+          <p:cNvPr id="13" name="Rectangle 12">
+            <a:extLst>
+              <a:ext uri="{FF2B5EF4-FFF2-40B4-BE49-F238E27FC236}">
+                <a16:creationId xmlns:a16="http://schemas.microsoft.com/office/drawing/2014/main" id="{E36B8128-D131-456B-908A-2D87E8F88099}"/>
+              </a:ext>
+            </a:extLst>
+          </p:cNvPr>
+          <p:cNvSpPr/>
+          <p:nvPr/>
+        </p:nvSpPr>
+        <p:spPr>
+          <a:xfrm>
+            <a:off x="4581520" y="1189982"/>
+            <a:ext cx="4491999" cy="369332"/>
+          </a:xfrm>
+          <a:prstGeom prst="rect">
+            <a:avLst/>
+          </a:prstGeom>
+        </p:spPr>
+        <p:txBody>
+          <a:bodyPr wrap="none">
+            <a:spAutoFit/>
+          </a:bodyPr>
+          <a:lstStyle/>
+          <a:p>
+            <a:r>
+              <a:rPr lang="en-US" dirty="0"/>
+              <a:t>D:\Github\WPTMotor\Test-Result\2021.11.29</a:t>
+            </a:r>
+          </a:p>
+        </p:txBody>
+      </p:sp>
+      <p:pic>
+        <p:nvPicPr>
+          <p:cNvPr id="24" name="Picture 23">
+            <a:extLst>
+              <a:ext uri="{FF2B5EF4-FFF2-40B4-BE49-F238E27FC236}">
+                <a16:creationId xmlns:a16="http://schemas.microsoft.com/office/drawing/2014/main" id="{8B2D3155-26C4-401B-B921-01E93EBF55DF}"/>
+              </a:ext>
+            </a:extLst>
+          </p:cNvPr>
+          <p:cNvPicPr>
+            <a:picLocks noChangeAspect="1"/>
+          </p:cNvPicPr>
+          <p:nvPr/>
+        </p:nvPicPr>
+        <p:blipFill>
+          <a:blip r:embed="rId2"/>
+          <a:stretch>
+            <a:fillRect/>
+          </a:stretch>
+        </p:blipFill>
+        <p:spPr>
+          <a:xfrm>
+            <a:off x="3334555" y="2624608"/>
+            <a:ext cx="3810000" cy="1905000"/>
+          </a:xfrm>
+          <a:prstGeom prst="rect">
+            <a:avLst/>
+          </a:prstGeom>
+        </p:spPr>
+      </p:pic>
+    </p:spTree>
+    <p:extLst>
+      <p:ext uri="{BB962C8B-B14F-4D97-AF65-F5344CB8AC3E}">
+        <p14:creationId xmlns:p14="http://schemas.microsoft.com/office/powerpoint/2010/main" val="2958766520"/>
       </p:ext>
     </p:extLst>
   </p:cSld>

--- a/Test-Result/2022.12.01/New Microsoft PowerPoint Presentation.pptx
+++ b/Test-Result/2022.12.01/New Microsoft PowerPoint Presentation.pptx
@@ -10,7 +10,9 @@
     <p:sldId id="258" r:id="rId4"/>
     <p:sldId id="259" r:id="rId5"/>
     <p:sldId id="260" r:id="rId6"/>
-    <p:sldId id="261" r:id="rId7"/>
+    <p:sldId id="262" r:id="rId7"/>
+    <p:sldId id="261" r:id="rId8"/>
+    <p:sldId id="263" r:id="rId9"/>
   </p:sldIdLst>
   <p:sldSz cx="12192000" cy="6858000"/>
   <p:notesSz cx="6858000" cy="9144000"/>
@@ -264,7 +266,7 @@
           <a:p>
             <a:fld id="{818D92CC-00E8-4D30-8D68-0F4CD445B4D9}" type="datetimeFigureOut">
               <a:rPr lang="en-US" smtClean="0"/>
-              <a:t>12/9/2021</a:t>
+              <a:t>12/21/2021</a:t>
             </a:fld>
             <a:endParaRPr lang="en-US"/>
           </a:p>
@@ -462,7 +464,7 @@
           <a:p>
             <a:fld id="{818D92CC-00E8-4D30-8D68-0F4CD445B4D9}" type="datetimeFigureOut">
               <a:rPr lang="en-US" smtClean="0"/>
-              <a:t>12/9/2021</a:t>
+              <a:t>12/21/2021</a:t>
             </a:fld>
             <a:endParaRPr lang="en-US"/>
           </a:p>
@@ -670,7 +672,7 @@
           <a:p>
             <a:fld id="{818D92CC-00E8-4D30-8D68-0F4CD445B4D9}" type="datetimeFigureOut">
               <a:rPr lang="en-US" smtClean="0"/>
-              <a:t>12/9/2021</a:t>
+              <a:t>12/21/2021</a:t>
             </a:fld>
             <a:endParaRPr lang="en-US"/>
           </a:p>
@@ -868,7 +870,7 @@
           <a:p>
             <a:fld id="{818D92CC-00E8-4D30-8D68-0F4CD445B4D9}" type="datetimeFigureOut">
               <a:rPr lang="en-US" smtClean="0"/>
-              <a:t>12/9/2021</a:t>
+              <a:t>12/21/2021</a:t>
             </a:fld>
             <a:endParaRPr lang="en-US"/>
           </a:p>
@@ -1143,7 +1145,7 @@
           <a:p>
             <a:fld id="{818D92CC-00E8-4D30-8D68-0F4CD445B4D9}" type="datetimeFigureOut">
               <a:rPr lang="en-US" smtClean="0"/>
-              <a:t>12/9/2021</a:t>
+              <a:t>12/21/2021</a:t>
             </a:fld>
             <a:endParaRPr lang="en-US"/>
           </a:p>
@@ -1408,7 +1410,7 @@
           <a:p>
             <a:fld id="{818D92CC-00E8-4D30-8D68-0F4CD445B4D9}" type="datetimeFigureOut">
               <a:rPr lang="en-US" smtClean="0"/>
-              <a:t>12/9/2021</a:t>
+              <a:t>12/21/2021</a:t>
             </a:fld>
             <a:endParaRPr lang="en-US"/>
           </a:p>
@@ -1820,7 +1822,7 @@
           <a:p>
             <a:fld id="{818D92CC-00E8-4D30-8D68-0F4CD445B4D9}" type="datetimeFigureOut">
               <a:rPr lang="en-US" smtClean="0"/>
-              <a:t>12/9/2021</a:t>
+              <a:t>12/21/2021</a:t>
             </a:fld>
             <a:endParaRPr lang="en-US"/>
           </a:p>
@@ -1961,7 +1963,7 @@
           <a:p>
             <a:fld id="{818D92CC-00E8-4D30-8D68-0F4CD445B4D9}" type="datetimeFigureOut">
               <a:rPr lang="en-US" smtClean="0"/>
-              <a:t>12/9/2021</a:t>
+              <a:t>12/21/2021</a:t>
             </a:fld>
             <a:endParaRPr lang="en-US"/>
           </a:p>
@@ -2074,7 +2076,7 @@
           <a:p>
             <a:fld id="{818D92CC-00E8-4D30-8D68-0F4CD445B4D9}" type="datetimeFigureOut">
               <a:rPr lang="en-US" smtClean="0"/>
-              <a:t>12/9/2021</a:t>
+              <a:t>12/21/2021</a:t>
             </a:fld>
             <a:endParaRPr lang="en-US"/>
           </a:p>
@@ -2385,7 +2387,7 @@
           <a:p>
             <a:fld id="{818D92CC-00E8-4D30-8D68-0F4CD445B4D9}" type="datetimeFigureOut">
               <a:rPr lang="en-US" smtClean="0"/>
-              <a:t>12/9/2021</a:t>
+              <a:t>12/21/2021</a:t>
             </a:fld>
             <a:endParaRPr lang="en-US"/>
           </a:p>
@@ -2673,7 +2675,7 @@
           <a:p>
             <a:fld id="{818D92CC-00E8-4D30-8D68-0F4CD445B4D9}" type="datetimeFigureOut">
               <a:rPr lang="en-US" smtClean="0"/>
-              <a:t>12/9/2021</a:t>
+              <a:t>12/21/2021</a:t>
             </a:fld>
             <a:endParaRPr lang="en-US"/>
           </a:p>
@@ -2914,7 +2916,7 @@
           <a:p>
             <a:fld id="{818D92CC-00E8-4D30-8D68-0F4CD445B4D9}" type="datetimeFigureOut">
               <a:rPr lang="en-US" smtClean="0"/>
-              <a:t>12/9/2021</a:t>
+              <a:t>12/21/2021</a:t>
             </a:fld>
             <a:endParaRPr lang="en-US"/>
           </a:p>
@@ -5388,7 +5390,7 @@
         </p:blipFill>
         <p:spPr>
           <a:xfrm>
-            <a:off x="4709246" y="1133663"/>
+            <a:off x="678158" y="1037071"/>
             <a:ext cx="3810000" cy="1905000"/>
           </a:xfrm>
           <a:prstGeom prst="rect">
@@ -5418,8 +5420,68 @@
         </p:blipFill>
         <p:spPr>
           <a:xfrm>
-            <a:off x="4709246" y="3038663"/>
+            <a:off x="678158" y="3457226"/>
             <a:ext cx="3810000" cy="1905000"/>
+          </a:xfrm>
+          <a:prstGeom prst="rect">
+            <a:avLst/>
+          </a:prstGeom>
+        </p:spPr>
+      </p:pic>
+      <p:pic>
+        <p:nvPicPr>
+          <p:cNvPr id="2" name="Picture 1">
+            <a:extLst>
+              <a:ext uri="{FF2B5EF4-FFF2-40B4-BE49-F238E27FC236}">
+                <a16:creationId xmlns:a16="http://schemas.microsoft.com/office/drawing/2014/main" id="{85D9D825-439D-4D17-B42E-F8559A1164B7}"/>
+              </a:ext>
+            </a:extLst>
+          </p:cNvPr>
+          <p:cNvPicPr>
+            <a:picLocks noChangeAspect="1"/>
+          </p:cNvPicPr>
+          <p:nvPr/>
+        </p:nvPicPr>
+        <p:blipFill>
+          <a:blip r:embed="rId4"/>
+          <a:stretch>
+            <a:fillRect/>
+          </a:stretch>
+        </p:blipFill>
+        <p:spPr>
+          <a:xfrm>
+            <a:off x="5324878" y="1037071"/>
+            <a:ext cx="5715000" cy="1905000"/>
+          </a:xfrm>
+          <a:prstGeom prst="rect">
+            <a:avLst/>
+          </a:prstGeom>
+        </p:spPr>
+      </p:pic>
+      <p:pic>
+        <p:nvPicPr>
+          <p:cNvPr id="3" name="Picture 2">
+            <a:extLst>
+              <a:ext uri="{FF2B5EF4-FFF2-40B4-BE49-F238E27FC236}">
+                <a16:creationId xmlns:a16="http://schemas.microsoft.com/office/drawing/2014/main" id="{F3CCCA8D-0BE7-4D94-8E5B-3249EA725526}"/>
+              </a:ext>
+            </a:extLst>
+          </p:cNvPr>
+          <p:cNvPicPr>
+            <a:picLocks noChangeAspect="1"/>
+          </p:cNvPicPr>
+          <p:nvPr/>
+        </p:nvPicPr>
+        <p:blipFill>
+          <a:blip r:embed="rId5"/>
+          <a:stretch>
+            <a:fillRect/>
+          </a:stretch>
+        </p:blipFill>
+        <p:spPr>
+          <a:xfrm>
+            <a:off x="5279801" y="3229914"/>
+            <a:ext cx="5715000" cy="1905000"/>
           </a:xfrm>
           <a:prstGeom prst="rect">
             <a:avLst/>
@@ -5456,46 +5518,12 @@
           <a:chExt cx="0" cy="0"/>
         </a:xfrm>
       </p:grpSpPr>
-      <p:sp>
-        <p:nvSpPr>
-          <p:cNvPr id="13" name="Rectangle 12">
-            <a:extLst>
-              <a:ext uri="{FF2B5EF4-FFF2-40B4-BE49-F238E27FC236}">
-                <a16:creationId xmlns:a16="http://schemas.microsoft.com/office/drawing/2014/main" id="{E36B8128-D131-456B-908A-2D87E8F88099}"/>
-              </a:ext>
-            </a:extLst>
-          </p:cNvPr>
-          <p:cNvSpPr/>
-          <p:nvPr/>
-        </p:nvSpPr>
-        <p:spPr>
-          <a:xfrm>
-            <a:off x="4581520" y="1189982"/>
-            <a:ext cx="4491999" cy="369332"/>
-          </a:xfrm>
-          <a:prstGeom prst="rect">
-            <a:avLst/>
-          </a:prstGeom>
-        </p:spPr>
-        <p:txBody>
-          <a:bodyPr wrap="none">
-            <a:spAutoFit/>
-          </a:bodyPr>
-          <a:lstStyle/>
-          <a:p>
-            <a:r>
-              <a:rPr lang="en-US" dirty="0"/>
-              <a:t>D:\Github\WPTMotor\Test-Result\2021.11.29</a:t>
-            </a:r>
-          </a:p>
-        </p:txBody>
-      </p:sp>
       <p:pic>
         <p:nvPicPr>
-          <p:cNvPr id="24" name="Picture 23">
-            <a:extLst>
-              <a:ext uri="{FF2B5EF4-FFF2-40B4-BE49-F238E27FC236}">
-                <a16:creationId xmlns:a16="http://schemas.microsoft.com/office/drawing/2014/main" id="{8B2D3155-26C4-401B-B921-01E93EBF55DF}"/>
+          <p:cNvPr id="5" name="Picture 4">
+            <a:extLst>
+              <a:ext uri="{FF2B5EF4-FFF2-40B4-BE49-F238E27FC236}">
+                <a16:creationId xmlns:a16="http://schemas.microsoft.com/office/drawing/2014/main" id="{E7163CAD-786A-4870-8CD3-5C64687C477D}"/>
               </a:ext>
             </a:extLst>
           </p:cNvPr>
@@ -5512,6 +5540,343 @@
         </p:blipFill>
         <p:spPr>
           <a:xfrm>
+            <a:off x="2960799" y="1336720"/>
+            <a:ext cx="2857500" cy="1905000"/>
+          </a:xfrm>
+          <a:prstGeom prst="rect">
+            <a:avLst/>
+          </a:prstGeom>
+        </p:spPr>
+      </p:pic>
+      <p:pic>
+        <p:nvPicPr>
+          <p:cNvPr id="11" name="Picture 10">
+            <a:extLst>
+              <a:ext uri="{FF2B5EF4-FFF2-40B4-BE49-F238E27FC236}">
+                <a16:creationId xmlns:a16="http://schemas.microsoft.com/office/drawing/2014/main" id="{A81F255C-6B89-4F62-A432-CABB4BA0EFB3}"/>
+              </a:ext>
+            </a:extLst>
+          </p:cNvPr>
+          <p:cNvPicPr>
+            <a:picLocks noChangeAspect="1"/>
+          </p:cNvPicPr>
+          <p:nvPr/>
+        </p:nvPicPr>
+        <p:blipFill>
+          <a:blip r:embed="rId3"/>
+          <a:stretch>
+            <a:fillRect/>
+          </a:stretch>
+        </p:blipFill>
+        <p:spPr>
+          <a:xfrm>
+            <a:off x="5818299" y="1336720"/>
+            <a:ext cx="2857500" cy="1905000"/>
+          </a:xfrm>
+          <a:prstGeom prst="rect">
+            <a:avLst/>
+          </a:prstGeom>
+        </p:spPr>
+      </p:pic>
+      <p:sp>
+        <p:nvSpPr>
+          <p:cNvPr id="13" name="TextBox 12">
+            <a:extLst>
+              <a:ext uri="{FF2B5EF4-FFF2-40B4-BE49-F238E27FC236}">
+                <a16:creationId xmlns:a16="http://schemas.microsoft.com/office/drawing/2014/main" id="{ABEE8B78-FE18-42F2-A556-E18AF5433C22}"/>
+              </a:ext>
+            </a:extLst>
+          </p:cNvPr>
+          <p:cNvSpPr txBox="1"/>
+          <p:nvPr/>
+        </p:nvSpPr>
+        <p:spPr>
+          <a:xfrm>
+            <a:off x="4305701" y="3154183"/>
+            <a:ext cx="566670" cy="338554"/>
+          </a:xfrm>
+          <a:prstGeom prst="rect">
+            <a:avLst/>
+          </a:prstGeom>
+          <a:noFill/>
+        </p:spPr>
+        <p:txBody>
+          <a:bodyPr wrap="square" rtlCol="0">
+            <a:spAutoFit/>
+          </a:bodyPr>
+          <a:lstStyle/>
+          <a:p>
+            <a:r>
+              <a:rPr lang="en-US" sz="1600" dirty="0">
+                <a:latin typeface="Times New Roman" panose="02020603050405020304" pitchFamily="18" charset="0"/>
+                <a:cs typeface="Times New Roman" panose="02020603050405020304" pitchFamily="18" charset="0"/>
+              </a:rPr>
+              <a:t>a)</a:t>
+            </a:r>
+          </a:p>
+        </p:txBody>
+      </p:sp>
+      <p:sp>
+        <p:nvSpPr>
+          <p:cNvPr id="14" name="TextBox 13">
+            <a:extLst>
+              <a:ext uri="{FF2B5EF4-FFF2-40B4-BE49-F238E27FC236}">
+                <a16:creationId xmlns:a16="http://schemas.microsoft.com/office/drawing/2014/main" id="{3F7A2A77-652F-4F5A-9996-EEFB379D2EF2}"/>
+              </a:ext>
+            </a:extLst>
+          </p:cNvPr>
+          <p:cNvSpPr txBox="1"/>
+          <p:nvPr/>
+        </p:nvSpPr>
+        <p:spPr>
+          <a:xfrm>
+            <a:off x="7160319" y="3156866"/>
+            <a:ext cx="566670" cy="338554"/>
+          </a:xfrm>
+          <a:prstGeom prst="rect">
+            <a:avLst/>
+          </a:prstGeom>
+          <a:noFill/>
+        </p:spPr>
+        <p:txBody>
+          <a:bodyPr wrap="square" rtlCol="0">
+            <a:spAutoFit/>
+          </a:bodyPr>
+          <a:lstStyle/>
+          <a:p>
+            <a:r>
+              <a:rPr lang="en-US" sz="1600" dirty="0">
+                <a:latin typeface="Times New Roman" panose="02020603050405020304" pitchFamily="18" charset="0"/>
+                <a:cs typeface="Times New Roman" panose="02020603050405020304" pitchFamily="18" charset="0"/>
+              </a:rPr>
+              <a:t>b)</a:t>
+            </a:r>
+          </a:p>
+        </p:txBody>
+      </p:sp>
+      <p:sp>
+        <p:nvSpPr>
+          <p:cNvPr id="15" name="TextBox 14">
+            <a:extLst>
+              <a:ext uri="{FF2B5EF4-FFF2-40B4-BE49-F238E27FC236}">
+                <a16:creationId xmlns:a16="http://schemas.microsoft.com/office/drawing/2014/main" id="{8714BE93-8BF9-4E5E-BE11-82B30F8173CC}"/>
+              </a:ext>
+            </a:extLst>
+          </p:cNvPr>
+          <p:cNvSpPr txBox="1"/>
+          <p:nvPr/>
+        </p:nvSpPr>
+        <p:spPr>
+          <a:xfrm>
+            <a:off x="5617337" y="5217606"/>
+            <a:ext cx="566670" cy="338554"/>
+          </a:xfrm>
+          <a:prstGeom prst="rect">
+            <a:avLst/>
+          </a:prstGeom>
+          <a:noFill/>
+        </p:spPr>
+        <p:txBody>
+          <a:bodyPr wrap="square" rtlCol="0">
+            <a:spAutoFit/>
+          </a:bodyPr>
+          <a:lstStyle/>
+          <a:p>
+            <a:r>
+              <a:rPr lang="en-US" sz="1600" dirty="0">
+                <a:latin typeface="Times New Roman" panose="02020603050405020304" pitchFamily="18" charset="0"/>
+                <a:cs typeface="Times New Roman" panose="02020603050405020304" pitchFamily="18" charset="0"/>
+              </a:rPr>
+              <a:t>c)</a:t>
+            </a:r>
+          </a:p>
+        </p:txBody>
+      </p:sp>
+      <p:pic>
+        <p:nvPicPr>
+          <p:cNvPr id="16" name="Picture 15">
+            <a:extLst>
+              <a:ext uri="{FF2B5EF4-FFF2-40B4-BE49-F238E27FC236}">
+                <a16:creationId xmlns:a16="http://schemas.microsoft.com/office/drawing/2014/main" id="{64122180-73AA-4AA6-B04D-7BBFFC890740}"/>
+              </a:ext>
+            </a:extLst>
+          </p:cNvPr>
+          <p:cNvPicPr>
+            <a:picLocks noChangeAspect="1"/>
+          </p:cNvPicPr>
+          <p:nvPr/>
+        </p:nvPicPr>
+        <p:blipFill>
+          <a:blip r:embed="rId4"/>
+          <a:stretch>
+            <a:fillRect/>
+          </a:stretch>
+        </p:blipFill>
+        <p:spPr>
+          <a:xfrm>
+            <a:off x="3373460" y="3323460"/>
+            <a:ext cx="4762500" cy="1905000"/>
+          </a:xfrm>
+          <a:prstGeom prst="rect">
+            <a:avLst/>
+          </a:prstGeom>
+        </p:spPr>
+      </p:pic>
+      <p:sp>
+        <p:nvSpPr>
+          <p:cNvPr id="17" name="Rectangle 16">
+            <a:extLst>
+              <a:ext uri="{FF2B5EF4-FFF2-40B4-BE49-F238E27FC236}">
+                <a16:creationId xmlns:a16="http://schemas.microsoft.com/office/drawing/2014/main" id="{D800EA01-31F0-4E8C-8AB8-174C2E3C04B6}"/>
+              </a:ext>
+            </a:extLst>
+          </p:cNvPr>
+          <p:cNvSpPr/>
+          <p:nvPr/>
+        </p:nvSpPr>
+        <p:spPr>
+          <a:xfrm>
+            <a:off x="4844853" y="5607676"/>
+            <a:ext cx="2402196" cy="369332"/>
+          </a:xfrm>
+          <a:prstGeom prst="rect">
+            <a:avLst/>
+          </a:prstGeom>
+        </p:spPr>
+        <p:txBody>
+          <a:bodyPr wrap="none">
+            <a:spAutoFit/>
+          </a:bodyPr>
+          <a:lstStyle/>
+          <a:p>
+            <a:r>
+              <a:rPr lang="en-US" dirty="0" err="1"/>
+              <a:t>Plotter_all_WPT_motor</a:t>
+            </a:r>
+            <a:endParaRPr lang="en-US" dirty="0"/>
+          </a:p>
+        </p:txBody>
+      </p:sp>
+      <p:sp>
+        <p:nvSpPr>
+          <p:cNvPr id="18" name="Rectangle 17">
+            <a:extLst>
+              <a:ext uri="{FF2B5EF4-FFF2-40B4-BE49-F238E27FC236}">
+                <a16:creationId xmlns:a16="http://schemas.microsoft.com/office/drawing/2014/main" id="{DCE89CE6-7D9B-455C-8337-9AAC7767C265}"/>
+              </a:ext>
+            </a:extLst>
+          </p:cNvPr>
+          <p:cNvSpPr/>
+          <p:nvPr/>
+        </p:nvSpPr>
+        <p:spPr>
+          <a:xfrm>
+            <a:off x="3724699" y="614897"/>
+            <a:ext cx="4491999" cy="369332"/>
+          </a:xfrm>
+          <a:prstGeom prst="rect">
+            <a:avLst/>
+          </a:prstGeom>
+        </p:spPr>
+        <p:txBody>
+          <a:bodyPr wrap="none">
+            <a:spAutoFit/>
+          </a:bodyPr>
+          <a:lstStyle/>
+          <a:p>
+            <a:r>
+              <a:rPr lang="en-US" dirty="0"/>
+              <a:t>D:\Github\WPTMotor\Test-Result\2021.11.29</a:t>
+            </a:r>
+          </a:p>
+        </p:txBody>
+      </p:sp>
+    </p:spTree>
+    <p:extLst>
+      <p:ext uri="{BB962C8B-B14F-4D97-AF65-F5344CB8AC3E}">
+        <p14:creationId xmlns:p14="http://schemas.microsoft.com/office/powerpoint/2010/main" val="1722771054"/>
+      </p:ext>
+    </p:extLst>
+  </p:cSld>
+  <p:clrMapOvr>
+    <a:masterClrMapping/>
+  </p:clrMapOvr>
+</p:sld>
+</file>
+
+<file path=ppt/slides/slide7.xml><?xml version="1.0" encoding="utf-8"?>
+<p:sld xmlns:a="http://schemas.openxmlformats.org/drawingml/2006/main" xmlns:r="http://schemas.openxmlformats.org/officeDocument/2006/relationships" xmlns:p="http://schemas.openxmlformats.org/presentationml/2006/main">
+  <p:cSld>
+    <p:spTree>
+      <p:nvGrpSpPr>
+        <p:cNvPr id="1" name=""/>
+        <p:cNvGrpSpPr/>
+        <p:nvPr/>
+      </p:nvGrpSpPr>
+      <p:grpSpPr>
+        <a:xfrm>
+          <a:off x="0" y="0"/>
+          <a:ext cx="0" cy="0"/>
+          <a:chOff x="0" y="0"/>
+          <a:chExt cx="0" cy="0"/>
+        </a:xfrm>
+      </p:grpSpPr>
+      <p:sp>
+        <p:nvSpPr>
+          <p:cNvPr id="13" name="Rectangle 12">
+            <a:extLst>
+              <a:ext uri="{FF2B5EF4-FFF2-40B4-BE49-F238E27FC236}">
+                <a16:creationId xmlns:a16="http://schemas.microsoft.com/office/drawing/2014/main" id="{E36B8128-D131-456B-908A-2D87E8F88099}"/>
+              </a:ext>
+            </a:extLst>
+          </p:cNvPr>
+          <p:cNvSpPr/>
+          <p:nvPr/>
+        </p:nvSpPr>
+        <p:spPr>
+          <a:xfrm>
+            <a:off x="4581520" y="1189982"/>
+            <a:ext cx="4491999" cy="369332"/>
+          </a:xfrm>
+          <a:prstGeom prst="rect">
+            <a:avLst/>
+          </a:prstGeom>
+        </p:spPr>
+        <p:txBody>
+          <a:bodyPr wrap="none">
+            <a:spAutoFit/>
+          </a:bodyPr>
+          <a:lstStyle/>
+          <a:p>
+            <a:r>
+              <a:rPr lang="en-US" dirty="0"/>
+              <a:t>D:\Github\WPTMotor\Test-Result\2021.11.29</a:t>
+            </a:r>
+          </a:p>
+        </p:txBody>
+      </p:sp>
+      <p:pic>
+        <p:nvPicPr>
+          <p:cNvPr id="24" name="Picture 23">
+            <a:extLst>
+              <a:ext uri="{FF2B5EF4-FFF2-40B4-BE49-F238E27FC236}">
+                <a16:creationId xmlns:a16="http://schemas.microsoft.com/office/drawing/2014/main" id="{8B2D3155-26C4-401B-B921-01E93EBF55DF}"/>
+              </a:ext>
+            </a:extLst>
+          </p:cNvPr>
+          <p:cNvPicPr>
+            <a:picLocks noChangeAspect="1"/>
+          </p:cNvPicPr>
+          <p:nvPr/>
+        </p:nvPicPr>
+        <p:blipFill>
+          <a:blip r:embed="rId2"/>
+          <a:stretch>
+            <a:fillRect/>
+          </a:stretch>
+        </p:blipFill>
+        <p:spPr>
+          <a:xfrm>
             <a:off x="3334555" y="2624608"/>
             <a:ext cx="3810000" cy="1905000"/>
           </a:xfrm>
@@ -5524,6 +5889,36 @@
     <p:extLst>
       <p:ext uri="{BB962C8B-B14F-4D97-AF65-F5344CB8AC3E}">
         <p14:creationId xmlns:p14="http://schemas.microsoft.com/office/powerpoint/2010/main" val="2958766520"/>
+      </p:ext>
+    </p:extLst>
+  </p:cSld>
+  <p:clrMapOvr>
+    <a:masterClrMapping/>
+  </p:clrMapOvr>
+</p:sld>
+</file>
+
+<file path=ppt/slides/slide8.xml><?xml version="1.0" encoding="utf-8"?>
+<p:sld xmlns:a="http://schemas.openxmlformats.org/drawingml/2006/main" xmlns:r="http://schemas.openxmlformats.org/officeDocument/2006/relationships" xmlns:p="http://schemas.openxmlformats.org/presentationml/2006/main">
+  <p:cSld>
+    <p:spTree>
+      <p:nvGrpSpPr>
+        <p:cNvPr id="1" name=""/>
+        <p:cNvGrpSpPr/>
+        <p:nvPr/>
+      </p:nvGrpSpPr>
+      <p:grpSpPr>
+        <a:xfrm>
+          <a:off x="0" y="0"/>
+          <a:ext cx="0" cy="0"/>
+          <a:chOff x="0" y="0"/>
+          <a:chExt cx="0" cy="0"/>
+        </a:xfrm>
+      </p:grpSpPr>
+    </p:spTree>
+    <p:extLst>
+      <p:ext uri="{BB962C8B-B14F-4D97-AF65-F5344CB8AC3E}">
+        <p14:creationId xmlns:p14="http://schemas.microsoft.com/office/powerpoint/2010/main" val="3895981147"/>
       </p:ext>
     </p:extLst>
   </p:cSld>

--- a/Test-Result/2022.12.01/New Microsoft PowerPoint Presentation.pptx
+++ b/Test-Result/2022.12.01/New Microsoft PowerPoint Presentation.pptx
@@ -8,11 +8,19 @@
     <p:sldId id="256" r:id="rId2"/>
     <p:sldId id="257" r:id="rId3"/>
     <p:sldId id="258" r:id="rId4"/>
-    <p:sldId id="259" r:id="rId5"/>
-    <p:sldId id="260" r:id="rId6"/>
-    <p:sldId id="262" r:id="rId7"/>
-    <p:sldId id="261" r:id="rId8"/>
-    <p:sldId id="263" r:id="rId9"/>
+    <p:sldId id="264" r:id="rId5"/>
+    <p:sldId id="270" r:id="rId6"/>
+    <p:sldId id="259" r:id="rId7"/>
+    <p:sldId id="265" r:id="rId8"/>
+    <p:sldId id="266" r:id="rId9"/>
+    <p:sldId id="260" r:id="rId10"/>
+    <p:sldId id="271" r:id="rId11"/>
+    <p:sldId id="262" r:id="rId12"/>
+    <p:sldId id="267" r:id="rId13"/>
+    <p:sldId id="269" r:id="rId14"/>
+    <p:sldId id="261" r:id="rId15"/>
+    <p:sldId id="263" r:id="rId16"/>
+    <p:sldId id="268" r:id="rId17"/>
   </p:sldIdLst>
   <p:sldSz cx="12192000" cy="6858000"/>
   <p:notesSz cx="6858000" cy="9144000"/>
@@ -266,7 +274,7 @@
           <a:p>
             <a:fld id="{818D92CC-00E8-4D30-8D68-0F4CD445B4D9}" type="datetimeFigureOut">
               <a:rPr lang="en-US" smtClean="0"/>
-              <a:t>12/21/2021</a:t>
+              <a:t>1/6/2022</a:t>
             </a:fld>
             <a:endParaRPr lang="en-US"/>
           </a:p>
@@ -464,7 +472,7 @@
           <a:p>
             <a:fld id="{818D92CC-00E8-4D30-8D68-0F4CD445B4D9}" type="datetimeFigureOut">
               <a:rPr lang="en-US" smtClean="0"/>
-              <a:t>12/21/2021</a:t>
+              <a:t>1/6/2022</a:t>
             </a:fld>
             <a:endParaRPr lang="en-US"/>
           </a:p>
@@ -672,7 +680,7 @@
           <a:p>
             <a:fld id="{818D92CC-00E8-4D30-8D68-0F4CD445B4D9}" type="datetimeFigureOut">
               <a:rPr lang="en-US" smtClean="0"/>
-              <a:t>12/21/2021</a:t>
+              <a:t>1/6/2022</a:t>
             </a:fld>
             <a:endParaRPr lang="en-US"/>
           </a:p>
@@ -870,7 +878,7 @@
           <a:p>
             <a:fld id="{818D92CC-00E8-4D30-8D68-0F4CD445B4D9}" type="datetimeFigureOut">
               <a:rPr lang="en-US" smtClean="0"/>
-              <a:t>12/21/2021</a:t>
+              <a:t>1/6/2022</a:t>
             </a:fld>
             <a:endParaRPr lang="en-US"/>
           </a:p>
@@ -1145,7 +1153,7 @@
           <a:p>
             <a:fld id="{818D92CC-00E8-4D30-8D68-0F4CD445B4D9}" type="datetimeFigureOut">
               <a:rPr lang="en-US" smtClean="0"/>
-              <a:t>12/21/2021</a:t>
+              <a:t>1/6/2022</a:t>
             </a:fld>
             <a:endParaRPr lang="en-US"/>
           </a:p>
@@ -1410,7 +1418,7 @@
           <a:p>
             <a:fld id="{818D92CC-00E8-4D30-8D68-0F4CD445B4D9}" type="datetimeFigureOut">
               <a:rPr lang="en-US" smtClean="0"/>
-              <a:t>12/21/2021</a:t>
+              <a:t>1/6/2022</a:t>
             </a:fld>
             <a:endParaRPr lang="en-US"/>
           </a:p>
@@ -1822,7 +1830,7 @@
           <a:p>
             <a:fld id="{818D92CC-00E8-4D30-8D68-0F4CD445B4D9}" type="datetimeFigureOut">
               <a:rPr lang="en-US" smtClean="0"/>
-              <a:t>12/21/2021</a:t>
+              <a:t>1/6/2022</a:t>
             </a:fld>
             <a:endParaRPr lang="en-US"/>
           </a:p>
@@ -1963,7 +1971,7 @@
           <a:p>
             <a:fld id="{818D92CC-00E8-4D30-8D68-0F4CD445B4D9}" type="datetimeFigureOut">
               <a:rPr lang="en-US" smtClean="0"/>
-              <a:t>12/21/2021</a:t>
+              <a:t>1/6/2022</a:t>
             </a:fld>
             <a:endParaRPr lang="en-US"/>
           </a:p>
@@ -2076,7 +2084,7 @@
           <a:p>
             <a:fld id="{818D92CC-00E8-4D30-8D68-0F4CD445B4D9}" type="datetimeFigureOut">
               <a:rPr lang="en-US" smtClean="0"/>
-              <a:t>12/21/2021</a:t>
+              <a:t>1/6/2022</a:t>
             </a:fld>
             <a:endParaRPr lang="en-US"/>
           </a:p>
@@ -2387,7 +2395,7 @@
           <a:p>
             <a:fld id="{818D92CC-00E8-4D30-8D68-0F4CD445B4D9}" type="datetimeFigureOut">
               <a:rPr lang="en-US" smtClean="0"/>
-              <a:t>12/21/2021</a:t>
+              <a:t>1/6/2022</a:t>
             </a:fld>
             <a:endParaRPr lang="en-US"/>
           </a:p>
@@ -2675,7 +2683,7 @@
           <a:p>
             <a:fld id="{818D92CC-00E8-4D30-8D68-0F4CD445B4D9}" type="datetimeFigureOut">
               <a:rPr lang="en-US" smtClean="0"/>
-              <a:t>12/21/2021</a:t>
+              <a:t>1/6/2022</a:t>
             </a:fld>
             <a:endParaRPr lang="en-US"/>
           </a:p>
@@ -2916,7 +2924,7 @@
           <a:p>
             <a:fld id="{818D92CC-00E8-4D30-8D68-0F4CD445B4D9}" type="datetimeFigureOut">
               <a:rPr lang="en-US" smtClean="0"/>
-              <a:t>12/21/2021</a:t>
+              <a:t>1/6/2022</a:t>
             </a:fld>
             <a:endParaRPr lang="en-US"/>
           </a:p>
@@ -3637,6 +3645,1413 @@
 </p:sld>
 </file>
 
+<file path=ppt/slides/slide10.xml><?xml version="1.0" encoding="utf-8"?>
+<p:sld xmlns:a="http://schemas.openxmlformats.org/drawingml/2006/main" xmlns:r="http://schemas.openxmlformats.org/officeDocument/2006/relationships" xmlns:p="http://schemas.openxmlformats.org/presentationml/2006/main">
+  <p:cSld>
+    <p:spTree>
+      <p:nvGrpSpPr>
+        <p:cNvPr id="1" name=""/>
+        <p:cNvGrpSpPr/>
+        <p:nvPr/>
+      </p:nvGrpSpPr>
+      <p:grpSpPr>
+        <a:xfrm>
+          <a:off x="0" y="0"/>
+          <a:ext cx="0" cy="0"/>
+          <a:chOff x="0" y="0"/>
+          <a:chExt cx="0" cy="0"/>
+        </a:xfrm>
+      </p:grpSpPr>
+      <p:sp>
+        <p:nvSpPr>
+          <p:cNvPr id="4" name="Rectangle 3">
+            <a:extLst>
+              <a:ext uri="{FF2B5EF4-FFF2-40B4-BE49-F238E27FC236}">
+                <a16:creationId xmlns:a16="http://schemas.microsoft.com/office/drawing/2014/main" id="{EFE2E10B-CACF-4A00-96D2-780BC37D8ECC}"/>
+              </a:ext>
+            </a:extLst>
+          </p:cNvPr>
+          <p:cNvSpPr/>
+          <p:nvPr/>
+        </p:nvSpPr>
+        <p:spPr>
+          <a:xfrm>
+            <a:off x="2622672" y="513326"/>
+            <a:ext cx="4491999" cy="369332"/>
+          </a:xfrm>
+          <a:prstGeom prst="rect">
+            <a:avLst/>
+          </a:prstGeom>
+        </p:spPr>
+        <p:txBody>
+          <a:bodyPr wrap="none">
+            <a:spAutoFit/>
+          </a:bodyPr>
+          <a:lstStyle/>
+          <a:p>
+            <a:r>
+              <a:rPr lang="en-US" dirty="0"/>
+              <a:t>D:\Github\WPTMotor\Test-Result\2022.12.01</a:t>
+            </a:r>
+          </a:p>
+        </p:txBody>
+      </p:sp>
+      <p:sp>
+        <p:nvSpPr>
+          <p:cNvPr id="5" name="Rectangle 4">
+            <a:extLst>
+              <a:ext uri="{FF2B5EF4-FFF2-40B4-BE49-F238E27FC236}">
+                <a16:creationId xmlns:a16="http://schemas.microsoft.com/office/drawing/2014/main" id="{C4F0F900-889C-460D-830C-55618478BD18}"/>
+              </a:ext>
+            </a:extLst>
+          </p:cNvPr>
+          <p:cNvSpPr/>
+          <p:nvPr/>
+        </p:nvSpPr>
+        <p:spPr>
+          <a:xfrm>
+            <a:off x="3812359" y="5921494"/>
+            <a:ext cx="1692002" cy="369332"/>
+          </a:xfrm>
+          <a:prstGeom prst="rect">
+            <a:avLst/>
+          </a:prstGeom>
+        </p:spPr>
+        <p:txBody>
+          <a:bodyPr wrap="none">
+            <a:spAutoFit/>
+          </a:bodyPr>
+          <a:lstStyle/>
+          <a:p>
+            <a:r>
+              <a:rPr lang="en-US" dirty="0"/>
+              <a:t>data_plotter_v2</a:t>
+            </a:r>
+          </a:p>
+        </p:txBody>
+      </p:sp>
+      <p:pic>
+        <p:nvPicPr>
+          <p:cNvPr id="8" name="Picture 7">
+            <a:extLst>
+              <a:ext uri="{FF2B5EF4-FFF2-40B4-BE49-F238E27FC236}">
+                <a16:creationId xmlns:a16="http://schemas.microsoft.com/office/drawing/2014/main" id="{EE651D91-1F47-48B6-A7CD-450C199302B4}"/>
+              </a:ext>
+            </a:extLst>
+          </p:cNvPr>
+          <p:cNvPicPr>
+            <a:picLocks noChangeAspect="1"/>
+          </p:cNvPicPr>
+          <p:nvPr/>
+        </p:nvPicPr>
+        <p:blipFill>
+          <a:blip r:embed="rId2"/>
+          <a:stretch>
+            <a:fillRect/>
+          </a:stretch>
+        </p:blipFill>
+        <p:spPr>
+          <a:xfrm>
+            <a:off x="2427732" y="1604772"/>
+            <a:ext cx="5715000" cy="1905000"/>
+          </a:xfrm>
+          <a:prstGeom prst="rect">
+            <a:avLst/>
+          </a:prstGeom>
+        </p:spPr>
+      </p:pic>
+      <p:pic>
+        <p:nvPicPr>
+          <p:cNvPr id="9" name="Picture 8">
+            <a:extLst>
+              <a:ext uri="{FF2B5EF4-FFF2-40B4-BE49-F238E27FC236}">
+                <a16:creationId xmlns:a16="http://schemas.microsoft.com/office/drawing/2014/main" id="{240EA11A-451B-4589-A37F-729D4F4F76F2}"/>
+              </a:ext>
+            </a:extLst>
+          </p:cNvPr>
+          <p:cNvPicPr>
+            <a:picLocks noChangeAspect="1"/>
+          </p:cNvPicPr>
+          <p:nvPr/>
+        </p:nvPicPr>
+        <p:blipFill>
+          <a:blip r:embed="rId3"/>
+          <a:stretch>
+            <a:fillRect/>
+          </a:stretch>
+        </p:blipFill>
+        <p:spPr>
+          <a:xfrm>
+            <a:off x="2427732" y="3429000"/>
+            <a:ext cx="5715000" cy="1905000"/>
+          </a:xfrm>
+          <a:prstGeom prst="rect">
+            <a:avLst/>
+          </a:prstGeom>
+        </p:spPr>
+      </p:pic>
+    </p:spTree>
+    <p:extLst>
+      <p:ext uri="{BB962C8B-B14F-4D97-AF65-F5344CB8AC3E}">
+        <p14:creationId xmlns:p14="http://schemas.microsoft.com/office/powerpoint/2010/main" val="1159715814"/>
+      </p:ext>
+    </p:extLst>
+  </p:cSld>
+  <p:clrMapOvr>
+    <a:masterClrMapping/>
+  </p:clrMapOvr>
+</p:sld>
+</file>
+
+<file path=ppt/slides/slide11.xml><?xml version="1.0" encoding="utf-8"?>
+<p:sld xmlns:a="http://schemas.openxmlformats.org/drawingml/2006/main" xmlns:r="http://schemas.openxmlformats.org/officeDocument/2006/relationships" xmlns:p="http://schemas.openxmlformats.org/presentationml/2006/main">
+  <p:cSld>
+    <p:spTree>
+      <p:nvGrpSpPr>
+        <p:cNvPr id="1" name=""/>
+        <p:cNvGrpSpPr/>
+        <p:nvPr/>
+      </p:nvGrpSpPr>
+      <p:grpSpPr>
+        <a:xfrm>
+          <a:off x="0" y="0"/>
+          <a:ext cx="0" cy="0"/>
+          <a:chOff x="0" y="0"/>
+          <a:chExt cx="0" cy="0"/>
+        </a:xfrm>
+      </p:grpSpPr>
+      <p:pic>
+        <p:nvPicPr>
+          <p:cNvPr id="5" name="Picture 4">
+            <a:extLst>
+              <a:ext uri="{FF2B5EF4-FFF2-40B4-BE49-F238E27FC236}">
+                <a16:creationId xmlns:a16="http://schemas.microsoft.com/office/drawing/2014/main" id="{E7163CAD-786A-4870-8CD3-5C64687C477D}"/>
+              </a:ext>
+            </a:extLst>
+          </p:cNvPr>
+          <p:cNvPicPr>
+            <a:picLocks noChangeAspect="1"/>
+          </p:cNvPicPr>
+          <p:nvPr/>
+        </p:nvPicPr>
+        <p:blipFill>
+          <a:blip r:embed="rId2"/>
+          <a:stretch>
+            <a:fillRect/>
+          </a:stretch>
+        </p:blipFill>
+        <p:spPr>
+          <a:xfrm>
+            <a:off x="2960799" y="1336720"/>
+            <a:ext cx="2857500" cy="1905000"/>
+          </a:xfrm>
+          <a:prstGeom prst="rect">
+            <a:avLst/>
+          </a:prstGeom>
+        </p:spPr>
+      </p:pic>
+      <p:pic>
+        <p:nvPicPr>
+          <p:cNvPr id="11" name="Picture 10">
+            <a:extLst>
+              <a:ext uri="{FF2B5EF4-FFF2-40B4-BE49-F238E27FC236}">
+                <a16:creationId xmlns:a16="http://schemas.microsoft.com/office/drawing/2014/main" id="{A81F255C-6B89-4F62-A432-CABB4BA0EFB3}"/>
+              </a:ext>
+            </a:extLst>
+          </p:cNvPr>
+          <p:cNvPicPr>
+            <a:picLocks noChangeAspect="1"/>
+          </p:cNvPicPr>
+          <p:nvPr/>
+        </p:nvPicPr>
+        <p:blipFill>
+          <a:blip r:embed="rId3"/>
+          <a:stretch>
+            <a:fillRect/>
+          </a:stretch>
+        </p:blipFill>
+        <p:spPr>
+          <a:xfrm>
+            <a:off x="5818299" y="1336720"/>
+            <a:ext cx="2857500" cy="1905000"/>
+          </a:xfrm>
+          <a:prstGeom prst="rect">
+            <a:avLst/>
+          </a:prstGeom>
+        </p:spPr>
+      </p:pic>
+      <p:sp>
+        <p:nvSpPr>
+          <p:cNvPr id="13" name="TextBox 12">
+            <a:extLst>
+              <a:ext uri="{FF2B5EF4-FFF2-40B4-BE49-F238E27FC236}">
+                <a16:creationId xmlns:a16="http://schemas.microsoft.com/office/drawing/2014/main" id="{ABEE8B78-FE18-42F2-A556-E18AF5433C22}"/>
+              </a:ext>
+            </a:extLst>
+          </p:cNvPr>
+          <p:cNvSpPr txBox="1"/>
+          <p:nvPr/>
+        </p:nvSpPr>
+        <p:spPr>
+          <a:xfrm>
+            <a:off x="4305701" y="3154183"/>
+            <a:ext cx="566670" cy="338554"/>
+          </a:xfrm>
+          <a:prstGeom prst="rect">
+            <a:avLst/>
+          </a:prstGeom>
+          <a:noFill/>
+        </p:spPr>
+        <p:txBody>
+          <a:bodyPr wrap="square" rtlCol="0">
+            <a:spAutoFit/>
+          </a:bodyPr>
+          <a:lstStyle/>
+          <a:p>
+            <a:r>
+              <a:rPr lang="en-US" sz="1600" dirty="0">
+                <a:latin typeface="Times New Roman" panose="02020603050405020304" pitchFamily="18" charset="0"/>
+                <a:cs typeface="Times New Roman" panose="02020603050405020304" pitchFamily="18" charset="0"/>
+              </a:rPr>
+              <a:t>a)</a:t>
+            </a:r>
+          </a:p>
+        </p:txBody>
+      </p:sp>
+      <p:sp>
+        <p:nvSpPr>
+          <p:cNvPr id="14" name="TextBox 13">
+            <a:extLst>
+              <a:ext uri="{FF2B5EF4-FFF2-40B4-BE49-F238E27FC236}">
+                <a16:creationId xmlns:a16="http://schemas.microsoft.com/office/drawing/2014/main" id="{3F7A2A77-652F-4F5A-9996-EEFB379D2EF2}"/>
+              </a:ext>
+            </a:extLst>
+          </p:cNvPr>
+          <p:cNvSpPr txBox="1"/>
+          <p:nvPr/>
+        </p:nvSpPr>
+        <p:spPr>
+          <a:xfrm>
+            <a:off x="7160319" y="3156866"/>
+            <a:ext cx="566670" cy="338554"/>
+          </a:xfrm>
+          <a:prstGeom prst="rect">
+            <a:avLst/>
+          </a:prstGeom>
+          <a:noFill/>
+        </p:spPr>
+        <p:txBody>
+          <a:bodyPr wrap="square" rtlCol="0">
+            <a:spAutoFit/>
+          </a:bodyPr>
+          <a:lstStyle/>
+          <a:p>
+            <a:r>
+              <a:rPr lang="en-US" sz="1600" dirty="0">
+                <a:latin typeface="Times New Roman" panose="02020603050405020304" pitchFamily="18" charset="0"/>
+                <a:cs typeface="Times New Roman" panose="02020603050405020304" pitchFamily="18" charset="0"/>
+              </a:rPr>
+              <a:t>b)</a:t>
+            </a:r>
+          </a:p>
+        </p:txBody>
+      </p:sp>
+      <p:sp>
+        <p:nvSpPr>
+          <p:cNvPr id="15" name="TextBox 14">
+            <a:extLst>
+              <a:ext uri="{FF2B5EF4-FFF2-40B4-BE49-F238E27FC236}">
+                <a16:creationId xmlns:a16="http://schemas.microsoft.com/office/drawing/2014/main" id="{8714BE93-8BF9-4E5E-BE11-82B30F8173CC}"/>
+              </a:ext>
+            </a:extLst>
+          </p:cNvPr>
+          <p:cNvSpPr txBox="1"/>
+          <p:nvPr/>
+        </p:nvSpPr>
+        <p:spPr>
+          <a:xfrm>
+            <a:off x="5617337" y="5217606"/>
+            <a:ext cx="566670" cy="338554"/>
+          </a:xfrm>
+          <a:prstGeom prst="rect">
+            <a:avLst/>
+          </a:prstGeom>
+          <a:noFill/>
+        </p:spPr>
+        <p:txBody>
+          <a:bodyPr wrap="square" rtlCol="0">
+            <a:spAutoFit/>
+          </a:bodyPr>
+          <a:lstStyle/>
+          <a:p>
+            <a:r>
+              <a:rPr lang="en-US" sz="1600" dirty="0">
+                <a:latin typeface="Times New Roman" panose="02020603050405020304" pitchFamily="18" charset="0"/>
+                <a:cs typeface="Times New Roman" panose="02020603050405020304" pitchFamily="18" charset="0"/>
+              </a:rPr>
+              <a:t>c)</a:t>
+            </a:r>
+          </a:p>
+        </p:txBody>
+      </p:sp>
+      <p:pic>
+        <p:nvPicPr>
+          <p:cNvPr id="16" name="Picture 15">
+            <a:extLst>
+              <a:ext uri="{FF2B5EF4-FFF2-40B4-BE49-F238E27FC236}">
+                <a16:creationId xmlns:a16="http://schemas.microsoft.com/office/drawing/2014/main" id="{64122180-73AA-4AA6-B04D-7BBFFC890740}"/>
+              </a:ext>
+            </a:extLst>
+          </p:cNvPr>
+          <p:cNvPicPr>
+            <a:picLocks noChangeAspect="1"/>
+          </p:cNvPicPr>
+          <p:nvPr/>
+        </p:nvPicPr>
+        <p:blipFill>
+          <a:blip r:embed="rId4"/>
+          <a:stretch>
+            <a:fillRect/>
+          </a:stretch>
+        </p:blipFill>
+        <p:spPr>
+          <a:xfrm>
+            <a:off x="3373460" y="3323460"/>
+            <a:ext cx="4762500" cy="1905000"/>
+          </a:xfrm>
+          <a:prstGeom prst="rect">
+            <a:avLst/>
+          </a:prstGeom>
+        </p:spPr>
+      </p:pic>
+      <p:sp>
+        <p:nvSpPr>
+          <p:cNvPr id="17" name="Rectangle 16">
+            <a:extLst>
+              <a:ext uri="{FF2B5EF4-FFF2-40B4-BE49-F238E27FC236}">
+                <a16:creationId xmlns:a16="http://schemas.microsoft.com/office/drawing/2014/main" id="{D800EA01-31F0-4E8C-8AB8-174C2E3C04B6}"/>
+              </a:ext>
+            </a:extLst>
+          </p:cNvPr>
+          <p:cNvSpPr/>
+          <p:nvPr/>
+        </p:nvSpPr>
+        <p:spPr>
+          <a:xfrm>
+            <a:off x="4844853" y="5607676"/>
+            <a:ext cx="2402196" cy="369332"/>
+          </a:xfrm>
+          <a:prstGeom prst="rect">
+            <a:avLst/>
+          </a:prstGeom>
+        </p:spPr>
+        <p:txBody>
+          <a:bodyPr wrap="none">
+            <a:spAutoFit/>
+          </a:bodyPr>
+          <a:lstStyle/>
+          <a:p>
+            <a:r>
+              <a:rPr lang="en-US" dirty="0" err="1"/>
+              <a:t>Plotter_all_WPT_motor</a:t>
+            </a:r>
+            <a:endParaRPr lang="en-US" dirty="0"/>
+          </a:p>
+        </p:txBody>
+      </p:sp>
+      <p:sp>
+        <p:nvSpPr>
+          <p:cNvPr id="18" name="Rectangle 17">
+            <a:extLst>
+              <a:ext uri="{FF2B5EF4-FFF2-40B4-BE49-F238E27FC236}">
+                <a16:creationId xmlns:a16="http://schemas.microsoft.com/office/drawing/2014/main" id="{DCE89CE6-7D9B-455C-8337-9AAC7767C265}"/>
+              </a:ext>
+            </a:extLst>
+          </p:cNvPr>
+          <p:cNvSpPr/>
+          <p:nvPr/>
+        </p:nvSpPr>
+        <p:spPr>
+          <a:xfrm>
+            <a:off x="3724699" y="614897"/>
+            <a:ext cx="4491999" cy="369332"/>
+          </a:xfrm>
+          <a:prstGeom prst="rect">
+            <a:avLst/>
+          </a:prstGeom>
+        </p:spPr>
+        <p:txBody>
+          <a:bodyPr wrap="none">
+            <a:spAutoFit/>
+          </a:bodyPr>
+          <a:lstStyle/>
+          <a:p>
+            <a:r>
+              <a:rPr lang="en-US" dirty="0"/>
+              <a:t>D:\Github\WPTMotor\Test-Result\2021.11.29</a:t>
+            </a:r>
+          </a:p>
+        </p:txBody>
+      </p:sp>
+    </p:spTree>
+    <p:extLst>
+      <p:ext uri="{BB962C8B-B14F-4D97-AF65-F5344CB8AC3E}">
+        <p14:creationId xmlns:p14="http://schemas.microsoft.com/office/powerpoint/2010/main" val="1722771054"/>
+      </p:ext>
+    </p:extLst>
+  </p:cSld>
+  <p:clrMapOvr>
+    <a:masterClrMapping/>
+  </p:clrMapOvr>
+</p:sld>
+</file>
+
+<file path=ppt/slides/slide12.xml><?xml version="1.0" encoding="utf-8"?>
+<p:sld xmlns:a="http://schemas.openxmlformats.org/drawingml/2006/main" xmlns:r="http://schemas.openxmlformats.org/officeDocument/2006/relationships" xmlns:p="http://schemas.openxmlformats.org/presentationml/2006/main">
+  <p:cSld>
+    <p:spTree>
+      <p:nvGrpSpPr>
+        <p:cNvPr id="1" name=""/>
+        <p:cNvGrpSpPr/>
+        <p:nvPr/>
+      </p:nvGrpSpPr>
+      <p:grpSpPr>
+        <a:xfrm>
+          <a:off x="0" y="0"/>
+          <a:ext cx="0" cy="0"/>
+          <a:chOff x="0" y="0"/>
+          <a:chExt cx="0" cy="0"/>
+        </a:xfrm>
+      </p:grpSpPr>
+      <p:sp>
+        <p:nvSpPr>
+          <p:cNvPr id="13" name="TextBox 12">
+            <a:extLst>
+              <a:ext uri="{FF2B5EF4-FFF2-40B4-BE49-F238E27FC236}">
+                <a16:creationId xmlns:a16="http://schemas.microsoft.com/office/drawing/2014/main" id="{ABEE8B78-FE18-42F2-A556-E18AF5433C22}"/>
+              </a:ext>
+            </a:extLst>
+          </p:cNvPr>
+          <p:cNvSpPr txBox="1"/>
+          <p:nvPr/>
+        </p:nvSpPr>
+        <p:spPr>
+          <a:xfrm>
+            <a:off x="4305701" y="3154183"/>
+            <a:ext cx="566670" cy="338554"/>
+          </a:xfrm>
+          <a:prstGeom prst="rect">
+            <a:avLst/>
+          </a:prstGeom>
+          <a:noFill/>
+        </p:spPr>
+        <p:txBody>
+          <a:bodyPr wrap="square" rtlCol="0">
+            <a:spAutoFit/>
+          </a:bodyPr>
+          <a:lstStyle/>
+          <a:p>
+            <a:r>
+              <a:rPr lang="en-US" sz="1600" dirty="0">
+                <a:latin typeface="Times New Roman" panose="02020603050405020304" pitchFamily="18" charset="0"/>
+                <a:cs typeface="Times New Roman" panose="02020603050405020304" pitchFamily="18" charset="0"/>
+              </a:rPr>
+              <a:t>a)</a:t>
+            </a:r>
+          </a:p>
+        </p:txBody>
+      </p:sp>
+      <p:sp>
+        <p:nvSpPr>
+          <p:cNvPr id="14" name="TextBox 13">
+            <a:extLst>
+              <a:ext uri="{FF2B5EF4-FFF2-40B4-BE49-F238E27FC236}">
+                <a16:creationId xmlns:a16="http://schemas.microsoft.com/office/drawing/2014/main" id="{3F7A2A77-652F-4F5A-9996-EEFB379D2EF2}"/>
+              </a:ext>
+            </a:extLst>
+          </p:cNvPr>
+          <p:cNvSpPr txBox="1"/>
+          <p:nvPr/>
+        </p:nvSpPr>
+        <p:spPr>
+          <a:xfrm>
+            <a:off x="7160319" y="3156866"/>
+            <a:ext cx="566670" cy="338554"/>
+          </a:xfrm>
+          <a:prstGeom prst="rect">
+            <a:avLst/>
+          </a:prstGeom>
+          <a:noFill/>
+        </p:spPr>
+        <p:txBody>
+          <a:bodyPr wrap="square" rtlCol="0">
+            <a:spAutoFit/>
+          </a:bodyPr>
+          <a:lstStyle/>
+          <a:p>
+            <a:r>
+              <a:rPr lang="en-US" sz="1600" dirty="0">
+                <a:latin typeface="Times New Roman" panose="02020603050405020304" pitchFamily="18" charset="0"/>
+                <a:cs typeface="Times New Roman" panose="02020603050405020304" pitchFamily="18" charset="0"/>
+              </a:rPr>
+              <a:t>b)</a:t>
+            </a:r>
+          </a:p>
+        </p:txBody>
+      </p:sp>
+      <p:sp>
+        <p:nvSpPr>
+          <p:cNvPr id="15" name="TextBox 14">
+            <a:extLst>
+              <a:ext uri="{FF2B5EF4-FFF2-40B4-BE49-F238E27FC236}">
+                <a16:creationId xmlns:a16="http://schemas.microsoft.com/office/drawing/2014/main" id="{8714BE93-8BF9-4E5E-BE11-82B30F8173CC}"/>
+              </a:ext>
+            </a:extLst>
+          </p:cNvPr>
+          <p:cNvSpPr txBox="1"/>
+          <p:nvPr/>
+        </p:nvSpPr>
+        <p:spPr>
+          <a:xfrm>
+            <a:off x="5617337" y="5217606"/>
+            <a:ext cx="566670" cy="338554"/>
+          </a:xfrm>
+          <a:prstGeom prst="rect">
+            <a:avLst/>
+          </a:prstGeom>
+          <a:noFill/>
+        </p:spPr>
+        <p:txBody>
+          <a:bodyPr wrap="square" rtlCol="0">
+            <a:spAutoFit/>
+          </a:bodyPr>
+          <a:lstStyle/>
+          <a:p>
+            <a:r>
+              <a:rPr lang="en-US" sz="1600" dirty="0">
+                <a:latin typeface="Times New Roman" panose="02020603050405020304" pitchFamily="18" charset="0"/>
+                <a:cs typeface="Times New Roman" panose="02020603050405020304" pitchFamily="18" charset="0"/>
+              </a:rPr>
+              <a:t>c)</a:t>
+            </a:r>
+          </a:p>
+        </p:txBody>
+      </p:sp>
+      <p:sp>
+        <p:nvSpPr>
+          <p:cNvPr id="17" name="Rectangle 16">
+            <a:extLst>
+              <a:ext uri="{FF2B5EF4-FFF2-40B4-BE49-F238E27FC236}">
+                <a16:creationId xmlns:a16="http://schemas.microsoft.com/office/drawing/2014/main" id="{D800EA01-31F0-4E8C-8AB8-174C2E3C04B6}"/>
+              </a:ext>
+            </a:extLst>
+          </p:cNvPr>
+          <p:cNvSpPr/>
+          <p:nvPr/>
+        </p:nvSpPr>
+        <p:spPr>
+          <a:xfrm>
+            <a:off x="4670491" y="6316336"/>
+            <a:ext cx="2738827" cy="369332"/>
+          </a:xfrm>
+          <a:prstGeom prst="rect">
+            <a:avLst/>
+          </a:prstGeom>
+        </p:spPr>
+        <p:txBody>
+          <a:bodyPr wrap="none">
+            <a:spAutoFit/>
+          </a:bodyPr>
+          <a:lstStyle/>
+          <a:p>
+            <a:r>
+              <a:rPr lang="en-US" dirty="0"/>
+              <a:t>Plotter_all_WPT_motor_v2</a:t>
+            </a:r>
+          </a:p>
+        </p:txBody>
+      </p:sp>
+      <p:sp>
+        <p:nvSpPr>
+          <p:cNvPr id="18" name="Rectangle 17">
+            <a:extLst>
+              <a:ext uri="{FF2B5EF4-FFF2-40B4-BE49-F238E27FC236}">
+                <a16:creationId xmlns:a16="http://schemas.microsoft.com/office/drawing/2014/main" id="{DCE89CE6-7D9B-455C-8337-9AAC7767C265}"/>
+              </a:ext>
+            </a:extLst>
+          </p:cNvPr>
+          <p:cNvSpPr/>
+          <p:nvPr/>
+        </p:nvSpPr>
+        <p:spPr>
+          <a:xfrm>
+            <a:off x="3724699" y="614897"/>
+            <a:ext cx="4491999" cy="369332"/>
+          </a:xfrm>
+          <a:prstGeom prst="rect">
+            <a:avLst/>
+          </a:prstGeom>
+        </p:spPr>
+        <p:txBody>
+          <a:bodyPr wrap="none">
+            <a:spAutoFit/>
+          </a:bodyPr>
+          <a:lstStyle/>
+          <a:p>
+            <a:r>
+              <a:rPr lang="en-US" dirty="0"/>
+              <a:t>D:\Github\WPTMotor\Test-Result\2021.11.29</a:t>
+            </a:r>
+          </a:p>
+        </p:txBody>
+      </p:sp>
+      <p:pic>
+        <p:nvPicPr>
+          <p:cNvPr id="3" name="Picture 2">
+            <a:extLst>
+              <a:ext uri="{FF2B5EF4-FFF2-40B4-BE49-F238E27FC236}">
+                <a16:creationId xmlns:a16="http://schemas.microsoft.com/office/drawing/2014/main" id="{C101A600-918F-452F-B30C-602F10C63D92}"/>
+              </a:ext>
+            </a:extLst>
+          </p:cNvPr>
+          <p:cNvPicPr>
+            <a:picLocks noChangeAspect="1"/>
+          </p:cNvPicPr>
+          <p:nvPr/>
+        </p:nvPicPr>
+        <p:blipFill>
+          <a:blip r:embed="rId2"/>
+          <a:stretch>
+            <a:fillRect/>
+          </a:stretch>
+        </p:blipFill>
+        <p:spPr>
+          <a:xfrm>
+            <a:off x="5871589" y="1272012"/>
+            <a:ext cx="2857500" cy="1905000"/>
+          </a:xfrm>
+          <a:prstGeom prst="rect">
+            <a:avLst/>
+          </a:prstGeom>
+        </p:spPr>
+      </p:pic>
+      <p:pic>
+        <p:nvPicPr>
+          <p:cNvPr id="4" name="Picture 3">
+            <a:extLst>
+              <a:ext uri="{FF2B5EF4-FFF2-40B4-BE49-F238E27FC236}">
+                <a16:creationId xmlns:a16="http://schemas.microsoft.com/office/drawing/2014/main" id="{0E9CBFF4-9CB9-47B8-A071-0D4FE8BD0C7F}"/>
+              </a:ext>
+            </a:extLst>
+          </p:cNvPr>
+          <p:cNvPicPr>
+            <a:picLocks noChangeAspect="1"/>
+          </p:cNvPicPr>
+          <p:nvPr/>
+        </p:nvPicPr>
+        <p:blipFill>
+          <a:blip r:embed="rId3"/>
+          <a:stretch>
+            <a:fillRect/>
+          </a:stretch>
+        </p:blipFill>
+        <p:spPr>
+          <a:xfrm>
+            <a:off x="3341370" y="3384268"/>
+            <a:ext cx="4762500" cy="1905000"/>
+          </a:xfrm>
+          <a:prstGeom prst="rect">
+            <a:avLst/>
+          </a:prstGeom>
+        </p:spPr>
+      </p:pic>
+      <p:pic>
+        <p:nvPicPr>
+          <p:cNvPr id="6" name="Picture 5">
+            <a:extLst>
+              <a:ext uri="{FF2B5EF4-FFF2-40B4-BE49-F238E27FC236}">
+                <a16:creationId xmlns:a16="http://schemas.microsoft.com/office/drawing/2014/main" id="{B382AA1C-EC76-4420-AF76-6603E6DB3601}"/>
+              </a:ext>
+            </a:extLst>
+          </p:cNvPr>
+          <p:cNvPicPr>
+            <a:picLocks noChangeAspect="1"/>
+          </p:cNvPicPr>
+          <p:nvPr/>
+        </p:nvPicPr>
+        <p:blipFill>
+          <a:blip r:embed="rId4"/>
+          <a:stretch>
+            <a:fillRect/>
+          </a:stretch>
+        </p:blipFill>
+        <p:spPr>
+          <a:xfrm>
+            <a:off x="3014089" y="1301840"/>
+            <a:ext cx="2857500" cy="1905000"/>
+          </a:xfrm>
+          <a:prstGeom prst="rect">
+            <a:avLst/>
+          </a:prstGeom>
+        </p:spPr>
+      </p:pic>
+    </p:spTree>
+    <p:extLst>
+      <p:ext uri="{BB962C8B-B14F-4D97-AF65-F5344CB8AC3E}">
+        <p14:creationId xmlns:p14="http://schemas.microsoft.com/office/powerpoint/2010/main" val="327624773"/>
+      </p:ext>
+    </p:extLst>
+  </p:cSld>
+  <p:clrMapOvr>
+    <a:masterClrMapping/>
+  </p:clrMapOvr>
+</p:sld>
+</file>
+
+<file path=ppt/slides/slide13.xml><?xml version="1.0" encoding="utf-8"?>
+<p:sld xmlns:a="http://schemas.openxmlformats.org/drawingml/2006/main" xmlns:r="http://schemas.openxmlformats.org/officeDocument/2006/relationships" xmlns:p="http://schemas.openxmlformats.org/presentationml/2006/main">
+  <p:cSld>
+    <p:spTree>
+      <p:nvGrpSpPr>
+        <p:cNvPr id="1" name=""/>
+        <p:cNvGrpSpPr/>
+        <p:nvPr/>
+      </p:nvGrpSpPr>
+      <p:grpSpPr>
+        <a:xfrm>
+          <a:off x="0" y="0"/>
+          <a:ext cx="0" cy="0"/>
+          <a:chOff x="0" y="0"/>
+          <a:chExt cx="0" cy="0"/>
+        </a:xfrm>
+      </p:grpSpPr>
+      <p:pic>
+        <p:nvPicPr>
+          <p:cNvPr id="6" name="Picture 5">
+            <a:extLst>
+              <a:ext uri="{FF2B5EF4-FFF2-40B4-BE49-F238E27FC236}">
+                <a16:creationId xmlns:a16="http://schemas.microsoft.com/office/drawing/2014/main" id="{41BDAA32-E734-4E72-868A-088FE7E23400}"/>
+              </a:ext>
+            </a:extLst>
+          </p:cNvPr>
+          <p:cNvPicPr>
+            <a:picLocks noChangeAspect="1"/>
+          </p:cNvPicPr>
+          <p:nvPr/>
+        </p:nvPicPr>
+        <p:blipFill>
+          <a:blip r:embed="rId2"/>
+          <a:stretch>
+            <a:fillRect/>
+          </a:stretch>
+        </p:blipFill>
+        <p:spPr>
+          <a:xfrm>
+            <a:off x="2945130" y="1340569"/>
+            <a:ext cx="2857500" cy="1905000"/>
+          </a:xfrm>
+          <a:prstGeom prst="rect">
+            <a:avLst/>
+          </a:prstGeom>
+        </p:spPr>
+      </p:pic>
+      <p:pic>
+        <p:nvPicPr>
+          <p:cNvPr id="7" name="Picture 6">
+            <a:extLst>
+              <a:ext uri="{FF2B5EF4-FFF2-40B4-BE49-F238E27FC236}">
+                <a16:creationId xmlns:a16="http://schemas.microsoft.com/office/drawing/2014/main" id="{3E0A5E8A-C834-4731-A5D2-A3C1A7EA1493}"/>
+              </a:ext>
+            </a:extLst>
+          </p:cNvPr>
+          <p:cNvPicPr>
+            <a:picLocks noChangeAspect="1"/>
+          </p:cNvPicPr>
+          <p:nvPr/>
+        </p:nvPicPr>
+        <p:blipFill>
+          <a:blip r:embed="rId3"/>
+          <a:stretch>
+            <a:fillRect/>
+          </a:stretch>
+        </p:blipFill>
+        <p:spPr>
+          <a:xfrm>
+            <a:off x="5703496" y="1340569"/>
+            <a:ext cx="2857500" cy="1905000"/>
+          </a:xfrm>
+          <a:prstGeom prst="rect">
+            <a:avLst/>
+          </a:prstGeom>
+        </p:spPr>
+      </p:pic>
+      <p:pic>
+        <p:nvPicPr>
+          <p:cNvPr id="8" name="Picture 7">
+            <a:extLst>
+              <a:ext uri="{FF2B5EF4-FFF2-40B4-BE49-F238E27FC236}">
+                <a16:creationId xmlns:a16="http://schemas.microsoft.com/office/drawing/2014/main" id="{4908CE0F-D84E-45A8-90EE-530AD181289F}"/>
+              </a:ext>
+            </a:extLst>
+          </p:cNvPr>
+          <p:cNvPicPr>
+            <a:picLocks noChangeAspect="1"/>
+          </p:cNvPicPr>
+          <p:nvPr/>
+        </p:nvPicPr>
+        <p:blipFill>
+          <a:blip r:embed="rId4"/>
+          <a:stretch>
+            <a:fillRect/>
+          </a:stretch>
+        </p:blipFill>
+        <p:spPr>
+          <a:xfrm>
+            <a:off x="3329940" y="3398520"/>
+            <a:ext cx="4762500" cy="1905000"/>
+          </a:xfrm>
+          <a:prstGeom prst="rect">
+            <a:avLst/>
+          </a:prstGeom>
+        </p:spPr>
+      </p:pic>
+      <p:sp>
+        <p:nvSpPr>
+          <p:cNvPr id="9" name="TextBox 8">
+            <a:extLst>
+              <a:ext uri="{FF2B5EF4-FFF2-40B4-BE49-F238E27FC236}">
+                <a16:creationId xmlns:a16="http://schemas.microsoft.com/office/drawing/2014/main" id="{18810AA3-E71B-4EE9-8F38-1093E13C1C45}"/>
+              </a:ext>
+            </a:extLst>
+          </p:cNvPr>
+          <p:cNvSpPr txBox="1"/>
+          <p:nvPr/>
+        </p:nvSpPr>
+        <p:spPr>
+          <a:xfrm>
+            <a:off x="4275221" y="3184609"/>
+            <a:ext cx="566670" cy="338554"/>
+          </a:xfrm>
+          <a:prstGeom prst="rect">
+            <a:avLst/>
+          </a:prstGeom>
+          <a:noFill/>
+        </p:spPr>
+        <p:txBody>
+          <a:bodyPr wrap="square" rtlCol="0">
+            <a:spAutoFit/>
+          </a:bodyPr>
+          <a:lstStyle/>
+          <a:p>
+            <a:r>
+              <a:rPr lang="en-US" sz="1600" dirty="0">
+                <a:latin typeface="Times New Roman" panose="02020603050405020304" pitchFamily="18" charset="0"/>
+                <a:cs typeface="Times New Roman" panose="02020603050405020304" pitchFamily="18" charset="0"/>
+              </a:rPr>
+              <a:t>a)</a:t>
+            </a:r>
+          </a:p>
+        </p:txBody>
+      </p:sp>
+      <p:sp>
+        <p:nvSpPr>
+          <p:cNvPr id="10" name="TextBox 9">
+            <a:extLst>
+              <a:ext uri="{FF2B5EF4-FFF2-40B4-BE49-F238E27FC236}">
+                <a16:creationId xmlns:a16="http://schemas.microsoft.com/office/drawing/2014/main" id="{2754EB56-F535-4128-BAF6-7E6056874781}"/>
+              </a:ext>
+            </a:extLst>
+          </p:cNvPr>
+          <p:cNvSpPr txBox="1"/>
+          <p:nvPr/>
+        </p:nvSpPr>
+        <p:spPr>
+          <a:xfrm>
+            <a:off x="7044985" y="3184609"/>
+            <a:ext cx="610251" cy="338554"/>
+          </a:xfrm>
+          <a:prstGeom prst="rect">
+            <a:avLst/>
+          </a:prstGeom>
+          <a:noFill/>
+        </p:spPr>
+        <p:txBody>
+          <a:bodyPr wrap="square" rtlCol="0">
+            <a:spAutoFit/>
+          </a:bodyPr>
+          <a:lstStyle/>
+          <a:p>
+            <a:r>
+              <a:rPr lang="en-US" sz="1600" dirty="0">
+                <a:latin typeface="Times New Roman" panose="02020603050405020304" pitchFamily="18" charset="0"/>
+                <a:cs typeface="Times New Roman" panose="02020603050405020304" pitchFamily="18" charset="0"/>
+              </a:rPr>
+              <a:t>b)</a:t>
+            </a:r>
+          </a:p>
+        </p:txBody>
+      </p:sp>
+      <p:sp>
+        <p:nvSpPr>
+          <p:cNvPr id="11" name="TextBox 10">
+            <a:extLst>
+              <a:ext uri="{FF2B5EF4-FFF2-40B4-BE49-F238E27FC236}">
+                <a16:creationId xmlns:a16="http://schemas.microsoft.com/office/drawing/2014/main" id="{B682E5B3-8DE0-4CFC-BEE6-5B08469124E5}"/>
+              </a:ext>
+            </a:extLst>
+          </p:cNvPr>
+          <p:cNvSpPr txBox="1"/>
+          <p:nvPr/>
+        </p:nvSpPr>
+        <p:spPr>
+          <a:xfrm>
+            <a:off x="5637530" y="5178877"/>
+            <a:ext cx="566670" cy="338554"/>
+          </a:xfrm>
+          <a:prstGeom prst="rect">
+            <a:avLst/>
+          </a:prstGeom>
+          <a:noFill/>
+        </p:spPr>
+        <p:txBody>
+          <a:bodyPr wrap="square" rtlCol="0">
+            <a:spAutoFit/>
+          </a:bodyPr>
+          <a:lstStyle/>
+          <a:p>
+            <a:r>
+              <a:rPr lang="en-US" sz="1600" dirty="0">
+                <a:latin typeface="Times New Roman" panose="02020603050405020304" pitchFamily="18" charset="0"/>
+                <a:cs typeface="Times New Roman" panose="02020603050405020304" pitchFamily="18" charset="0"/>
+              </a:rPr>
+              <a:t>c)</a:t>
+            </a:r>
+          </a:p>
+        </p:txBody>
+      </p:sp>
+      <p:sp>
+        <p:nvSpPr>
+          <p:cNvPr id="15" name="Rectangle 14">
+            <a:extLst>
+              <a:ext uri="{FF2B5EF4-FFF2-40B4-BE49-F238E27FC236}">
+                <a16:creationId xmlns:a16="http://schemas.microsoft.com/office/drawing/2014/main" id="{512C3867-8BE4-4A07-A8B0-DFB2C9AB8FA7}"/>
+              </a:ext>
+            </a:extLst>
+          </p:cNvPr>
+          <p:cNvSpPr/>
+          <p:nvPr/>
+        </p:nvSpPr>
+        <p:spPr>
+          <a:xfrm>
+            <a:off x="3798485" y="320830"/>
+            <a:ext cx="4491999" cy="369332"/>
+          </a:xfrm>
+          <a:prstGeom prst="rect">
+            <a:avLst/>
+          </a:prstGeom>
+        </p:spPr>
+        <p:txBody>
+          <a:bodyPr wrap="none">
+            <a:spAutoFit/>
+          </a:bodyPr>
+          <a:lstStyle/>
+          <a:p>
+            <a:r>
+              <a:rPr lang="en-US" dirty="0"/>
+              <a:t>D:\Github\WPTMotor\Test-Result\2021.11.29</a:t>
+            </a:r>
+          </a:p>
+        </p:txBody>
+      </p:sp>
+      <p:sp>
+        <p:nvSpPr>
+          <p:cNvPr id="16" name="Rectangle 15">
+            <a:extLst>
+              <a:ext uri="{FF2B5EF4-FFF2-40B4-BE49-F238E27FC236}">
+                <a16:creationId xmlns:a16="http://schemas.microsoft.com/office/drawing/2014/main" id="{FE2F45BE-7D98-43AC-85E3-83D2B59CFDD9}"/>
+              </a:ext>
+            </a:extLst>
+          </p:cNvPr>
+          <p:cNvSpPr/>
+          <p:nvPr/>
+        </p:nvSpPr>
+        <p:spPr>
+          <a:xfrm>
+            <a:off x="4611981" y="5691320"/>
+            <a:ext cx="2738827" cy="369332"/>
+          </a:xfrm>
+          <a:prstGeom prst="rect">
+            <a:avLst/>
+          </a:prstGeom>
+        </p:spPr>
+        <p:txBody>
+          <a:bodyPr wrap="none">
+            <a:spAutoFit/>
+          </a:bodyPr>
+          <a:lstStyle/>
+          <a:p>
+            <a:r>
+              <a:rPr lang="en-US" dirty="0"/>
+              <a:t>Plotter_all_WPT_motor_v2</a:t>
+            </a:r>
+          </a:p>
+        </p:txBody>
+      </p:sp>
+    </p:spTree>
+    <p:extLst>
+      <p:ext uri="{BB962C8B-B14F-4D97-AF65-F5344CB8AC3E}">
+        <p14:creationId xmlns:p14="http://schemas.microsoft.com/office/powerpoint/2010/main" val="3009411776"/>
+      </p:ext>
+    </p:extLst>
+  </p:cSld>
+  <p:clrMapOvr>
+    <a:masterClrMapping/>
+  </p:clrMapOvr>
+</p:sld>
+</file>
+
+<file path=ppt/slides/slide14.xml><?xml version="1.0" encoding="utf-8"?>
+<p:sld xmlns:a="http://schemas.openxmlformats.org/drawingml/2006/main" xmlns:r="http://schemas.openxmlformats.org/officeDocument/2006/relationships" xmlns:p="http://schemas.openxmlformats.org/presentationml/2006/main">
+  <p:cSld>
+    <p:spTree>
+      <p:nvGrpSpPr>
+        <p:cNvPr id="1" name=""/>
+        <p:cNvGrpSpPr/>
+        <p:nvPr/>
+      </p:nvGrpSpPr>
+      <p:grpSpPr>
+        <a:xfrm>
+          <a:off x="0" y="0"/>
+          <a:ext cx="0" cy="0"/>
+          <a:chOff x="0" y="0"/>
+          <a:chExt cx="0" cy="0"/>
+        </a:xfrm>
+      </p:grpSpPr>
+      <p:sp>
+        <p:nvSpPr>
+          <p:cNvPr id="13" name="Rectangle 12">
+            <a:extLst>
+              <a:ext uri="{FF2B5EF4-FFF2-40B4-BE49-F238E27FC236}">
+                <a16:creationId xmlns:a16="http://schemas.microsoft.com/office/drawing/2014/main" id="{E36B8128-D131-456B-908A-2D87E8F88099}"/>
+              </a:ext>
+            </a:extLst>
+          </p:cNvPr>
+          <p:cNvSpPr/>
+          <p:nvPr/>
+        </p:nvSpPr>
+        <p:spPr>
+          <a:xfrm>
+            <a:off x="4285306" y="1428241"/>
+            <a:ext cx="4491999" cy="369332"/>
+          </a:xfrm>
+          <a:prstGeom prst="rect">
+            <a:avLst/>
+          </a:prstGeom>
+        </p:spPr>
+        <p:txBody>
+          <a:bodyPr wrap="none">
+            <a:spAutoFit/>
+          </a:bodyPr>
+          <a:lstStyle/>
+          <a:p>
+            <a:r>
+              <a:rPr lang="en-US" dirty="0"/>
+              <a:t>D:\Github\WPTMotor\Test-Result\2021.11.29</a:t>
+            </a:r>
+          </a:p>
+        </p:txBody>
+      </p:sp>
+      <p:pic>
+        <p:nvPicPr>
+          <p:cNvPr id="24" name="Picture 23">
+            <a:extLst>
+              <a:ext uri="{FF2B5EF4-FFF2-40B4-BE49-F238E27FC236}">
+                <a16:creationId xmlns:a16="http://schemas.microsoft.com/office/drawing/2014/main" id="{8B2D3155-26C4-401B-B921-01E93EBF55DF}"/>
+              </a:ext>
+            </a:extLst>
+          </p:cNvPr>
+          <p:cNvPicPr>
+            <a:picLocks noChangeAspect="1"/>
+          </p:cNvPicPr>
+          <p:nvPr/>
+        </p:nvPicPr>
+        <p:blipFill>
+          <a:blip r:embed="rId2"/>
+          <a:stretch>
+            <a:fillRect/>
+          </a:stretch>
+        </p:blipFill>
+        <p:spPr>
+          <a:xfrm>
+            <a:off x="4532290" y="2160968"/>
+            <a:ext cx="3810000" cy="1905000"/>
+          </a:xfrm>
+          <a:prstGeom prst="rect">
+            <a:avLst/>
+          </a:prstGeom>
+        </p:spPr>
+      </p:pic>
+    </p:spTree>
+    <p:extLst>
+      <p:ext uri="{BB962C8B-B14F-4D97-AF65-F5344CB8AC3E}">
+        <p14:creationId xmlns:p14="http://schemas.microsoft.com/office/powerpoint/2010/main" val="2958766520"/>
+      </p:ext>
+    </p:extLst>
+  </p:cSld>
+  <p:clrMapOvr>
+    <a:masterClrMapping/>
+  </p:clrMapOvr>
+</p:sld>
+</file>
+
+<file path=ppt/slides/slide15.xml><?xml version="1.0" encoding="utf-8"?>
+<p:sld xmlns:a="http://schemas.openxmlformats.org/drawingml/2006/main" xmlns:r="http://schemas.openxmlformats.org/officeDocument/2006/relationships" xmlns:p="http://schemas.openxmlformats.org/presentationml/2006/main">
+  <p:cSld>
+    <p:spTree>
+      <p:nvGrpSpPr>
+        <p:cNvPr id="1" name=""/>
+        <p:cNvGrpSpPr/>
+        <p:nvPr/>
+      </p:nvGrpSpPr>
+      <p:grpSpPr>
+        <a:xfrm>
+          <a:off x="0" y="0"/>
+          <a:ext cx="0" cy="0"/>
+          <a:chOff x="0" y="0"/>
+          <a:chExt cx="0" cy="0"/>
+        </a:xfrm>
+      </p:grpSpPr>
+      <p:pic>
+        <p:nvPicPr>
+          <p:cNvPr id="5" name="Picture 4">
+            <a:extLst>
+              <a:ext uri="{FF2B5EF4-FFF2-40B4-BE49-F238E27FC236}">
+                <a16:creationId xmlns:a16="http://schemas.microsoft.com/office/drawing/2014/main" id="{48864EEF-ADBE-4211-A8E0-EBB9045B2A74}"/>
+              </a:ext>
+            </a:extLst>
+          </p:cNvPr>
+          <p:cNvPicPr>
+            <a:picLocks noChangeAspect="1"/>
+          </p:cNvPicPr>
+          <p:nvPr/>
+        </p:nvPicPr>
+        <p:blipFill>
+          <a:blip r:embed="rId2"/>
+          <a:stretch>
+            <a:fillRect/>
+          </a:stretch>
+        </p:blipFill>
+        <p:spPr>
+          <a:xfrm>
+            <a:off x="1590467" y="3076942"/>
+            <a:ext cx="5715000" cy="1905000"/>
+          </a:xfrm>
+          <a:prstGeom prst="rect">
+            <a:avLst/>
+          </a:prstGeom>
+        </p:spPr>
+      </p:pic>
+      <p:pic>
+        <p:nvPicPr>
+          <p:cNvPr id="8" name="Picture 7">
+            <a:extLst>
+              <a:ext uri="{FF2B5EF4-FFF2-40B4-BE49-F238E27FC236}">
+                <a16:creationId xmlns:a16="http://schemas.microsoft.com/office/drawing/2014/main" id="{2AFF03E6-4347-42D4-A0FF-CCDCDDE62586}"/>
+              </a:ext>
+            </a:extLst>
+          </p:cNvPr>
+          <p:cNvPicPr>
+            <a:picLocks noChangeAspect="1"/>
+          </p:cNvPicPr>
+          <p:nvPr/>
+        </p:nvPicPr>
+        <p:blipFill>
+          <a:blip r:embed="rId3"/>
+          <a:stretch>
+            <a:fillRect/>
+          </a:stretch>
+        </p:blipFill>
+        <p:spPr>
+          <a:xfrm>
+            <a:off x="1590467" y="1233689"/>
+            <a:ext cx="5715000" cy="1905000"/>
+          </a:xfrm>
+          <a:prstGeom prst="rect">
+            <a:avLst/>
+          </a:prstGeom>
+        </p:spPr>
+      </p:pic>
+      <p:sp>
+        <p:nvSpPr>
+          <p:cNvPr id="9" name="Rectangle 8">
+            <a:extLst>
+              <a:ext uri="{FF2B5EF4-FFF2-40B4-BE49-F238E27FC236}">
+                <a16:creationId xmlns:a16="http://schemas.microsoft.com/office/drawing/2014/main" id="{7707B149-A458-47BB-B8E4-53664F4BA3FF}"/>
+              </a:ext>
+            </a:extLst>
+          </p:cNvPr>
+          <p:cNvSpPr/>
+          <p:nvPr/>
+        </p:nvSpPr>
+        <p:spPr>
+          <a:xfrm>
+            <a:off x="2411430" y="642630"/>
+            <a:ext cx="4491999" cy="369332"/>
+          </a:xfrm>
+          <a:prstGeom prst="rect">
+            <a:avLst/>
+          </a:prstGeom>
+        </p:spPr>
+        <p:txBody>
+          <a:bodyPr wrap="none">
+            <a:spAutoFit/>
+          </a:bodyPr>
+          <a:lstStyle/>
+          <a:p>
+            <a:r>
+              <a:rPr lang="en-US" dirty="0"/>
+              <a:t>D:\Github\WPTMotor\Test-Result\2021.11.29</a:t>
+            </a:r>
+          </a:p>
+        </p:txBody>
+      </p:sp>
+    </p:spTree>
+    <p:extLst>
+      <p:ext uri="{BB962C8B-B14F-4D97-AF65-F5344CB8AC3E}">
+        <p14:creationId xmlns:p14="http://schemas.microsoft.com/office/powerpoint/2010/main" val="3895981147"/>
+      </p:ext>
+    </p:extLst>
+  </p:cSld>
+  <p:clrMapOvr>
+    <a:masterClrMapping/>
+  </p:clrMapOvr>
+</p:sld>
+</file>
+
+<file path=ppt/slides/slide16.xml><?xml version="1.0" encoding="utf-8"?>
+<p:sld xmlns:a="http://schemas.openxmlformats.org/drawingml/2006/main" xmlns:r="http://schemas.openxmlformats.org/officeDocument/2006/relationships" xmlns:p="http://schemas.openxmlformats.org/presentationml/2006/main">
+  <p:cSld>
+    <p:spTree>
+      <p:nvGrpSpPr>
+        <p:cNvPr id="1" name=""/>
+        <p:cNvGrpSpPr/>
+        <p:nvPr/>
+      </p:nvGrpSpPr>
+      <p:grpSpPr>
+        <a:xfrm>
+          <a:off x="0" y="0"/>
+          <a:ext cx="0" cy="0"/>
+          <a:chOff x="0" y="0"/>
+          <a:chExt cx="0" cy="0"/>
+        </a:xfrm>
+      </p:grpSpPr>
+      <p:pic>
+        <p:nvPicPr>
+          <p:cNvPr id="6" name="Picture 5">
+            <a:extLst>
+              <a:ext uri="{FF2B5EF4-FFF2-40B4-BE49-F238E27FC236}">
+                <a16:creationId xmlns:a16="http://schemas.microsoft.com/office/drawing/2014/main" id="{5B5B0B85-B94C-4989-9048-AA4FCE01C296}"/>
+              </a:ext>
+            </a:extLst>
+          </p:cNvPr>
+          <p:cNvPicPr>
+            <a:picLocks noChangeAspect="1"/>
+          </p:cNvPicPr>
+          <p:nvPr/>
+        </p:nvPicPr>
+        <p:blipFill>
+          <a:blip r:embed="rId2"/>
+          <a:stretch>
+            <a:fillRect/>
+          </a:stretch>
+        </p:blipFill>
+        <p:spPr>
+          <a:xfrm>
+            <a:off x="3368040" y="739140"/>
+            <a:ext cx="5715000" cy="1905000"/>
+          </a:xfrm>
+          <a:prstGeom prst="rect">
+            <a:avLst/>
+          </a:prstGeom>
+        </p:spPr>
+      </p:pic>
+      <p:pic>
+        <p:nvPicPr>
+          <p:cNvPr id="7" name="Picture 6">
+            <a:extLst>
+              <a:ext uri="{FF2B5EF4-FFF2-40B4-BE49-F238E27FC236}">
+                <a16:creationId xmlns:a16="http://schemas.microsoft.com/office/drawing/2014/main" id="{92110267-E616-4227-9434-5A66BE206080}"/>
+              </a:ext>
+            </a:extLst>
+          </p:cNvPr>
+          <p:cNvPicPr>
+            <a:picLocks noChangeAspect="1"/>
+          </p:cNvPicPr>
+          <p:nvPr/>
+        </p:nvPicPr>
+        <p:blipFill>
+          <a:blip r:embed="rId3"/>
+          <a:stretch>
+            <a:fillRect/>
+          </a:stretch>
+        </p:blipFill>
+        <p:spPr>
+          <a:xfrm>
+            <a:off x="3368040" y="2590800"/>
+            <a:ext cx="5715000" cy="1905000"/>
+          </a:xfrm>
+          <a:prstGeom prst="rect">
+            <a:avLst/>
+          </a:prstGeom>
+        </p:spPr>
+      </p:pic>
+      <p:sp>
+        <p:nvSpPr>
+          <p:cNvPr id="8" name="Rectangle 7">
+            <a:extLst>
+              <a:ext uri="{FF2B5EF4-FFF2-40B4-BE49-F238E27FC236}">
+                <a16:creationId xmlns:a16="http://schemas.microsoft.com/office/drawing/2014/main" id="{FC2EB593-E1C3-4B2A-A980-DF4991E66A51}"/>
+              </a:ext>
+            </a:extLst>
+          </p:cNvPr>
+          <p:cNvSpPr/>
+          <p:nvPr/>
+        </p:nvSpPr>
+        <p:spPr>
+          <a:xfrm>
+            <a:off x="3979540" y="4950785"/>
+            <a:ext cx="4491999" cy="369332"/>
+          </a:xfrm>
+          <a:prstGeom prst="rect">
+            <a:avLst/>
+          </a:prstGeom>
+        </p:spPr>
+        <p:txBody>
+          <a:bodyPr wrap="none">
+            <a:spAutoFit/>
+          </a:bodyPr>
+          <a:lstStyle/>
+          <a:p>
+            <a:r>
+              <a:rPr lang="en-US" dirty="0"/>
+              <a:t>D:\Github\WPTMotor\Test-Result\2021.11.29</a:t>
+            </a:r>
+          </a:p>
+        </p:txBody>
+      </p:sp>
+    </p:spTree>
+    <p:extLst>
+      <p:ext uri="{BB962C8B-B14F-4D97-AF65-F5344CB8AC3E}">
+        <p14:creationId xmlns:p14="http://schemas.microsoft.com/office/powerpoint/2010/main" val="1368026234"/>
+      </p:ext>
+    </p:extLst>
+  </p:cSld>
+  <p:clrMapOvr>
+    <a:masterClrMapping/>
+  </p:clrMapOvr>
+</p:sld>
+</file>
+
 <file path=ppt/slides/slide2.xml><?xml version="1.0" encoding="utf-8"?>
 <p:sld xmlns:a="http://schemas.openxmlformats.org/drawingml/2006/main" xmlns:r="http://schemas.openxmlformats.org/officeDocument/2006/relationships" xmlns:p="http://schemas.openxmlformats.org/presentationml/2006/main">
   <p:cSld>
@@ -4958,6 +6373,2082 @@
       </p:grpSpPr>
       <p:pic>
         <p:nvPicPr>
+          <p:cNvPr id="25" name="Picture 24">
+            <a:extLst>
+              <a:ext uri="{FF2B5EF4-FFF2-40B4-BE49-F238E27FC236}">
+                <a16:creationId xmlns:a16="http://schemas.microsoft.com/office/drawing/2014/main" id="{1354259C-C95A-47E7-A537-E26F46A8C4B1}"/>
+              </a:ext>
+            </a:extLst>
+          </p:cNvPr>
+          <p:cNvPicPr>
+            <a:picLocks noChangeAspect="1"/>
+          </p:cNvPicPr>
+          <p:nvPr/>
+        </p:nvPicPr>
+        <p:blipFill>
+          <a:blip r:embed="rId2"/>
+          <a:stretch>
+            <a:fillRect/>
+          </a:stretch>
+        </p:blipFill>
+        <p:spPr>
+          <a:xfrm>
+            <a:off x="3119235" y="3428999"/>
+            <a:ext cx="2857500" cy="1428750"/>
+          </a:xfrm>
+          <a:prstGeom prst="rect">
+            <a:avLst/>
+          </a:prstGeom>
+        </p:spPr>
+      </p:pic>
+      <p:pic>
+        <p:nvPicPr>
+          <p:cNvPr id="24" name="Picture 23">
+            <a:extLst>
+              <a:ext uri="{FF2B5EF4-FFF2-40B4-BE49-F238E27FC236}">
+                <a16:creationId xmlns:a16="http://schemas.microsoft.com/office/drawing/2014/main" id="{D9C1AB89-C8EA-45AD-86C9-4B170F769AFA}"/>
+              </a:ext>
+            </a:extLst>
+          </p:cNvPr>
+          <p:cNvPicPr>
+            <a:picLocks noChangeAspect="1"/>
+          </p:cNvPicPr>
+          <p:nvPr/>
+        </p:nvPicPr>
+        <p:blipFill>
+          <a:blip r:embed="rId3"/>
+          <a:stretch>
+            <a:fillRect/>
+          </a:stretch>
+        </p:blipFill>
+        <p:spPr>
+          <a:xfrm>
+            <a:off x="3137154" y="1931901"/>
+            <a:ext cx="2857500" cy="1428750"/>
+          </a:xfrm>
+          <a:prstGeom prst="rect">
+            <a:avLst/>
+          </a:prstGeom>
+        </p:spPr>
+      </p:pic>
+      <p:cxnSp>
+        <p:nvCxnSpPr>
+          <p:cNvPr id="6" name="Straight Connector 5">
+            <a:extLst>
+              <a:ext uri="{FF2B5EF4-FFF2-40B4-BE49-F238E27FC236}">
+                <a16:creationId xmlns:a16="http://schemas.microsoft.com/office/drawing/2014/main" id="{7B00F6F9-CFE8-45E6-A07B-648D57A98D03}"/>
+              </a:ext>
+            </a:extLst>
+          </p:cNvPr>
+          <p:cNvCxnSpPr>
+            <a:cxnSpLocks/>
+          </p:cNvCxnSpPr>
+          <p:nvPr/>
+        </p:nvCxnSpPr>
+        <p:spPr>
+          <a:xfrm>
+            <a:off x="3950208" y="2000250"/>
+            <a:ext cx="0" cy="2503551"/>
+          </a:xfrm>
+          <a:prstGeom prst="line">
+            <a:avLst/>
+          </a:prstGeom>
+          <a:ln w="9525">
+            <a:solidFill>
+              <a:schemeClr val="bg2">
+                <a:lumMod val="25000"/>
+              </a:schemeClr>
+            </a:solidFill>
+            <a:prstDash val="dash"/>
+          </a:ln>
+        </p:spPr>
+        <p:style>
+          <a:lnRef idx="1">
+            <a:schemeClr val="accent1"/>
+          </a:lnRef>
+          <a:fillRef idx="0">
+            <a:schemeClr val="accent1"/>
+          </a:fillRef>
+          <a:effectRef idx="0">
+            <a:schemeClr val="accent1"/>
+          </a:effectRef>
+          <a:fontRef idx="minor">
+            <a:schemeClr val="tx1"/>
+          </a:fontRef>
+        </p:style>
+      </p:cxnSp>
+      <p:cxnSp>
+        <p:nvCxnSpPr>
+          <p:cNvPr id="7" name="Straight Connector 6">
+            <a:extLst>
+              <a:ext uri="{FF2B5EF4-FFF2-40B4-BE49-F238E27FC236}">
+                <a16:creationId xmlns:a16="http://schemas.microsoft.com/office/drawing/2014/main" id="{558D73A2-AE83-4DB3-BBE0-50A92D6A9715}"/>
+              </a:ext>
+            </a:extLst>
+          </p:cNvPr>
+          <p:cNvCxnSpPr>
+            <a:cxnSpLocks/>
+          </p:cNvCxnSpPr>
+          <p:nvPr/>
+        </p:nvCxnSpPr>
+        <p:spPr>
+          <a:xfrm>
+            <a:off x="5048504" y="2000250"/>
+            <a:ext cx="0" cy="2503551"/>
+          </a:xfrm>
+          <a:prstGeom prst="line">
+            <a:avLst/>
+          </a:prstGeom>
+          <a:ln w="9525">
+            <a:solidFill>
+              <a:schemeClr val="bg2">
+                <a:lumMod val="25000"/>
+              </a:schemeClr>
+            </a:solidFill>
+            <a:prstDash val="dash"/>
+          </a:ln>
+        </p:spPr>
+        <p:style>
+          <a:lnRef idx="1">
+            <a:schemeClr val="accent1"/>
+          </a:lnRef>
+          <a:fillRef idx="0">
+            <a:schemeClr val="accent1"/>
+          </a:fillRef>
+          <a:effectRef idx="0">
+            <a:schemeClr val="accent1"/>
+          </a:effectRef>
+          <a:fontRef idx="minor">
+            <a:schemeClr val="tx1"/>
+          </a:fontRef>
+        </p:style>
+      </p:cxnSp>
+      <mc:AlternateContent xmlns:mc="http://schemas.openxmlformats.org/markup-compatibility/2006">
+        <mc:Choice xmlns:a14="http://schemas.microsoft.com/office/drawing/2010/main" Requires="a14">
+          <p:sp>
+            <p:nvSpPr>
+              <p:cNvPr id="8" name="TextBox 7">
+                <a:extLst>
+                  <a:ext uri="{FF2B5EF4-FFF2-40B4-BE49-F238E27FC236}">
+                    <a16:creationId xmlns:a16="http://schemas.microsoft.com/office/drawing/2014/main" id="{57D86F47-3048-469B-964B-AD86B3052288}"/>
+                  </a:ext>
+                </a:extLst>
+              </p:cNvPr>
+              <p:cNvSpPr txBox="1"/>
+              <p:nvPr/>
+            </p:nvSpPr>
+            <p:spPr>
+              <a:xfrm>
+                <a:off x="3906513" y="1815584"/>
+                <a:ext cx="162480" cy="184666"/>
+              </a:xfrm>
+              <a:prstGeom prst="rect">
+                <a:avLst/>
+              </a:prstGeom>
+              <a:noFill/>
+            </p:spPr>
+            <p:txBody>
+              <a:bodyPr wrap="none" lIns="0" tIns="0" rIns="0" bIns="0" rtlCol="0">
+                <a:spAutoFit/>
+              </a:bodyPr>
+              <a:lstStyle/>
+              <a:p>
+                <a:pPr/>
+                <a14:m>
+                  <m:oMathPara xmlns:m="http://schemas.openxmlformats.org/officeDocument/2006/math">
+                    <m:oMathParaPr>
+                      <m:jc m:val="centerGroup"/>
+                    </m:oMathParaPr>
+                    <m:oMath xmlns:m="http://schemas.openxmlformats.org/officeDocument/2006/math">
+                      <m:sSub>
+                        <m:sSubPr>
+                          <m:ctrlPr>
+                            <a:rPr lang="en-US" sz="1200" b="0" i="1" smtClean="0">
+                              <a:latin typeface="Cambria Math" panose="02040503050406030204" pitchFamily="18" charset="0"/>
+                            </a:rPr>
+                          </m:ctrlPr>
+                        </m:sSubPr>
+                        <m:e>
+                          <m:r>
+                            <a:rPr lang="en-US" sz="1200" b="0" i="1" smtClean="0">
+                              <a:latin typeface="Cambria Math" panose="02040503050406030204" pitchFamily="18" charset="0"/>
+                            </a:rPr>
+                            <m:t>𝑡</m:t>
+                          </m:r>
+                        </m:e>
+                        <m:sub>
+                          <m:r>
+                            <a:rPr lang="en-US" sz="1200" b="0" i="1" smtClean="0">
+                              <a:latin typeface="Cambria Math" panose="02040503050406030204" pitchFamily="18" charset="0"/>
+                            </a:rPr>
+                            <m:t>1</m:t>
+                          </m:r>
+                        </m:sub>
+                      </m:sSub>
+                    </m:oMath>
+                  </m:oMathPara>
+                </a14:m>
+                <a:endParaRPr lang="en-US" sz="1200" dirty="0"/>
+              </a:p>
+            </p:txBody>
+          </p:sp>
+        </mc:Choice>
+        <mc:Fallback>
+          <p:sp>
+            <p:nvSpPr>
+              <p:cNvPr id="8" name="TextBox 7">
+                <a:extLst>
+                  <a:ext uri="{FF2B5EF4-FFF2-40B4-BE49-F238E27FC236}">
+                    <a16:creationId xmlns:a16="http://schemas.microsoft.com/office/drawing/2014/main" id="{57D86F47-3048-469B-964B-AD86B3052288}"/>
+                  </a:ext>
+                </a:extLst>
+              </p:cNvPr>
+              <p:cNvSpPr txBox="1">
+                <a:spLocks noRot="1" noChangeAspect="1" noMove="1" noResize="1" noEditPoints="1" noAdjustHandles="1" noChangeArrowheads="1" noChangeShapeType="1" noTextEdit="1"/>
+              </p:cNvSpPr>
+              <p:nvPr/>
+            </p:nvSpPr>
+            <p:spPr>
+              <a:xfrm>
+                <a:off x="3906513" y="1815584"/>
+                <a:ext cx="162480" cy="184666"/>
+              </a:xfrm>
+              <a:prstGeom prst="rect">
+                <a:avLst/>
+              </a:prstGeom>
+              <a:blipFill>
+                <a:blip r:embed="rId4"/>
+                <a:stretch>
+                  <a:fillRect l="-19231" r="-7692" b="-13333"/>
+                </a:stretch>
+              </a:blipFill>
+            </p:spPr>
+            <p:txBody>
+              <a:bodyPr/>
+              <a:lstStyle/>
+              <a:p>
+                <a:r>
+                  <a:rPr lang="en-US">
+                    <a:noFill/>
+                  </a:rPr>
+                  <a:t> </a:t>
+                </a:r>
+              </a:p>
+            </p:txBody>
+          </p:sp>
+        </mc:Fallback>
+      </mc:AlternateContent>
+      <mc:AlternateContent xmlns:mc="http://schemas.openxmlformats.org/markup-compatibility/2006">
+        <mc:Choice xmlns:a14="http://schemas.microsoft.com/office/drawing/2010/main" Requires="a14">
+          <p:sp>
+            <p:nvSpPr>
+              <p:cNvPr id="9" name="TextBox 8">
+                <a:extLst>
+                  <a:ext uri="{FF2B5EF4-FFF2-40B4-BE49-F238E27FC236}">
+                    <a16:creationId xmlns:a16="http://schemas.microsoft.com/office/drawing/2014/main" id="{AD4335F0-482B-421D-8C2E-97A59D148E4E}"/>
+                  </a:ext>
+                </a:extLst>
+              </p:cNvPr>
+              <p:cNvSpPr txBox="1"/>
+              <p:nvPr/>
+            </p:nvSpPr>
+            <p:spPr>
+              <a:xfrm>
+                <a:off x="4965468" y="1815584"/>
+                <a:ext cx="166071" cy="184666"/>
+              </a:xfrm>
+              <a:prstGeom prst="rect">
+                <a:avLst/>
+              </a:prstGeom>
+              <a:noFill/>
+            </p:spPr>
+            <p:txBody>
+              <a:bodyPr wrap="none" lIns="0" tIns="0" rIns="0" bIns="0" rtlCol="0">
+                <a:spAutoFit/>
+              </a:bodyPr>
+              <a:lstStyle/>
+              <a:p>
+                <a:pPr/>
+                <a14:m>
+                  <m:oMathPara xmlns:m="http://schemas.openxmlformats.org/officeDocument/2006/math">
+                    <m:oMathParaPr>
+                      <m:jc m:val="centerGroup"/>
+                    </m:oMathParaPr>
+                    <m:oMath xmlns:m="http://schemas.openxmlformats.org/officeDocument/2006/math">
+                      <m:sSub>
+                        <m:sSubPr>
+                          <m:ctrlPr>
+                            <a:rPr lang="en-US" sz="1200" b="0" i="1" smtClean="0">
+                              <a:latin typeface="Cambria Math" panose="02040503050406030204" pitchFamily="18" charset="0"/>
+                            </a:rPr>
+                          </m:ctrlPr>
+                        </m:sSubPr>
+                        <m:e>
+                          <m:r>
+                            <a:rPr lang="en-US" sz="1200" b="0" i="1" smtClean="0">
+                              <a:latin typeface="Cambria Math" panose="02040503050406030204" pitchFamily="18" charset="0"/>
+                            </a:rPr>
+                            <m:t>𝑡</m:t>
+                          </m:r>
+                        </m:e>
+                        <m:sub>
+                          <m:r>
+                            <a:rPr lang="en-US" sz="1200" b="0" i="1" smtClean="0">
+                              <a:latin typeface="Cambria Math" panose="02040503050406030204" pitchFamily="18" charset="0"/>
+                            </a:rPr>
+                            <m:t>2</m:t>
+                          </m:r>
+                        </m:sub>
+                      </m:sSub>
+                    </m:oMath>
+                  </m:oMathPara>
+                </a14:m>
+                <a:endParaRPr lang="en-US" sz="1200" dirty="0"/>
+              </a:p>
+            </p:txBody>
+          </p:sp>
+        </mc:Choice>
+        <mc:Fallback>
+          <p:sp>
+            <p:nvSpPr>
+              <p:cNvPr id="9" name="TextBox 8">
+                <a:extLst>
+                  <a:ext uri="{FF2B5EF4-FFF2-40B4-BE49-F238E27FC236}">
+                    <a16:creationId xmlns:a16="http://schemas.microsoft.com/office/drawing/2014/main" id="{AD4335F0-482B-421D-8C2E-97A59D148E4E}"/>
+                  </a:ext>
+                </a:extLst>
+              </p:cNvPr>
+              <p:cNvSpPr txBox="1">
+                <a:spLocks noRot="1" noChangeAspect="1" noMove="1" noResize="1" noEditPoints="1" noAdjustHandles="1" noChangeArrowheads="1" noChangeShapeType="1" noTextEdit="1"/>
+              </p:cNvSpPr>
+              <p:nvPr/>
+            </p:nvSpPr>
+            <p:spPr>
+              <a:xfrm>
+                <a:off x="4965468" y="1815584"/>
+                <a:ext cx="166071" cy="184666"/>
+              </a:xfrm>
+              <a:prstGeom prst="rect">
+                <a:avLst/>
+              </a:prstGeom>
+              <a:blipFill>
+                <a:blip r:embed="rId5"/>
+                <a:stretch>
+                  <a:fillRect l="-18519" r="-7407" b="-13333"/>
+                </a:stretch>
+              </a:blipFill>
+            </p:spPr>
+            <p:txBody>
+              <a:bodyPr/>
+              <a:lstStyle/>
+              <a:p>
+                <a:r>
+                  <a:rPr lang="en-US">
+                    <a:noFill/>
+                  </a:rPr>
+                  <a:t> </a:t>
+                </a:r>
+              </a:p>
+            </p:txBody>
+          </p:sp>
+        </mc:Fallback>
+      </mc:AlternateContent>
+      <p:sp>
+        <p:nvSpPr>
+          <p:cNvPr id="10" name="Rectangle 9">
+            <a:extLst>
+              <a:ext uri="{FF2B5EF4-FFF2-40B4-BE49-F238E27FC236}">
+                <a16:creationId xmlns:a16="http://schemas.microsoft.com/office/drawing/2014/main" id="{B0FA3013-1268-4FD7-AA74-EF47B41AE25E}"/>
+              </a:ext>
+            </a:extLst>
+          </p:cNvPr>
+          <p:cNvSpPr/>
+          <p:nvPr/>
+        </p:nvSpPr>
+        <p:spPr>
+          <a:xfrm>
+            <a:off x="3716019" y="3733549"/>
+            <a:ext cx="131063" cy="726563"/>
+          </a:xfrm>
+          <a:prstGeom prst="rect">
+            <a:avLst/>
+          </a:prstGeom>
+          <a:noFill/>
+          <a:ln>
+            <a:solidFill>
+              <a:schemeClr val="bg2">
+                <a:lumMod val="25000"/>
+              </a:schemeClr>
+            </a:solidFill>
+            <a:prstDash val="sysDot"/>
+          </a:ln>
+        </p:spPr>
+        <p:style>
+          <a:lnRef idx="2">
+            <a:schemeClr val="accent1">
+              <a:shade val="50000"/>
+            </a:schemeClr>
+          </a:lnRef>
+          <a:fillRef idx="1">
+            <a:schemeClr val="accent1"/>
+          </a:fillRef>
+          <a:effectRef idx="0">
+            <a:schemeClr val="accent1"/>
+          </a:effectRef>
+          <a:fontRef idx="minor">
+            <a:schemeClr val="lt1"/>
+          </a:fontRef>
+        </p:style>
+        <p:txBody>
+          <a:bodyPr rtlCol="0" anchor="ctr"/>
+          <a:lstStyle/>
+          <a:p>
+            <a:pPr algn="ctr"/>
+            <a:endParaRPr lang="en-US"/>
+          </a:p>
+        </p:txBody>
+      </p:sp>
+      <p:sp>
+        <p:nvSpPr>
+          <p:cNvPr id="11" name="Rectangle 10">
+            <a:extLst>
+              <a:ext uri="{FF2B5EF4-FFF2-40B4-BE49-F238E27FC236}">
+                <a16:creationId xmlns:a16="http://schemas.microsoft.com/office/drawing/2014/main" id="{6188453C-7642-4A3D-B87C-0A0C3ACA289F}"/>
+              </a:ext>
+            </a:extLst>
+          </p:cNvPr>
+          <p:cNvSpPr/>
+          <p:nvPr/>
+        </p:nvSpPr>
+        <p:spPr>
+          <a:xfrm>
+            <a:off x="4547985" y="3733549"/>
+            <a:ext cx="142555" cy="726563"/>
+          </a:xfrm>
+          <a:prstGeom prst="rect">
+            <a:avLst/>
+          </a:prstGeom>
+          <a:noFill/>
+          <a:ln>
+            <a:solidFill>
+              <a:schemeClr val="bg2">
+                <a:lumMod val="25000"/>
+              </a:schemeClr>
+            </a:solidFill>
+            <a:prstDash val="sysDot"/>
+          </a:ln>
+        </p:spPr>
+        <p:style>
+          <a:lnRef idx="2">
+            <a:schemeClr val="accent1">
+              <a:shade val="50000"/>
+            </a:schemeClr>
+          </a:lnRef>
+          <a:fillRef idx="1">
+            <a:schemeClr val="accent1"/>
+          </a:fillRef>
+          <a:effectRef idx="0">
+            <a:schemeClr val="accent1"/>
+          </a:effectRef>
+          <a:fontRef idx="minor">
+            <a:schemeClr val="lt1"/>
+          </a:fontRef>
+        </p:style>
+        <p:txBody>
+          <a:bodyPr rtlCol="0" anchor="ctr"/>
+          <a:lstStyle/>
+          <a:p>
+            <a:pPr algn="ctr"/>
+            <a:endParaRPr lang="en-US"/>
+          </a:p>
+        </p:txBody>
+      </p:sp>
+      <p:cxnSp>
+        <p:nvCxnSpPr>
+          <p:cNvPr id="12" name="Straight Connector 11">
+            <a:extLst>
+              <a:ext uri="{FF2B5EF4-FFF2-40B4-BE49-F238E27FC236}">
+                <a16:creationId xmlns:a16="http://schemas.microsoft.com/office/drawing/2014/main" id="{78748AD5-3B62-4222-A57F-58E6D5D964BB}"/>
+              </a:ext>
+            </a:extLst>
+          </p:cNvPr>
+          <p:cNvCxnSpPr>
+            <a:cxnSpLocks/>
+          </p:cNvCxnSpPr>
+          <p:nvPr/>
+        </p:nvCxnSpPr>
+        <p:spPr>
+          <a:xfrm>
+            <a:off x="3783802" y="3429000"/>
+            <a:ext cx="0" cy="350393"/>
+          </a:xfrm>
+          <a:prstGeom prst="line">
+            <a:avLst/>
+          </a:prstGeom>
+          <a:ln w="12700">
+            <a:solidFill>
+              <a:schemeClr val="tx1"/>
+            </a:solidFill>
+          </a:ln>
+        </p:spPr>
+        <p:style>
+          <a:lnRef idx="1">
+            <a:schemeClr val="accent1"/>
+          </a:lnRef>
+          <a:fillRef idx="0">
+            <a:schemeClr val="accent1"/>
+          </a:fillRef>
+          <a:effectRef idx="0">
+            <a:schemeClr val="accent1"/>
+          </a:effectRef>
+          <a:fontRef idx="minor">
+            <a:schemeClr val="tx1"/>
+          </a:fontRef>
+        </p:style>
+      </p:cxnSp>
+      <p:cxnSp>
+        <p:nvCxnSpPr>
+          <p:cNvPr id="13" name="Straight Connector 12">
+            <a:extLst>
+              <a:ext uri="{FF2B5EF4-FFF2-40B4-BE49-F238E27FC236}">
+                <a16:creationId xmlns:a16="http://schemas.microsoft.com/office/drawing/2014/main" id="{65F89E6A-9BD6-4337-9FBF-8E56C43138FB}"/>
+              </a:ext>
+            </a:extLst>
+          </p:cNvPr>
+          <p:cNvCxnSpPr>
+            <a:cxnSpLocks/>
+          </p:cNvCxnSpPr>
+          <p:nvPr/>
+        </p:nvCxnSpPr>
+        <p:spPr>
+          <a:xfrm>
+            <a:off x="3783802" y="3429000"/>
+            <a:ext cx="2065395" cy="0"/>
+          </a:xfrm>
+          <a:prstGeom prst="line">
+            <a:avLst/>
+          </a:prstGeom>
+          <a:ln w="12700">
+            <a:solidFill>
+              <a:schemeClr val="tx1"/>
+            </a:solidFill>
+          </a:ln>
+        </p:spPr>
+        <p:style>
+          <a:lnRef idx="1">
+            <a:schemeClr val="accent1"/>
+          </a:lnRef>
+          <a:fillRef idx="0">
+            <a:schemeClr val="accent1"/>
+          </a:fillRef>
+          <a:effectRef idx="0">
+            <a:schemeClr val="accent1"/>
+          </a:effectRef>
+          <a:fontRef idx="minor">
+            <a:schemeClr val="tx1"/>
+          </a:fontRef>
+        </p:style>
+      </p:cxnSp>
+      <p:cxnSp>
+        <p:nvCxnSpPr>
+          <p:cNvPr id="14" name="Straight Arrow Connector 13">
+            <a:extLst>
+              <a:ext uri="{FF2B5EF4-FFF2-40B4-BE49-F238E27FC236}">
+                <a16:creationId xmlns:a16="http://schemas.microsoft.com/office/drawing/2014/main" id="{691D96A4-3E2F-4246-BD92-107CD3722D92}"/>
+              </a:ext>
+            </a:extLst>
+          </p:cNvPr>
+          <p:cNvCxnSpPr>
+            <a:cxnSpLocks/>
+          </p:cNvCxnSpPr>
+          <p:nvPr/>
+        </p:nvCxnSpPr>
+        <p:spPr>
+          <a:xfrm>
+            <a:off x="5849197" y="2857561"/>
+            <a:ext cx="137160" cy="0"/>
+          </a:xfrm>
+          <a:prstGeom prst="straightConnector1">
+            <a:avLst/>
+          </a:prstGeom>
+          <a:ln w="12700">
+            <a:solidFill>
+              <a:schemeClr val="tx1"/>
+            </a:solidFill>
+            <a:tailEnd type="triangle"/>
+          </a:ln>
+        </p:spPr>
+        <p:style>
+          <a:lnRef idx="1">
+            <a:schemeClr val="accent1"/>
+          </a:lnRef>
+          <a:fillRef idx="0">
+            <a:schemeClr val="accent1"/>
+          </a:fillRef>
+          <a:effectRef idx="0">
+            <a:schemeClr val="accent1"/>
+          </a:effectRef>
+          <a:fontRef idx="minor">
+            <a:schemeClr val="tx1"/>
+          </a:fontRef>
+        </p:style>
+      </p:cxnSp>
+      <p:cxnSp>
+        <p:nvCxnSpPr>
+          <p:cNvPr id="15" name="Straight Connector 14">
+            <a:extLst>
+              <a:ext uri="{FF2B5EF4-FFF2-40B4-BE49-F238E27FC236}">
+                <a16:creationId xmlns:a16="http://schemas.microsoft.com/office/drawing/2014/main" id="{81F8384A-B0BB-4175-BE60-029FA6F4E14B}"/>
+              </a:ext>
+            </a:extLst>
+          </p:cNvPr>
+          <p:cNvCxnSpPr>
+            <a:cxnSpLocks/>
+          </p:cNvCxnSpPr>
+          <p:nvPr/>
+        </p:nvCxnSpPr>
+        <p:spPr>
+          <a:xfrm>
+            <a:off x="4619263" y="3504073"/>
+            <a:ext cx="0" cy="237162"/>
+          </a:xfrm>
+          <a:prstGeom prst="line">
+            <a:avLst/>
+          </a:prstGeom>
+          <a:ln w="12700">
+            <a:solidFill>
+              <a:schemeClr val="tx1"/>
+            </a:solidFill>
+          </a:ln>
+        </p:spPr>
+        <p:style>
+          <a:lnRef idx="1">
+            <a:schemeClr val="accent1"/>
+          </a:lnRef>
+          <a:fillRef idx="0">
+            <a:schemeClr val="accent1"/>
+          </a:fillRef>
+          <a:effectRef idx="0">
+            <a:schemeClr val="accent1"/>
+          </a:effectRef>
+          <a:fontRef idx="minor">
+            <a:schemeClr val="tx1"/>
+          </a:fontRef>
+        </p:style>
+      </p:cxnSp>
+      <p:cxnSp>
+        <p:nvCxnSpPr>
+          <p:cNvPr id="16" name="Straight Connector 15">
+            <a:extLst>
+              <a:ext uri="{FF2B5EF4-FFF2-40B4-BE49-F238E27FC236}">
+                <a16:creationId xmlns:a16="http://schemas.microsoft.com/office/drawing/2014/main" id="{1DAB7838-E09E-4944-B002-02A6E2CDE178}"/>
+              </a:ext>
+            </a:extLst>
+          </p:cNvPr>
+          <p:cNvCxnSpPr>
+            <a:cxnSpLocks/>
+          </p:cNvCxnSpPr>
+          <p:nvPr/>
+        </p:nvCxnSpPr>
+        <p:spPr>
+          <a:xfrm flipV="1">
+            <a:off x="4614776" y="3500230"/>
+            <a:ext cx="1238231" cy="7686"/>
+          </a:xfrm>
+          <a:prstGeom prst="line">
+            <a:avLst/>
+          </a:prstGeom>
+          <a:ln w="12700">
+            <a:solidFill>
+              <a:schemeClr val="tx1"/>
+            </a:solidFill>
+          </a:ln>
+        </p:spPr>
+        <p:style>
+          <a:lnRef idx="1">
+            <a:schemeClr val="accent1"/>
+          </a:lnRef>
+          <a:fillRef idx="0">
+            <a:schemeClr val="accent1"/>
+          </a:fillRef>
+          <a:effectRef idx="0">
+            <a:schemeClr val="accent1"/>
+          </a:effectRef>
+          <a:fontRef idx="minor">
+            <a:schemeClr val="tx1"/>
+          </a:fontRef>
+        </p:style>
+      </p:cxnSp>
+      <p:cxnSp>
+        <p:nvCxnSpPr>
+          <p:cNvPr id="17" name="Straight Connector 16">
+            <a:extLst>
+              <a:ext uri="{FF2B5EF4-FFF2-40B4-BE49-F238E27FC236}">
+                <a16:creationId xmlns:a16="http://schemas.microsoft.com/office/drawing/2014/main" id="{73B971E5-E5F0-412D-9B8A-18DF1A62D38C}"/>
+              </a:ext>
+            </a:extLst>
+          </p:cNvPr>
+          <p:cNvCxnSpPr>
+            <a:cxnSpLocks/>
+          </p:cNvCxnSpPr>
+          <p:nvPr/>
+        </p:nvCxnSpPr>
+        <p:spPr>
+          <a:xfrm flipV="1">
+            <a:off x="5849197" y="3496355"/>
+            <a:ext cx="3810" cy="588914"/>
+          </a:xfrm>
+          <a:prstGeom prst="line">
+            <a:avLst/>
+          </a:prstGeom>
+          <a:ln w="12700">
+            <a:solidFill>
+              <a:schemeClr val="tx1"/>
+            </a:solidFill>
+          </a:ln>
+        </p:spPr>
+        <p:style>
+          <a:lnRef idx="1">
+            <a:schemeClr val="accent1"/>
+          </a:lnRef>
+          <a:fillRef idx="0">
+            <a:schemeClr val="accent1"/>
+          </a:fillRef>
+          <a:effectRef idx="0">
+            <a:schemeClr val="accent1"/>
+          </a:effectRef>
+          <a:fontRef idx="minor">
+            <a:schemeClr val="tx1"/>
+          </a:fontRef>
+        </p:style>
+      </p:cxnSp>
+      <p:cxnSp>
+        <p:nvCxnSpPr>
+          <p:cNvPr id="18" name="Straight Arrow Connector 17">
+            <a:extLst>
+              <a:ext uri="{FF2B5EF4-FFF2-40B4-BE49-F238E27FC236}">
+                <a16:creationId xmlns:a16="http://schemas.microsoft.com/office/drawing/2014/main" id="{21731D09-82C8-4075-9449-DE3E655E4FBE}"/>
+              </a:ext>
+            </a:extLst>
+          </p:cNvPr>
+          <p:cNvCxnSpPr>
+            <a:cxnSpLocks/>
+          </p:cNvCxnSpPr>
+          <p:nvPr/>
+        </p:nvCxnSpPr>
+        <p:spPr>
+          <a:xfrm>
+            <a:off x="5849197" y="4085393"/>
+            <a:ext cx="137160" cy="0"/>
+          </a:xfrm>
+          <a:prstGeom prst="straightConnector1">
+            <a:avLst/>
+          </a:prstGeom>
+          <a:ln w="12700">
+            <a:solidFill>
+              <a:schemeClr val="tx1"/>
+            </a:solidFill>
+            <a:tailEnd type="triangle"/>
+          </a:ln>
+        </p:spPr>
+        <p:style>
+          <a:lnRef idx="1">
+            <a:schemeClr val="accent1"/>
+          </a:lnRef>
+          <a:fillRef idx="0">
+            <a:schemeClr val="accent1"/>
+          </a:fillRef>
+          <a:effectRef idx="0">
+            <a:schemeClr val="accent1"/>
+          </a:effectRef>
+          <a:fontRef idx="minor">
+            <a:schemeClr val="tx1"/>
+          </a:fontRef>
+        </p:style>
+      </p:cxnSp>
+      <p:cxnSp>
+        <p:nvCxnSpPr>
+          <p:cNvPr id="19" name="Straight Connector 18">
+            <a:extLst>
+              <a:ext uri="{FF2B5EF4-FFF2-40B4-BE49-F238E27FC236}">
+                <a16:creationId xmlns:a16="http://schemas.microsoft.com/office/drawing/2014/main" id="{87200FD7-E995-4C54-85E9-2C166497DCD7}"/>
+              </a:ext>
+            </a:extLst>
+          </p:cNvPr>
+          <p:cNvCxnSpPr>
+            <a:cxnSpLocks/>
+          </p:cNvCxnSpPr>
+          <p:nvPr/>
+        </p:nvCxnSpPr>
+        <p:spPr>
+          <a:xfrm flipV="1">
+            <a:off x="5849197" y="2857561"/>
+            <a:ext cx="0" cy="571438"/>
+          </a:xfrm>
+          <a:prstGeom prst="line">
+            <a:avLst/>
+          </a:prstGeom>
+          <a:ln w="12700">
+            <a:solidFill>
+              <a:schemeClr val="tx1"/>
+            </a:solidFill>
+          </a:ln>
+        </p:spPr>
+        <p:style>
+          <a:lnRef idx="1">
+            <a:schemeClr val="accent1"/>
+          </a:lnRef>
+          <a:fillRef idx="0">
+            <a:schemeClr val="accent1"/>
+          </a:fillRef>
+          <a:effectRef idx="0">
+            <a:schemeClr val="accent1"/>
+          </a:effectRef>
+          <a:fontRef idx="minor">
+            <a:schemeClr val="tx1"/>
+          </a:fontRef>
+        </p:style>
+      </p:cxnSp>
+      <p:sp>
+        <p:nvSpPr>
+          <p:cNvPr id="20" name="TextBox 19">
+            <a:extLst>
+              <a:ext uri="{FF2B5EF4-FFF2-40B4-BE49-F238E27FC236}">
+                <a16:creationId xmlns:a16="http://schemas.microsoft.com/office/drawing/2014/main" id="{04839FEE-90D8-4313-90DB-429519995DA3}"/>
+              </a:ext>
+            </a:extLst>
+          </p:cNvPr>
+          <p:cNvSpPr txBox="1"/>
+          <p:nvPr/>
+        </p:nvSpPr>
+        <p:spPr>
+          <a:xfrm>
+            <a:off x="5677232" y="2631928"/>
+            <a:ext cx="1041731" cy="246221"/>
+          </a:xfrm>
+          <a:prstGeom prst="rect">
+            <a:avLst/>
+          </a:prstGeom>
+          <a:noFill/>
+        </p:spPr>
+        <p:txBody>
+          <a:bodyPr wrap="square" rtlCol="0">
+            <a:spAutoFit/>
+          </a:bodyPr>
+          <a:lstStyle/>
+          <a:p>
+            <a:r>
+              <a:rPr lang="en-US" sz="1000" dirty="0">
+                <a:latin typeface="Times New Roman" panose="02020603050405020304" pitchFamily="18" charset="0"/>
+                <a:cs typeface="Times New Roman" panose="02020603050405020304" pitchFamily="18" charset="0"/>
+              </a:rPr>
+              <a:t>Zoom</a:t>
+            </a:r>
+          </a:p>
+        </p:txBody>
+      </p:sp>
+      <p:sp>
+        <p:nvSpPr>
+          <p:cNvPr id="21" name="TextBox 20">
+            <a:extLst>
+              <a:ext uri="{FF2B5EF4-FFF2-40B4-BE49-F238E27FC236}">
+                <a16:creationId xmlns:a16="http://schemas.microsoft.com/office/drawing/2014/main" id="{E675ADEF-549A-45F8-8AC7-0019E73B6899}"/>
+              </a:ext>
+            </a:extLst>
+          </p:cNvPr>
+          <p:cNvSpPr txBox="1"/>
+          <p:nvPr/>
+        </p:nvSpPr>
+        <p:spPr>
+          <a:xfrm>
+            <a:off x="5677231" y="4058597"/>
+            <a:ext cx="1041731" cy="246221"/>
+          </a:xfrm>
+          <a:prstGeom prst="rect">
+            <a:avLst/>
+          </a:prstGeom>
+          <a:noFill/>
+        </p:spPr>
+        <p:txBody>
+          <a:bodyPr wrap="square" rtlCol="0">
+            <a:spAutoFit/>
+          </a:bodyPr>
+          <a:lstStyle/>
+          <a:p>
+            <a:r>
+              <a:rPr lang="en-US" sz="1000" dirty="0">
+                <a:latin typeface="Times New Roman" panose="02020603050405020304" pitchFamily="18" charset="0"/>
+                <a:cs typeface="Times New Roman" panose="02020603050405020304" pitchFamily="18" charset="0"/>
+              </a:rPr>
+              <a:t>Zoom</a:t>
+            </a:r>
+          </a:p>
+        </p:txBody>
+      </p:sp>
+      <p:pic>
+        <p:nvPicPr>
+          <p:cNvPr id="29" name="Picture 28">
+            <a:extLst>
+              <a:ext uri="{FF2B5EF4-FFF2-40B4-BE49-F238E27FC236}">
+                <a16:creationId xmlns:a16="http://schemas.microsoft.com/office/drawing/2014/main" id="{EBC444F3-5ED8-48B6-9D43-18E1C8A3CEF0}"/>
+              </a:ext>
+            </a:extLst>
+          </p:cNvPr>
+          <p:cNvPicPr>
+            <a:picLocks noChangeAspect="1"/>
+          </p:cNvPicPr>
+          <p:nvPr/>
+        </p:nvPicPr>
+        <p:blipFill>
+          <a:blip r:embed="rId6"/>
+          <a:stretch>
+            <a:fillRect/>
+          </a:stretch>
+        </p:blipFill>
+        <p:spPr>
+          <a:xfrm>
+            <a:off x="5917777" y="2016680"/>
+            <a:ext cx="1905000" cy="1428750"/>
+          </a:xfrm>
+          <a:prstGeom prst="rect">
+            <a:avLst/>
+          </a:prstGeom>
+        </p:spPr>
+      </p:pic>
+      <p:pic>
+        <p:nvPicPr>
+          <p:cNvPr id="30" name="Picture 29">
+            <a:extLst>
+              <a:ext uri="{FF2B5EF4-FFF2-40B4-BE49-F238E27FC236}">
+                <a16:creationId xmlns:a16="http://schemas.microsoft.com/office/drawing/2014/main" id="{D87C0C91-5EEE-4F79-B7D9-84A348BA42E4}"/>
+              </a:ext>
+            </a:extLst>
+          </p:cNvPr>
+          <p:cNvPicPr>
+            <a:picLocks noChangeAspect="1"/>
+          </p:cNvPicPr>
+          <p:nvPr/>
+        </p:nvPicPr>
+        <p:blipFill>
+          <a:blip r:embed="rId7"/>
+          <a:stretch>
+            <a:fillRect/>
+          </a:stretch>
+        </p:blipFill>
+        <p:spPr>
+          <a:xfrm>
+            <a:off x="5917777" y="3505773"/>
+            <a:ext cx="1905000" cy="1428750"/>
+          </a:xfrm>
+          <a:prstGeom prst="rect">
+            <a:avLst/>
+          </a:prstGeom>
+        </p:spPr>
+      </p:pic>
+    </p:spTree>
+    <p:extLst>
+      <p:ext uri="{BB962C8B-B14F-4D97-AF65-F5344CB8AC3E}">
+        <p14:creationId xmlns:p14="http://schemas.microsoft.com/office/powerpoint/2010/main" val="3423815594"/>
+      </p:ext>
+    </p:extLst>
+  </p:cSld>
+  <p:clrMapOvr>
+    <a:masterClrMapping/>
+  </p:clrMapOvr>
+</p:sld>
+</file>
+
+<file path=ppt/slides/slide5.xml><?xml version="1.0" encoding="utf-8"?>
+<p:sld xmlns:a="http://schemas.openxmlformats.org/drawingml/2006/main" xmlns:r="http://schemas.openxmlformats.org/officeDocument/2006/relationships" xmlns:p="http://schemas.openxmlformats.org/presentationml/2006/main">
+  <p:cSld>
+    <p:spTree>
+      <p:nvGrpSpPr>
+        <p:cNvPr id="1" name=""/>
+        <p:cNvGrpSpPr/>
+        <p:nvPr/>
+      </p:nvGrpSpPr>
+      <p:grpSpPr>
+        <a:xfrm>
+          <a:off x="0" y="0"/>
+          <a:ext cx="0" cy="0"/>
+          <a:chOff x="0" y="0"/>
+          <a:chExt cx="0" cy="0"/>
+        </a:xfrm>
+      </p:grpSpPr>
+      <p:pic>
+        <p:nvPicPr>
+          <p:cNvPr id="27" name="Picture 26">
+            <a:extLst>
+              <a:ext uri="{FF2B5EF4-FFF2-40B4-BE49-F238E27FC236}">
+                <a16:creationId xmlns:a16="http://schemas.microsoft.com/office/drawing/2014/main" id="{35CC4625-095C-49E0-933F-DA228E0AA129}"/>
+              </a:ext>
+            </a:extLst>
+          </p:cNvPr>
+          <p:cNvPicPr>
+            <a:picLocks noChangeAspect="1"/>
+          </p:cNvPicPr>
+          <p:nvPr/>
+        </p:nvPicPr>
+        <p:blipFill>
+          <a:blip r:embed="rId2"/>
+          <a:stretch>
+            <a:fillRect/>
+          </a:stretch>
+        </p:blipFill>
+        <p:spPr>
+          <a:xfrm>
+            <a:off x="3060277" y="3467332"/>
+            <a:ext cx="2857500" cy="1428750"/>
+          </a:xfrm>
+          <a:prstGeom prst="rect">
+            <a:avLst/>
+          </a:prstGeom>
+        </p:spPr>
+      </p:pic>
+      <p:pic>
+        <p:nvPicPr>
+          <p:cNvPr id="26" name="Picture 25">
+            <a:extLst>
+              <a:ext uri="{FF2B5EF4-FFF2-40B4-BE49-F238E27FC236}">
+                <a16:creationId xmlns:a16="http://schemas.microsoft.com/office/drawing/2014/main" id="{156F1940-C3EF-4BD5-B5B1-F5416BF2E02D}"/>
+              </a:ext>
+            </a:extLst>
+          </p:cNvPr>
+          <p:cNvPicPr>
+            <a:picLocks noChangeAspect="1"/>
+          </p:cNvPicPr>
+          <p:nvPr/>
+        </p:nvPicPr>
+        <p:blipFill>
+          <a:blip r:embed="rId3"/>
+          <a:stretch>
+            <a:fillRect/>
+          </a:stretch>
+        </p:blipFill>
+        <p:spPr>
+          <a:xfrm>
+            <a:off x="3060277" y="1961285"/>
+            <a:ext cx="2857500" cy="1428750"/>
+          </a:xfrm>
+          <a:prstGeom prst="rect">
+            <a:avLst/>
+          </a:prstGeom>
+        </p:spPr>
+      </p:pic>
+      <p:cxnSp>
+        <p:nvCxnSpPr>
+          <p:cNvPr id="7" name="Straight Connector 6">
+            <a:extLst>
+              <a:ext uri="{FF2B5EF4-FFF2-40B4-BE49-F238E27FC236}">
+                <a16:creationId xmlns:a16="http://schemas.microsoft.com/office/drawing/2014/main" id="{A45C2053-BE56-4C72-8E9D-E764C4990FEA}"/>
+              </a:ext>
+            </a:extLst>
+          </p:cNvPr>
+          <p:cNvCxnSpPr>
+            <a:cxnSpLocks/>
+          </p:cNvCxnSpPr>
+          <p:nvPr/>
+        </p:nvCxnSpPr>
+        <p:spPr>
+          <a:xfrm>
+            <a:off x="3904488" y="2000250"/>
+            <a:ext cx="0" cy="2503551"/>
+          </a:xfrm>
+          <a:prstGeom prst="line">
+            <a:avLst/>
+          </a:prstGeom>
+          <a:ln w="9525">
+            <a:solidFill>
+              <a:schemeClr val="bg2">
+                <a:lumMod val="25000"/>
+              </a:schemeClr>
+            </a:solidFill>
+            <a:prstDash val="dash"/>
+          </a:ln>
+        </p:spPr>
+        <p:style>
+          <a:lnRef idx="1">
+            <a:schemeClr val="accent1"/>
+          </a:lnRef>
+          <a:fillRef idx="0">
+            <a:schemeClr val="accent1"/>
+          </a:fillRef>
+          <a:effectRef idx="0">
+            <a:schemeClr val="accent1"/>
+          </a:effectRef>
+          <a:fontRef idx="minor">
+            <a:schemeClr val="tx1"/>
+          </a:fontRef>
+        </p:style>
+      </p:cxnSp>
+      <p:cxnSp>
+        <p:nvCxnSpPr>
+          <p:cNvPr id="8" name="Straight Connector 7">
+            <a:extLst>
+              <a:ext uri="{FF2B5EF4-FFF2-40B4-BE49-F238E27FC236}">
+                <a16:creationId xmlns:a16="http://schemas.microsoft.com/office/drawing/2014/main" id="{B69BED3C-6B28-4AD4-8A03-F95642673DFA}"/>
+              </a:ext>
+            </a:extLst>
+          </p:cNvPr>
+          <p:cNvCxnSpPr>
+            <a:cxnSpLocks/>
+          </p:cNvCxnSpPr>
+          <p:nvPr/>
+        </p:nvCxnSpPr>
+        <p:spPr>
+          <a:xfrm>
+            <a:off x="5005324" y="2000250"/>
+            <a:ext cx="0" cy="2503551"/>
+          </a:xfrm>
+          <a:prstGeom prst="line">
+            <a:avLst/>
+          </a:prstGeom>
+          <a:ln w="9525">
+            <a:solidFill>
+              <a:schemeClr val="bg2">
+                <a:lumMod val="25000"/>
+              </a:schemeClr>
+            </a:solidFill>
+            <a:prstDash val="dash"/>
+          </a:ln>
+        </p:spPr>
+        <p:style>
+          <a:lnRef idx="1">
+            <a:schemeClr val="accent1"/>
+          </a:lnRef>
+          <a:fillRef idx="0">
+            <a:schemeClr val="accent1"/>
+          </a:fillRef>
+          <a:effectRef idx="0">
+            <a:schemeClr val="accent1"/>
+          </a:effectRef>
+          <a:fontRef idx="minor">
+            <a:schemeClr val="tx1"/>
+          </a:fontRef>
+        </p:style>
+      </p:cxnSp>
+      <mc:AlternateContent xmlns:mc="http://schemas.openxmlformats.org/markup-compatibility/2006">
+        <mc:Choice xmlns:a14="http://schemas.microsoft.com/office/drawing/2010/main" Requires="a14">
+          <p:sp>
+            <p:nvSpPr>
+              <p:cNvPr id="9" name="TextBox 8">
+                <a:extLst>
+                  <a:ext uri="{FF2B5EF4-FFF2-40B4-BE49-F238E27FC236}">
+                    <a16:creationId xmlns:a16="http://schemas.microsoft.com/office/drawing/2014/main" id="{9E632E8A-4BA6-4D20-9F31-B65ADEBAE0A1}"/>
+                  </a:ext>
+                </a:extLst>
+              </p:cNvPr>
+              <p:cNvSpPr txBox="1"/>
+              <p:nvPr/>
+            </p:nvSpPr>
+            <p:spPr>
+              <a:xfrm>
+                <a:off x="3886193" y="1815584"/>
+                <a:ext cx="162480" cy="184666"/>
+              </a:xfrm>
+              <a:prstGeom prst="rect">
+                <a:avLst/>
+              </a:prstGeom>
+              <a:noFill/>
+            </p:spPr>
+            <p:txBody>
+              <a:bodyPr wrap="none" lIns="0" tIns="0" rIns="0" bIns="0" rtlCol="0">
+                <a:spAutoFit/>
+              </a:bodyPr>
+              <a:lstStyle/>
+              <a:p>
+                <a:pPr/>
+                <a14:m>
+                  <m:oMathPara xmlns:m="http://schemas.openxmlformats.org/officeDocument/2006/math">
+                    <m:oMathParaPr>
+                      <m:jc m:val="centerGroup"/>
+                    </m:oMathParaPr>
+                    <m:oMath xmlns:m="http://schemas.openxmlformats.org/officeDocument/2006/math">
+                      <m:sSub>
+                        <m:sSubPr>
+                          <m:ctrlPr>
+                            <a:rPr lang="en-US" sz="1200" b="0" i="1" smtClean="0">
+                              <a:latin typeface="Cambria Math" panose="02040503050406030204" pitchFamily="18" charset="0"/>
+                            </a:rPr>
+                          </m:ctrlPr>
+                        </m:sSubPr>
+                        <m:e>
+                          <m:r>
+                            <a:rPr lang="en-US" sz="1200" b="0" i="1" smtClean="0">
+                              <a:latin typeface="Cambria Math" panose="02040503050406030204" pitchFamily="18" charset="0"/>
+                            </a:rPr>
+                            <m:t>𝑡</m:t>
+                          </m:r>
+                        </m:e>
+                        <m:sub>
+                          <m:r>
+                            <a:rPr lang="en-US" sz="1200" b="0" i="1" smtClean="0">
+                              <a:latin typeface="Cambria Math" panose="02040503050406030204" pitchFamily="18" charset="0"/>
+                            </a:rPr>
+                            <m:t>1</m:t>
+                          </m:r>
+                        </m:sub>
+                      </m:sSub>
+                    </m:oMath>
+                  </m:oMathPara>
+                </a14:m>
+                <a:endParaRPr lang="en-US" sz="1200" dirty="0"/>
+              </a:p>
+            </p:txBody>
+          </p:sp>
+        </mc:Choice>
+        <mc:Fallback>
+          <p:sp>
+            <p:nvSpPr>
+              <p:cNvPr id="9" name="TextBox 8">
+                <a:extLst>
+                  <a:ext uri="{FF2B5EF4-FFF2-40B4-BE49-F238E27FC236}">
+                    <a16:creationId xmlns:a16="http://schemas.microsoft.com/office/drawing/2014/main" id="{9E632E8A-4BA6-4D20-9F31-B65ADEBAE0A1}"/>
+                  </a:ext>
+                </a:extLst>
+              </p:cNvPr>
+              <p:cNvSpPr txBox="1">
+                <a:spLocks noRot="1" noChangeAspect="1" noMove="1" noResize="1" noEditPoints="1" noAdjustHandles="1" noChangeArrowheads="1" noChangeShapeType="1" noTextEdit="1"/>
+              </p:cNvSpPr>
+              <p:nvPr/>
+            </p:nvSpPr>
+            <p:spPr>
+              <a:xfrm>
+                <a:off x="3886193" y="1815584"/>
+                <a:ext cx="162480" cy="184666"/>
+              </a:xfrm>
+              <a:prstGeom prst="rect">
+                <a:avLst/>
+              </a:prstGeom>
+              <a:blipFill>
+                <a:blip r:embed="rId4"/>
+                <a:stretch>
+                  <a:fillRect l="-18519" r="-3704" b="-13333"/>
+                </a:stretch>
+              </a:blipFill>
+            </p:spPr>
+            <p:txBody>
+              <a:bodyPr/>
+              <a:lstStyle/>
+              <a:p>
+                <a:r>
+                  <a:rPr lang="en-US">
+                    <a:noFill/>
+                  </a:rPr>
+                  <a:t> </a:t>
+                </a:r>
+              </a:p>
+            </p:txBody>
+          </p:sp>
+        </mc:Fallback>
+      </mc:AlternateContent>
+      <mc:AlternateContent xmlns:mc="http://schemas.openxmlformats.org/markup-compatibility/2006">
+        <mc:Choice xmlns:a14="http://schemas.microsoft.com/office/drawing/2010/main" Requires="a14">
+          <p:sp>
+            <p:nvSpPr>
+              <p:cNvPr id="10" name="TextBox 9">
+                <a:extLst>
+                  <a:ext uri="{FF2B5EF4-FFF2-40B4-BE49-F238E27FC236}">
+                    <a16:creationId xmlns:a16="http://schemas.microsoft.com/office/drawing/2014/main" id="{BAE05CF1-56A0-4AA6-BC4A-F4F4FF1770E7}"/>
+                  </a:ext>
+                </a:extLst>
+              </p:cNvPr>
+              <p:cNvSpPr txBox="1"/>
+              <p:nvPr/>
+            </p:nvSpPr>
+            <p:spPr>
+              <a:xfrm>
+                <a:off x="4957848" y="1815584"/>
+                <a:ext cx="166071" cy="184666"/>
+              </a:xfrm>
+              <a:prstGeom prst="rect">
+                <a:avLst/>
+              </a:prstGeom>
+              <a:noFill/>
+            </p:spPr>
+            <p:txBody>
+              <a:bodyPr wrap="none" lIns="0" tIns="0" rIns="0" bIns="0" rtlCol="0">
+                <a:spAutoFit/>
+              </a:bodyPr>
+              <a:lstStyle/>
+              <a:p>
+                <a:pPr/>
+                <a14:m>
+                  <m:oMathPara xmlns:m="http://schemas.openxmlformats.org/officeDocument/2006/math">
+                    <m:oMathParaPr>
+                      <m:jc m:val="centerGroup"/>
+                    </m:oMathParaPr>
+                    <m:oMath xmlns:m="http://schemas.openxmlformats.org/officeDocument/2006/math">
+                      <m:sSub>
+                        <m:sSubPr>
+                          <m:ctrlPr>
+                            <a:rPr lang="en-US" sz="1200" b="0" i="1" smtClean="0">
+                              <a:latin typeface="Cambria Math" panose="02040503050406030204" pitchFamily="18" charset="0"/>
+                            </a:rPr>
+                          </m:ctrlPr>
+                        </m:sSubPr>
+                        <m:e>
+                          <m:r>
+                            <a:rPr lang="en-US" sz="1200" b="0" i="1" smtClean="0">
+                              <a:latin typeface="Cambria Math" panose="02040503050406030204" pitchFamily="18" charset="0"/>
+                            </a:rPr>
+                            <m:t>𝑡</m:t>
+                          </m:r>
+                        </m:e>
+                        <m:sub>
+                          <m:r>
+                            <a:rPr lang="en-US" sz="1200" b="0" i="1" smtClean="0">
+                              <a:latin typeface="Cambria Math" panose="02040503050406030204" pitchFamily="18" charset="0"/>
+                            </a:rPr>
+                            <m:t>2</m:t>
+                          </m:r>
+                        </m:sub>
+                      </m:sSub>
+                    </m:oMath>
+                  </m:oMathPara>
+                </a14:m>
+                <a:endParaRPr lang="en-US" sz="1200" dirty="0"/>
+              </a:p>
+            </p:txBody>
+          </p:sp>
+        </mc:Choice>
+        <mc:Fallback>
+          <p:sp>
+            <p:nvSpPr>
+              <p:cNvPr id="10" name="TextBox 9">
+                <a:extLst>
+                  <a:ext uri="{FF2B5EF4-FFF2-40B4-BE49-F238E27FC236}">
+                    <a16:creationId xmlns:a16="http://schemas.microsoft.com/office/drawing/2014/main" id="{BAE05CF1-56A0-4AA6-BC4A-F4F4FF1770E7}"/>
+                  </a:ext>
+                </a:extLst>
+              </p:cNvPr>
+              <p:cNvSpPr txBox="1">
+                <a:spLocks noRot="1" noChangeAspect="1" noMove="1" noResize="1" noEditPoints="1" noAdjustHandles="1" noChangeArrowheads="1" noChangeShapeType="1" noTextEdit="1"/>
+              </p:cNvSpPr>
+              <p:nvPr/>
+            </p:nvSpPr>
+            <p:spPr>
+              <a:xfrm>
+                <a:off x="4957848" y="1815584"/>
+                <a:ext cx="166071" cy="184666"/>
+              </a:xfrm>
+              <a:prstGeom prst="rect">
+                <a:avLst/>
+              </a:prstGeom>
+              <a:blipFill>
+                <a:blip r:embed="rId5"/>
+                <a:stretch>
+                  <a:fillRect l="-17857" r="-3571" b="-13333"/>
+                </a:stretch>
+              </a:blipFill>
+            </p:spPr>
+            <p:txBody>
+              <a:bodyPr/>
+              <a:lstStyle/>
+              <a:p>
+                <a:r>
+                  <a:rPr lang="en-US">
+                    <a:noFill/>
+                  </a:rPr>
+                  <a:t> </a:t>
+                </a:r>
+              </a:p>
+            </p:txBody>
+          </p:sp>
+        </mc:Fallback>
+      </mc:AlternateContent>
+      <p:sp>
+        <p:nvSpPr>
+          <p:cNvPr id="11" name="Rectangle 10">
+            <a:extLst>
+              <a:ext uri="{FF2B5EF4-FFF2-40B4-BE49-F238E27FC236}">
+                <a16:creationId xmlns:a16="http://schemas.microsoft.com/office/drawing/2014/main" id="{B9A4088A-CBFE-4964-9360-7A8E3CAE77D9}"/>
+              </a:ext>
+            </a:extLst>
+          </p:cNvPr>
+          <p:cNvSpPr/>
+          <p:nvPr/>
+        </p:nvSpPr>
+        <p:spPr>
+          <a:xfrm>
+            <a:off x="3716019" y="3733549"/>
+            <a:ext cx="131063" cy="726563"/>
+          </a:xfrm>
+          <a:prstGeom prst="rect">
+            <a:avLst/>
+          </a:prstGeom>
+          <a:noFill/>
+          <a:ln>
+            <a:solidFill>
+              <a:schemeClr val="bg2">
+                <a:lumMod val="25000"/>
+              </a:schemeClr>
+            </a:solidFill>
+            <a:prstDash val="sysDot"/>
+          </a:ln>
+        </p:spPr>
+        <p:style>
+          <a:lnRef idx="2">
+            <a:schemeClr val="accent1">
+              <a:shade val="50000"/>
+            </a:schemeClr>
+          </a:lnRef>
+          <a:fillRef idx="1">
+            <a:schemeClr val="accent1"/>
+          </a:fillRef>
+          <a:effectRef idx="0">
+            <a:schemeClr val="accent1"/>
+          </a:effectRef>
+          <a:fontRef idx="minor">
+            <a:schemeClr val="lt1"/>
+          </a:fontRef>
+        </p:style>
+        <p:txBody>
+          <a:bodyPr rtlCol="0" anchor="ctr"/>
+          <a:lstStyle/>
+          <a:p>
+            <a:pPr algn="ctr"/>
+            <a:endParaRPr lang="en-US"/>
+          </a:p>
+        </p:txBody>
+      </p:sp>
+      <p:sp>
+        <p:nvSpPr>
+          <p:cNvPr id="12" name="Rectangle 11">
+            <a:extLst>
+              <a:ext uri="{FF2B5EF4-FFF2-40B4-BE49-F238E27FC236}">
+                <a16:creationId xmlns:a16="http://schemas.microsoft.com/office/drawing/2014/main" id="{FD3038FD-621D-4DED-BC60-1C8E8AE5EEA6}"/>
+              </a:ext>
+            </a:extLst>
+          </p:cNvPr>
+          <p:cNvSpPr/>
+          <p:nvPr/>
+        </p:nvSpPr>
+        <p:spPr>
+          <a:xfrm>
+            <a:off x="4547985" y="3733549"/>
+            <a:ext cx="142555" cy="726563"/>
+          </a:xfrm>
+          <a:prstGeom prst="rect">
+            <a:avLst/>
+          </a:prstGeom>
+          <a:noFill/>
+          <a:ln>
+            <a:solidFill>
+              <a:schemeClr val="bg2">
+                <a:lumMod val="25000"/>
+              </a:schemeClr>
+            </a:solidFill>
+            <a:prstDash val="sysDot"/>
+          </a:ln>
+        </p:spPr>
+        <p:style>
+          <a:lnRef idx="2">
+            <a:schemeClr val="accent1">
+              <a:shade val="50000"/>
+            </a:schemeClr>
+          </a:lnRef>
+          <a:fillRef idx="1">
+            <a:schemeClr val="accent1"/>
+          </a:fillRef>
+          <a:effectRef idx="0">
+            <a:schemeClr val="accent1"/>
+          </a:effectRef>
+          <a:fontRef idx="minor">
+            <a:schemeClr val="lt1"/>
+          </a:fontRef>
+        </p:style>
+        <p:txBody>
+          <a:bodyPr rtlCol="0" anchor="ctr"/>
+          <a:lstStyle/>
+          <a:p>
+            <a:pPr algn="ctr"/>
+            <a:endParaRPr lang="en-US"/>
+          </a:p>
+        </p:txBody>
+      </p:sp>
+      <p:cxnSp>
+        <p:nvCxnSpPr>
+          <p:cNvPr id="13" name="Straight Connector 12">
+            <a:extLst>
+              <a:ext uri="{FF2B5EF4-FFF2-40B4-BE49-F238E27FC236}">
+                <a16:creationId xmlns:a16="http://schemas.microsoft.com/office/drawing/2014/main" id="{384717FD-44EF-4F6E-B074-A4BCC31DA32A}"/>
+              </a:ext>
+            </a:extLst>
+          </p:cNvPr>
+          <p:cNvCxnSpPr>
+            <a:cxnSpLocks/>
+          </p:cNvCxnSpPr>
+          <p:nvPr/>
+        </p:nvCxnSpPr>
+        <p:spPr>
+          <a:xfrm>
+            <a:off x="3783802" y="3429000"/>
+            <a:ext cx="0" cy="350393"/>
+          </a:xfrm>
+          <a:prstGeom prst="line">
+            <a:avLst/>
+          </a:prstGeom>
+          <a:ln w="12700">
+            <a:solidFill>
+              <a:schemeClr val="tx1"/>
+            </a:solidFill>
+          </a:ln>
+        </p:spPr>
+        <p:style>
+          <a:lnRef idx="1">
+            <a:schemeClr val="accent1"/>
+          </a:lnRef>
+          <a:fillRef idx="0">
+            <a:schemeClr val="accent1"/>
+          </a:fillRef>
+          <a:effectRef idx="0">
+            <a:schemeClr val="accent1"/>
+          </a:effectRef>
+          <a:fontRef idx="minor">
+            <a:schemeClr val="tx1"/>
+          </a:fontRef>
+        </p:style>
+      </p:cxnSp>
+      <p:cxnSp>
+        <p:nvCxnSpPr>
+          <p:cNvPr id="14" name="Straight Connector 13">
+            <a:extLst>
+              <a:ext uri="{FF2B5EF4-FFF2-40B4-BE49-F238E27FC236}">
+                <a16:creationId xmlns:a16="http://schemas.microsoft.com/office/drawing/2014/main" id="{F9DB5E85-64E0-41BC-8ACB-3C95A266BAB6}"/>
+              </a:ext>
+            </a:extLst>
+          </p:cNvPr>
+          <p:cNvCxnSpPr>
+            <a:cxnSpLocks/>
+          </p:cNvCxnSpPr>
+          <p:nvPr/>
+        </p:nvCxnSpPr>
+        <p:spPr>
+          <a:xfrm>
+            <a:off x="3783802" y="3429000"/>
+            <a:ext cx="2065395" cy="0"/>
+          </a:xfrm>
+          <a:prstGeom prst="line">
+            <a:avLst/>
+          </a:prstGeom>
+          <a:ln w="12700">
+            <a:solidFill>
+              <a:schemeClr val="tx1"/>
+            </a:solidFill>
+          </a:ln>
+        </p:spPr>
+        <p:style>
+          <a:lnRef idx="1">
+            <a:schemeClr val="accent1"/>
+          </a:lnRef>
+          <a:fillRef idx="0">
+            <a:schemeClr val="accent1"/>
+          </a:fillRef>
+          <a:effectRef idx="0">
+            <a:schemeClr val="accent1"/>
+          </a:effectRef>
+          <a:fontRef idx="minor">
+            <a:schemeClr val="tx1"/>
+          </a:fontRef>
+        </p:style>
+      </p:cxnSp>
+      <p:cxnSp>
+        <p:nvCxnSpPr>
+          <p:cNvPr id="15" name="Straight Arrow Connector 14">
+            <a:extLst>
+              <a:ext uri="{FF2B5EF4-FFF2-40B4-BE49-F238E27FC236}">
+                <a16:creationId xmlns:a16="http://schemas.microsoft.com/office/drawing/2014/main" id="{D2578F8D-0435-4308-A109-0B5616F91501}"/>
+              </a:ext>
+            </a:extLst>
+          </p:cNvPr>
+          <p:cNvCxnSpPr>
+            <a:cxnSpLocks/>
+          </p:cNvCxnSpPr>
+          <p:nvPr/>
+        </p:nvCxnSpPr>
+        <p:spPr>
+          <a:xfrm>
+            <a:off x="5849197" y="2857561"/>
+            <a:ext cx="137160" cy="0"/>
+          </a:xfrm>
+          <a:prstGeom prst="straightConnector1">
+            <a:avLst/>
+          </a:prstGeom>
+          <a:ln w="12700">
+            <a:solidFill>
+              <a:schemeClr val="tx1"/>
+            </a:solidFill>
+            <a:tailEnd type="triangle"/>
+          </a:ln>
+        </p:spPr>
+        <p:style>
+          <a:lnRef idx="1">
+            <a:schemeClr val="accent1"/>
+          </a:lnRef>
+          <a:fillRef idx="0">
+            <a:schemeClr val="accent1"/>
+          </a:fillRef>
+          <a:effectRef idx="0">
+            <a:schemeClr val="accent1"/>
+          </a:effectRef>
+          <a:fontRef idx="minor">
+            <a:schemeClr val="tx1"/>
+          </a:fontRef>
+        </p:style>
+      </p:cxnSp>
+      <p:cxnSp>
+        <p:nvCxnSpPr>
+          <p:cNvPr id="16" name="Straight Connector 15">
+            <a:extLst>
+              <a:ext uri="{FF2B5EF4-FFF2-40B4-BE49-F238E27FC236}">
+                <a16:creationId xmlns:a16="http://schemas.microsoft.com/office/drawing/2014/main" id="{41781B33-96ED-4C0D-9832-3358223D114B}"/>
+              </a:ext>
+            </a:extLst>
+          </p:cNvPr>
+          <p:cNvCxnSpPr>
+            <a:cxnSpLocks/>
+          </p:cNvCxnSpPr>
+          <p:nvPr/>
+        </p:nvCxnSpPr>
+        <p:spPr>
+          <a:xfrm>
+            <a:off x="4619263" y="3504073"/>
+            <a:ext cx="0" cy="237162"/>
+          </a:xfrm>
+          <a:prstGeom prst="line">
+            <a:avLst/>
+          </a:prstGeom>
+          <a:ln w="12700">
+            <a:solidFill>
+              <a:schemeClr val="tx1"/>
+            </a:solidFill>
+          </a:ln>
+        </p:spPr>
+        <p:style>
+          <a:lnRef idx="1">
+            <a:schemeClr val="accent1"/>
+          </a:lnRef>
+          <a:fillRef idx="0">
+            <a:schemeClr val="accent1"/>
+          </a:fillRef>
+          <a:effectRef idx="0">
+            <a:schemeClr val="accent1"/>
+          </a:effectRef>
+          <a:fontRef idx="minor">
+            <a:schemeClr val="tx1"/>
+          </a:fontRef>
+        </p:style>
+      </p:cxnSp>
+      <p:cxnSp>
+        <p:nvCxnSpPr>
+          <p:cNvPr id="17" name="Straight Connector 16">
+            <a:extLst>
+              <a:ext uri="{FF2B5EF4-FFF2-40B4-BE49-F238E27FC236}">
+                <a16:creationId xmlns:a16="http://schemas.microsoft.com/office/drawing/2014/main" id="{463C3441-4738-4BEB-A4A8-2BA681DE55BD}"/>
+              </a:ext>
+            </a:extLst>
+          </p:cNvPr>
+          <p:cNvCxnSpPr>
+            <a:cxnSpLocks/>
+          </p:cNvCxnSpPr>
+          <p:nvPr/>
+        </p:nvCxnSpPr>
+        <p:spPr>
+          <a:xfrm flipV="1">
+            <a:off x="4614776" y="3500230"/>
+            <a:ext cx="1238231" cy="7686"/>
+          </a:xfrm>
+          <a:prstGeom prst="line">
+            <a:avLst/>
+          </a:prstGeom>
+          <a:ln w="12700">
+            <a:solidFill>
+              <a:schemeClr val="tx1"/>
+            </a:solidFill>
+          </a:ln>
+        </p:spPr>
+        <p:style>
+          <a:lnRef idx="1">
+            <a:schemeClr val="accent1"/>
+          </a:lnRef>
+          <a:fillRef idx="0">
+            <a:schemeClr val="accent1"/>
+          </a:fillRef>
+          <a:effectRef idx="0">
+            <a:schemeClr val="accent1"/>
+          </a:effectRef>
+          <a:fontRef idx="minor">
+            <a:schemeClr val="tx1"/>
+          </a:fontRef>
+        </p:style>
+      </p:cxnSp>
+      <p:cxnSp>
+        <p:nvCxnSpPr>
+          <p:cNvPr id="18" name="Straight Connector 17">
+            <a:extLst>
+              <a:ext uri="{FF2B5EF4-FFF2-40B4-BE49-F238E27FC236}">
+                <a16:creationId xmlns:a16="http://schemas.microsoft.com/office/drawing/2014/main" id="{644A7DD8-D36B-40AB-8EF9-3F021E71259D}"/>
+              </a:ext>
+            </a:extLst>
+          </p:cNvPr>
+          <p:cNvCxnSpPr>
+            <a:cxnSpLocks/>
+          </p:cNvCxnSpPr>
+          <p:nvPr/>
+        </p:nvCxnSpPr>
+        <p:spPr>
+          <a:xfrm flipV="1">
+            <a:off x="5849197" y="3496355"/>
+            <a:ext cx="3810" cy="588914"/>
+          </a:xfrm>
+          <a:prstGeom prst="line">
+            <a:avLst/>
+          </a:prstGeom>
+          <a:ln w="12700">
+            <a:solidFill>
+              <a:schemeClr val="tx1"/>
+            </a:solidFill>
+          </a:ln>
+        </p:spPr>
+        <p:style>
+          <a:lnRef idx="1">
+            <a:schemeClr val="accent1"/>
+          </a:lnRef>
+          <a:fillRef idx="0">
+            <a:schemeClr val="accent1"/>
+          </a:fillRef>
+          <a:effectRef idx="0">
+            <a:schemeClr val="accent1"/>
+          </a:effectRef>
+          <a:fontRef idx="minor">
+            <a:schemeClr val="tx1"/>
+          </a:fontRef>
+        </p:style>
+      </p:cxnSp>
+      <p:cxnSp>
+        <p:nvCxnSpPr>
+          <p:cNvPr id="19" name="Straight Arrow Connector 18">
+            <a:extLst>
+              <a:ext uri="{FF2B5EF4-FFF2-40B4-BE49-F238E27FC236}">
+                <a16:creationId xmlns:a16="http://schemas.microsoft.com/office/drawing/2014/main" id="{C9083EB5-4E45-473C-A00D-4C34DE2C3C40}"/>
+              </a:ext>
+            </a:extLst>
+          </p:cNvPr>
+          <p:cNvCxnSpPr>
+            <a:cxnSpLocks/>
+          </p:cNvCxnSpPr>
+          <p:nvPr/>
+        </p:nvCxnSpPr>
+        <p:spPr>
+          <a:xfrm>
+            <a:off x="5849197" y="4085393"/>
+            <a:ext cx="137160" cy="0"/>
+          </a:xfrm>
+          <a:prstGeom prst="straightConnector1">
+            <a:avLst/>
+          </a:prstGeom>
+          <a:ln w="12700">
+            <a:solidFill>
+              <a:schemeClr val="tx1"/>
+            </a:solidFill>
+            <a:tailEnd type="triangle"/>
+          </a:ln>
+        </p:spPr>
+        <p:style>
+          <a:lnRef idx="1">
+            <a:schemeClr val="accent1"/>
+          </a:lnRef>
+          <a:fillRef idx="0">
+            <a:schemeClr val="accent1"/>
+          </a:fillRef>
+          <a:effectRef idx="0">
+            <a:schemeClr val="accent1"/>
+          </a:effectRef>
+          <a:fontRef idx="minor">
+            <a:schemeClr val="tx1"/>
+          </a:fontRef>
+        </p:style>
+      </p:cxnSp>
+      <p:cxnSp>
+        <p:nvCxnSpPr>
+          <p:cNvPr id="20" name="Straight Connector 19">
+            <a:extLst>
+              <a:ext uri="{FF2B5EF4-FFF2-40B4-BE49-F238E27FC236}">
+                <a16:creationId xmlns:a16="http://schemas.microsoft.com/office/drawing/2014/main" id="{02D8A160-37CC-418F-A44D-934EB3EA70A8}"/>
+              </a:ext>
+            </a:extLst>
+          </p:cNvPr>
+          <p:cNvCxnSpPr>
+            <a:cxnSpLocks/>
+          </p:cNvCxnSpPr>
+          <p:nvPr/>
+        </p:nvCxnSpPr>
+        <p:spPr>
+          <a:xfrm flipV="1">
+            <a:off x="5849197" y="2857561"/>
+            <a:ext cx="0" cy="571438"/>
+          </a:xfrm>
+          <a:prstGeom prst="line">
+            <a:avLst/>
+          </a:prstGeom>
+          <a:ln w="12700">
+            <a:solidFill>
+              <a:schemeClr val="tx1"/>
+            </a:solidFill>
+          </a:ln>
+        </p:spPr>
+        <p:style>
+          <a:lnRef idx="1">
+            <a:schemeClr val="accent1"/>
+          </a:lnRef>
+          <a:fillRef idx="0">
+            <a:schemeClr val="accent1"/>
+          </a:fillRef>
+          <a:effectRef idx="0">
+            <a:schemeClr val="accent1"/>
+          </a:effectRef>
+          <a:fontRef idx="minor">
+            <a:schemeClr val="tx1"/>
+          </a:fontRef>
+        </p:style>
+      </p:cxnSp>
+      <p:sp>
+        <p:nvSpPr>
+          <p:cNvPr id="21" name="TextBox 20">
+            <a:extLst>
+              <a:ext uri="{FF2B5EF4-FFF2-40B4-BE49-F238E27FC236}">
+                <a16:creationId xmlns:a16="http://schemas.microsoft.com/office/drawing/2014/main" id="{E9A1C5E7-A679-423E-9804-DA1B1172349E}"/>
+              </a:ext>
+            </a:extLst>
+          </p:cNvPr>
+          <p:cNvSpPr txBox="1"/>
+          <p:nvPr/>
+        </p:nvSpPr>
+        <p:spPr>
+          <a:xfrm>
+            <a:off x="5677232" y="2631928"/>
+            <a:ext cx="1041731" cy="246221"/>
+          </a:xfrm>
+          <a:prstGeom prst="rect">
+            <a:avLst/>
+          </a:prstGeom>
+          <a:noFill/>
+        </p:spPr>
+        <p:txBody>
+          <a:bodyPr wrap="square" rtlCol="0">
+            <a:spAutoFit/>
+          </a:bodyPr>
+          <a:lstStyle/>
+          <a:p>
+            <a:r>
+              <a:rPr lang="en-US" sz="1000" dirty="0">
+                <a:latin typeface="Times New Roman" panose="02020603050405020304" pitchFamily="18" charset="0"/>
+                <a:cs typeface="Times New Roman" panose="02020603050405020304" pitchFamily="18" charset="0"/>
+              </a:rPr>
+              <a:t>Zoom</a:t>
+            </a:r>
+          </a:p>
+        </p:txBody>
+      </p:sp>
+      <p:sp>
+        <p:nvSpPr>
+          <p:cNvPr id="22" name="TextBox 21">
+            <a:extLst>
+              <a:ext uri="{FF2B5EF4-FFF2-40B4-BE49-F238E27FC236}">
+                <a16:creationId xmlns:a16="http://schemas.microsoft.com/office/drawing/2014/main" id="{D959E2B8-455C-46D5-8ADE-D697308DDCC7}"/>
+              </a:ext>
+            </a:extLst>
+          </p:cNvPr>
+          <p:cNvSpPr txBox="1"/>
+          <p:nvPr/>
+        </p:nvSpPr>
+        <p:spPr>
+          <a:xfrm>
+            <a:off x="5677231" y="4058597"/>
+            <a:ext cx="1041731" cy="246221"/>
+          </a:xfrm>
+          <a:prstGeom prst="rect">
+            <a:avLst/>
+          </a:prstGeom>
+          <a:noFill/>
+        </p:spPr>
+        <p:txBody>
+          <a:bodyPr wrap="square" rtlCol="0">
+            <a:spAutoFit/>
+          </a:bodyPr>
+          <a:lstStyle/>
+          <a:p>
+            <a:r>
+              <a:rPr lang="en-US" sz="1000" dirty="0">
+                <a:latin typeface="Times New Roman" panose="02020603050405020304" pitchFamily="18" charset="0"/>
+                <a:cs typeface="Times New Roman" panose="02020603050405020304" pitchFamily="18" charset="0"/>
+              </a:rPr>
+              <a:t>Zoom</a:t>
+            </a:r>
+          </a:p>
+        </p:txBody>
+      </p:sp>
+      <p:pic>
+        <p:nvPicPr>
+          <p:cNvPr id="28" name="Picture 27">
+            <a:extLst>
+              <a:ext uri="{FF2B5EF4-FFF2-40B4-BE49-F238E27FC236}">
+                <a16:creationId xmlns:a16="http://schemas.microsoft.com/office/drawing/2014/main" id="{2843F2C9-09E9-4834-A050-F3BE46337446}"/>
+              </a:ext>
+            </a:extLst>
+          </p:cNvPr>
+          <p:cNvPicPr>
+            <a:picLocks noChangeAspect="1"/>
+          </p:cNvPicPr>
+          <p:nvPr/>
+        </p:nvPicPr>
+        <p:blipFill>
+          <a:blip r:embed="rId6"/>
+          <a:stretch>
+            <a:fillRect/>
+          </a:stretch>
+        </p:blipFill>
+        <p:spPr>
+          <a:xfrm>
+            <a:off x="5874452" y="1985422"/>
+            <a:ext cx="1905000" cy="1428750"/>
+          </a:xfrm>
+          <a:prstGeom prst="rect">
+            <a:avLst/>
+          </a:prstGeom>
+        </p:spPr>
+      </p:pic>
+      <p:pic>
+        <p:nvPicPr>
+          <p:cNvPr id="29" name="Picture 28">
+            <a:extLst>
+              <a:ext uri="{FF2B5EF4-FFF2-40B4-BE49-F238E27FC236}">
+                <a16:creationId xmlns:a16="http://schemas.microsoft.com/office/drawing/2014/main" id="{7B17B4D0-57B2-4CBF-A92F-07AD8972EB99}"/>
+              </a:ext>
+            </a:extLst>
+          </p:cNvPr>
+          <p:cNvPicPr>
+            <a:picLocks noChangeAspect="1"/>
+          </p:cNvPicPr>
+          <p:nvPr/>
+        </p:nvPicPr>
+        <p:blipFill>
+          <a:blip r:embed="rId7"/>
+          <a:stretch>
+            <a:fillRect/>
+          </a:stretch>
+        </p:blipFill>
+        <p:spPr>
+          <a:xfrm>
+            <a:off x="5900483" y="3434653"/>
+            <a:ext cx="1905000" cy="1428750"/>
+          </a:xfrm>
+          <a:prstGeom prst="rect">
+            <a:avLst/>
+          </a:prstGeom>
+        </p:spPr>
+      </p:pic>
+      <p:sp>
+        <p:nvSpPr>
+          <p:cNvPr id="30" name="Rectangle 29">
+            <a:extLst>
+              <a:ext uri="{FF2B5EF4-FFF2-40B4-BE49-F238E27FC236}">
+                <a16:creationId xmlns:a16="http://schemas.microsoft.com/office/drawing/2014/main" id="{25CCB79B-B4FD-49EA-B6F8-725349E0BECF}"/>
+              </a:ext>
+            </a:extLst>
+          </p:cNvPr>
+          <p:cNvSpPr/>
+          <p:nvPr/>
+        </p:nvSpPr>
+        <p:spPr>
+          <a:xfrm>
+            <a:off x="3189600" y="1221776"/>
+            <a:ext cx="4491999" cy="369332"/>
+          </a:xfrm>
+          <a:prstGeom prst="rect">
+            <a:avLst/>
+          </a:prstGeom>
+        </p:spPr>
+        <p:txBody>
+          <a:bodyPr wrap="none">
+            <a:spAutoFit/>
+          </a:bodyPr>
+          <a:lstStyle/>
+          <a:p>
+            <a:r>
+              <a:rPr lang="en-US" dirty="0"/>
+              <a:t>D:\Github\WPTMotor\Test-Result\2022.12.01</a:t>
+            </a:r>
+          </a:p>
+        </p:txBody>
+      </p:sp>
+      <p:sp>
+        <p:nvSpPr>
+          <p:cNvPr id="31" name="Rectangle 30">
+            <a:extLst>
+              <a:ext uri="{FF2B5EF4-FFF2-40B4-BE49-F238E27FC236}">
+                <a16:creationId xmlns:a16="http://schemas.microsoft.com/office/drawing/2014/main" id="{91C16D56-1D53-4EC7-BE2B-4000AA268E4F}"/>
+              </a:ext>
+            </a:extLst>
+          </p:cNvPr>
+          <p:cNvSpPr/>
+          <p:nvPr/>
+        </p:nvSpPr>
+        <p:spPr>
+          <a:xfrm>
+            <a:off x="4353759" y="6105419"/>
+            <a:ext cx="2646943" cy="369332"/>
+          </a:xfrm>
+          <a:prstGeom prst="rect">
+            <a:avLst/>
+          </a:prstGeom>
+        </p:spPr>
+        <p:txBody>
+          <a:bodyPr wrap="none">
+            <a:spAutoFit/>
+          </a:bodyPr>
+          <a:lstStyle/>
+          <a:p>
+            <a:r>
+              <a:rPr lang="en-US" dirty="0"/>
+              <a:t>data_plotter_transient_v2</a:t>
+            </a:r>
+          </a:p>
+        </p:txBody>
+      </p:sp>
+    </p:spTree>
+    <p:extLst>
+      <p:ext uri="{BB962C8B-B14F-4D97-AF65-F5344CB8AC3E}">
+        <p14:creationId xmlns:p14="http://schemas.microsoft.com/office/powerpoint/2010/main" val="1925759029"/>
+      </p:ext>
+    </p:extLst>
+  </p:cSld>
+  <p:clrMapOvr>
+    <a:masterClrMapping/>
+  </p:clrMapOvr>
+</p:sld>
+</file>
+
+<file path=ppt/slides/slide6.xml><?xml version="1.0" encoding="utf-8"?>
+<p:sld xmlns:a="http://schemas.openxmlformats.org/drawingml/2006/main" xmlns:r="http://schemas.openxmlformats.org/officeDocument/2006/relationships" xmlns:p="http://schemas.openxmlformats.org/presentationml/2006/main">
+  <p:cSld>
+    <p:spTree>
+      <p:nvGrpSpPr>
+        <p:cNvPr id="1" name=""/>
+        <p:cNvGrpSpPr/>
+        <p:nvPr/>
+      </p:nvGrpSpPr>
+      <p:grpSpPr>
+        <a:xfrm>
+          <a:off x="0" y="0"/>
+          <a:ext cx="0" cy="0"/>
+          <a:chOff x="0" y="0"/>
+          <a:chExt cx="0" cy="0"/>
+        </a:xfrm>
+      </p:grpSpPr>
+      <p:pic>
+        <p:nvPicPr>
           <p:cNvPr id="8" name="Picture 7">
             <a:extLst>
               <a:ext uri="{FF2B5EF4-FFF2-40B4-BE49-F238E27FC236}">
@@ -5351,7 +8842,7 @@
 </p:sld>
 </file>
 
-<file path=ppt/slides/slide5.xml><?xml version="1.0" encoding="utf-8"?>
+<file path=ppt/slides/slide7.xml><?xml version="1.0" encoding="utf-8"?>
 <p:sld xmlns:a="http://schemas.openxmlformats.org/drawingml/2006/main" xmlns:r="http://schemas.openxmlformats.org/officeDocument/2006/relationships" xmlns:p="http://schemas.openxmlformats.org/presentationml/2006/main">
   <p:cSld>
     <p:spTree>
@@ -5370,10 +8861,10 @@
       </p:grpSpPr>
       <p:pic>
         <p:nvPicPr>
-          <p:cNvPr id="17" name="Picture 16">
-            <a:extLst>
-              <a:ext uri="{FF2B5EF4-FFF2-40B4-BE49-F238E27FC236}">
-                <a16:creationId xmlns:a16="http://schemas.microsoft.com/office/drawing/2014/main" id="{C9AFB836-6469-45E2-9832-ED7285D6FE9A}"/>
+          <p:cNvPr id="11" name="Picture 10">
+            <a:extLst>
+              <a:ext uri="{FF2B5EF4-FFF2-40B4-BE49-F238E27FC236}">
+                <a16:creationId xmlns:a16="http://schemas.microsoft.com/office/drawing/2014/main" id="{2321EF47-96FC-46A0-B9CE-B158C6A4DDD0}"/>
               </a:ext>
             </a:extLst>
           </p:cNvPr>
@@ -5390,8 +8881,8 @@
         </p:blipFill>
         <p:spPr>
           <a:xfrm>
-            <a:off x="678158" y="1037071"/>
-            <a:ext cx="3810000" cy="1905000"/>
+            <a:off x="3211830" y="2897886"/>
+            <a:ext cx="4762500" cy="1428750"/>
           </a:xfrm>
           <a:prstGeom prst="rect">
             <a:avLst/>
@@ -5400,10 +8891,10 @@
       </p:pic>
       <p:pic>
         <p:nvPicPr>
-          <p:cNvPr id="18" name="Picture 17">
-            <a:extLst>
-              <a:ext uri="{FF2B5EF4-FFF2-40B4-BE49-F238E27FC236}">
-                <a16:creationId xmlns:a16="http://schemas.microsoft.com/office/drawing/2014/main" id="{3B803906-51B3-4E84-9538-BC3B21F49B2E}"/>
+          <p:cNvPr id="10" name="Picture 9">
+            <a:extLst>
+              <a:ext uri="{FF2B5EF4-FFF2-40B4-BE49-F238E27FC236}">
+                <a16:creationId xmlns:a16="http://schemas.microsoft.com/office/drawing/2014/main" id="{E01D041B-0DCC-4616-9504-608AAA6459E3}"/>
               </a:ext>
             </a:extLst>
           </p:cNvPr>
@@ -5420,475 +8911,340 @@
         </p:blipFill>
         <p:spPr>
           <a:xfrm>
-            <a:off x="678158" y="3457226"/>
-            <a:ext cx="3810000" cy="1905000"/>
+            <a:off x="3211830" y="1469136"/>
+            <a:ext cx="4762500" cy="1428750"/>
           </a:xfrm>
           <a:prstGeom prst="rect">
             <a:avLst/>
           </a:prstGeom>
         </p:spPr>
       </p:pic>
-      <p:pic>
-        <p:nvPicPr>
-          <p:cNvPr id="2" name="Picture 1">
-            <a:extLst>
-              <a:ext uri="{FF2B5EF4-FFF2-40B4-BE49-F238E27FC236}">
-                <a16:creationId xmlns:a16="http://schemas.microsoft.com/office/drawing/2014/main" id="{85D9D825-439D-4D17-B42E-F8559A1164B7}"/>
-              </a:ext>
-            </a:extLst>
-          </p:cNvPr>
-          <p:cNvPicPr>
-            <a:picLocks noChangeAspect="1"/>
-          </p:cNvPicPr>
-          <p:nvPr/>
-        </p:nvPicPr>
-        <p:blipFill>
-          <a:blip r:embed="rId4"/>
-          <a:stretch>
-            <a:fillRect/>
-          </a:stretch>
-        </p:blipFill>
-        <p:spPr>
-          <a:xfrm>
-            <a:off x="5324878" y="1037071"/>
-            <a:ext cx="5715000" cy="1905000"/>
-          </a:xfrm>
-          <a:prstGeom prst="rect">
-            <a:avLst/>
-          </a:prstGeom>
-        </p:spPr>
-      </p:pic>
-      <p:pic>
-        <p:nvPicPr>
-          <p:cNvPr id="3" name="Picture 2">
-            <a:extLst>
-              <a:ext uri="{FF2B5EF4-FFF2-40B4-BE49-F238E27FC236}">
-                <a16:creationId xmlns:a16="http://schemas.microsoft.com/office/drawing/2014/main" id="{F3CCCA8D-0BE7-4D94-8E5B-3249EA725526}"/>
-              </a:ext>
-            </a:extLst>
-          </p:cNvPr>
-          <p:cNvPicPr>
-            <a:picLocks noChangeAspect="1"/>
-          </p:cNvPicPr>
-          <p:nvPr/>
-        </p:nvPicPr>
-        <p:blipFill>
-          <a:blip r:embed="rId5"/>
-          <a:stretch>
-            <a:fillRect/>
-          </a:stretch>
-        </p:blipFill>
-        <p:spPr>
-          <a:xfrm>
-            <a:off x="5279801" y="3229914"/>
-            <a:ext cx="5715000" cy="1905000"/>
-          </a:xfrm>
-          <a:prstGeom prst="rect">
-            <a:avLst/>
-          </a:prstGeom>
-        </p:spPr>
-      </p:pic>
+      <p:cxnSp>
+        <p:nvCxnSpPr>
+          <p:cNvPr id="6" name="Straight Connector 5">
+            <a:extLst>
+              <a:ext uri="{FF2B5EF4-FFF2-40B4-BE49-F238E27FC236}">
+                <a16:creationId xmlns:a16="http://schemas.microsoft.com/office/drawing/2014/main" id="{612D2946-49F9-40EA-9225-0D8DCAFD4B14}"/>
+              </a:ext>
+            </a:extLst>
+          </p:cNvPr>
+          <p:cNvCxnSpPr>
+            <a:cxnSpLocks/>
+          </p:cNvCxnSpPr>
+          <p:nvPr/>
+        </p:nvCxnSpPr>
+        <p:spPr>
+          <a:xfrm>
+            <a:off x="4688880" y="1469136"/>
+            <a:ext cx="0" cy="2508504"/>
+          </a:xfrm>
+          <a:prstGeom prst="line">
+            <a:avLst/>
+          </a:prstGeom>
+          <a:ln w="9525">
+            <a:solidFill>
+              <a:schemeClr val="bg2">
+                <a:lumMod val="25000"/>
+              </a:schemeClr>
+            </a:solidFill>
+            <a:prstDash val="dash"/>
+          </a:ln>
+        </p:spPr>
+        <p:style>
+          <a:lnRef idx="1">
+            <a:schemeClr val="accent1"/>
+          </a:lnRef>
+          <a:fillRef idx="0">
+            <a:schemeClr val="accent1"/>
+          </a:fillRef>
+          <a:effectRef idx="0">
+            <a:schemeClr val="accent1"/>
+          </a:effectRef>
+          <a:fontRef idx="minor">
+            <a:schemeClr val="tx1"/>
+          </a:fontRef>
+        </p:style>
+      </p:cxnSp>
+      <mc:AlternateContent xmlns:mc="http://schemas.openxmlformats.org/markup-compatibility/2006">
+        <mc:Choice xmlns:a14="http://schemas.microsoft.com/office/drawing/2010/main" Requires="a14">
+          <p:sp>
+            <p:nvSpPr>
+              <p:cNvPr id="7" name="TextBox 6">
+                <a:extLst>
+                  <a:ext uri="{FF2B5EF4-FFF2-40B4-BE49-F238E27FC236}">
+                    <a16:creationId xmlns:a16="http://schemas.microsoft.com/office/drawing/2014/main" id="{EEAA8BC6-A90B-4167-94E9-4B089707EC2F}"/>
+                  </a:ext>
+                </a:extLst>
+              </p:cNvPr>
+              <p:cNvSpPr txBox="1"/>
+              <p:nvPr/>
+            </p:nvSpPr>
+            <p:spPr>
+              <a:xfrm>
+                <a:off x="4607640" y="1237607"/>
+                <a:ext cx="162480" cy="184666"/>
+              </a:xfrm>
+              <a:prstGeom prst="rect">
+                <a:avLst/>
+              </a:prstGeom>
+              <a:noFill/>
+            </p:spPr>
+            <p:txBody>
+              <a:bodyPr wrap="none" lIns="0" tIns="0" rIns="0" bIns="0" rtlCol="0">
+                <a:spAutoFit/>
+              </a:bodyPr>
+              <a:lstStyle/>
+              <a:p>
+                <a:pPr/>
+                <a14:m>
+                  <m:oMathPara xmlns:m="http://schemas.openxmlformats.org/officeDocument/2006/math">
+                    <m:oMathParaPr>
+                      <m:jc m:val="centerGroup"/>
+                    </m:oMathParaPr>
+                    <m:oMath xmlns:m="http://schemas.openxmlformats.org/officeDocument/2006/math">
+                      <m:sSub>
+                        <m:sSubPr>
+                          <m:ctrlPr>
+                            <a:rPr lang="en-US" sz="1200" b="0" i="1" smtClean="0">
+                              <a:latin typeface="Cambria Math" panose="02040503050406030204" pitchFamily="18" charset="0"/>
+                            </a:rPr>
+                          </m:ctrlPr>
+                        </m:sSubPr>
+                        <m:e>
+                          <m:r>
+                            <a:rPr lang="en-US" sz="1200" b="0" i="1" smtClean="0">
+                              <a:latin typeface="Cambria Math" panose="02040503050406030204" pitchFamily="18" charset="0"/>
+                            </a:rPr>
+                            <m:t>𝑡</m:t>
+                          </m:r>
+                        </m:e>
+                        <m:sub>
+                          <m:r>
+                            <a:rPr lang="en-US" sz="1200" b="0" i="1" smtClean="0">
+                              <a:latin typeface="Cambria Math" panose="02040503050406030204" pitchFamily="18" charset="0"/>
+                            </a:rPr>
+                            <m:t>1</m:t>
+                          </m:r>
+                        </m:sub>
+                      </m:sSub>
+                    </m:oMath>
+                  </m:oMathPara>
+                </a14:m>
+                <a:endParaRPr lang="en-US" sz="1200" dirty="0"/>
+              </a:p>
+            </p:txBody>
+          </p:sp>
+        </mc:Choice>
+        <mc:Fallback>
+          <p:sp>
+            <p:nvSpPr>
+              <p:cNvPr id="7" name="TextBox 6">
+                <a:extLst>
+                  <a:ext uri="{FF2B5EF4-FFF2-40B4-BE49-F238E27FC236}">
+                    <a16:creationId xmlns:a16="http://schemas.microsoft.com/office/drawing/2014/main" id="{EEAA8BC6-A90B-4167-94E9-4B089707EC2F}"/>
+                  </a:ext>
+                </a:extLst>
+              </p:cNvPr>
+              <p:cNvSpPr txBox="1">
+                <a:spLocks noRot="1" noChangeAspect="1" noMove="1" noResize="1" noEditPoints="1" noAdjustHandles="1" noChangeArrowheads="1" noChangeShapeType="1" noTextEdit="1"/>
+              </p:cNvSpPr>
+              <p:nvPr/>
+            </p:nvSpPr>
+            <p:spPr>
+              <a:xfrm>
+                <a:off x="4607640" y="1237607"/>
+                <a:ext cx="162480" cy="184666"/>
+              </a:xfrm>
+              <a:prstGeom prst="rect">
+                <a:avLst/>
+              </a:prstGeom>
+              <a:blipFill>
+                <a:blip r:embed="rId4"/>
+                <a:stretch>
+                  <a:fillRect l="-18519" r="-3704" b="-13333"/>
+                </a:stretch>
+              </a:blipFill>
+            </p:spPr>
+            <p:txBody>
+              <a:bodyPr/>
+              <a:lstStyle/>
+              <a:p>
+                <a:r>
+                  <a:rPr lang="en-US">
+                    <a:noFill/>
+                  </a:rPr>
+                  <a:t> </a:t>
+                </a:r>
+              </a:p>
+            </p:txBody>
+          </p:sp>
+        </mc:Fallback>
+      </mc:AlternateContent>
+      <p:cxnSp>
+        <p:nvCxnSpPr>
+          <p:cNvPr id="8" name="Straight Connector 7">
+            <a:extLst>
+              <a:ext uri="{FF2B5EF4-FFF2-40B4-BE49-F238E27FC236}">
+                <a16:creationId xmlns:a16="http://schemas.microsoft.com/office/drawing/2014/main" id="{9D6788E7-5291-4863-8519-1FD6A0EFE692}"/>
+              </a:ext>
+            </a:extLst>
+          </p:cNvPr>
+          <p:cNvCxnSpPr>
+            <a:cxnSpLocks/>
+          </p:cNvCxnSpPr>
+          <p:nvPr/>
+        </p:nvCxnSpPr>
+        <p:spPr>
+          <a:xfrm>
+            <a:off x="6614160" y="1469136"/>
+            <a:ext cx="0" cy="2508504"/>
+          </a:xfrm>
+          <a:prstGeom prst="line">
+            <a:avLst/>
+          </a:prstGeom>
+          <a:ln w="9525">
+            <a:solidFill>
+              <a:schemeClr val="bg2">
+                <a:lumMod val="25000"/>
+              </a:schemeClr>
+            </a:solidFill>
+            <a:prstDash val="dash"/>
+          </a:ln>
+        </p:spPr>
+        <p:style>
+          <a:lnRef idx="1">
+            <a:schemeClr val="accent1"/>
+          </a:lnRef>
+          <a:fillRef idx="0">
+            <a:schemeClr val="accent1"/>
+          </a:fillRef>
+          <a:effectRef idx="0">
+            <a:schemeClr val="accent1"/>
+          </a:effectRef>
+          <a:fontRef idx="minor">
+            <a:schemeClr val="tx1"/>
+          </a:fontRef>
+        </p:style>
+      </p:cxnSp>
+      <mc:AlternateContent xmlns:mc="http://schemas.openxmlformats.org/markup-compatibility/2006">
+        <mc:Choice xmlns:a14="http://schemas.microsoft.com/office/drawing/2010/main" Requires="a14">
+          <p:sp>
+            <p:nvSpPr>
+              <p:cNvPr id="9" name="TextBox 8">
+                <a:extLst>
+                  <a:ext uri="{FF2B5EF4-FFF2-40B4-BE49-F238E27FC236}">
+                    <a16:creationId xmlns:a16="http://schemas.microsoft.com/office/drawing/2014/main" id="{8BE41B61-9B6F-44E4-A15F-DF0C8207E8F3}"/>
+                  </a:ext>
+                </a:extLst>
+              </p:cNvPr>
+              <p:cNvSpPr txBox="1"/>
+              <p:nvPr/>
+            </p:nvSpPr>
+            <p:spPr>
+              <a:xfrm>
+                <a:off x="6531124" y="1237607"/>
+                <a:ext cx="166071" cy="184666"/>
+              </a:xfrm>
+              <a:prstGeom prst="rect">
+                <a:avLst/>
+              </a:prstGeom>
+              <a:noFill/>
+            </p:spPr>
+            <p:txBody>
+              <a:bodyPr wrap="none" lIns="0" tIns="0" rIns="0" bIns="0" rtlCol="0">
+                <a:spAutoFit/>
+              </a:bodyPr>
+              <a:lstStyle/>
+              <a:p>
+                <a:pPr/>
+                <a14:m>
+                  <m:oMathPara xmlns:m="http://schemas.openxmlformats.org/officeDocument/2006/math">
+                    <m:oMathParaPr>
+                      <m:jc m:val="centerGroup"/>
+                    </m:oMathParaPr>
+                    <m:oMath xmlns:m="http://schemas.openxmlformats.org/officeDocument/2006/math">
+                      <m:sSub>
+                        <m:sSubPr>
+                          <m:ctrlPr>
+                            <a:rPr lang="en-US" sz="1200" b="0" i="1" smtClean="0">
+                              <a:latin typeface="Cambria Math" panose="02040503050406030204" pitchFamily="18" charset="0"/>
+                            </a:rPr>
+                          </m:ctrlPr>
+                        </m:sSubPr>
+                        <m:e>
+                          <m:r>
+                            <a:rPr lang="en-US" sz="1200" b="0" i="1" smtClean="0">
+                              <a:latin typeface="Cambria Math" panose="02040503050406030204" pitchFamily="18" charset="0"/>
+                            </a:rPr>
+                            <m:t>𝑡</m:t>
+                          </m:r>
+                        </m:e>
+                        <m:sub>
+                          <m:r>
+                            <a:rPr lang="en-US" sz="1200" b="0" i="1" smtClean="0">
+                              <a:latin typeface="Cambria Math" panose="02040503050406030204" pitchFamily="18" charset="0"/>
+                            </a:rPr>
+                            <m:t>2</m:t>
+                          </m:r>
+                        </m:sub>
+                      </m:sSub>
+                    </m:oMath>
+                  </m:oMathPara>
+                </a14:m>
+                <a:endParaRPr lang="en-US" sz="1200" dirty="0"/>
+              </a:p>
+            </p:txBody>
+          </p:sp>
+        </mc:Choice>
+        <mc:Fallback>
+          <p:sp>
+            <p:nvSpPr>
+              <p:cNvPr id="9" name="TextBox 8">
+                <a:extLst>
+                  <a:ext uri="{FF2B5EF4-FFF2-40B4-BE49-F238E27FC236}">
+                    <a16:creationId xmlns:a16="http://schemas.microsoft.com/office/drawing/2014/main" id="{8BE41B61-9B6F-44E4-A15F-DF0C8207E8F3}"/>
+                  </a:ext>
+                </a:extLst>
+              </p:cNvPr>
+              <p:cNvSpPr txBox="1">
+                <a:spLocks noRot="1" noChangeAspect="1" noMove="1" noResize="1" noEditPoints="1" noAdjustHandles="1" noChangeArrowheads="1" noChangeShapeType="1" noTextEdit="1"/>
+              </p:cNvSpPr>
+              <p:nvPr/>
+            </p:nvSpPr>
+            <p:spPr>
+              <a:xfrm>
+                <a:off x="6531124" y="1237607"/>
+                <a:ext cx="166071" cy="184666"/>
+              </a:xfrm>
+              <a:prstGeom prst="rect">
+                <a:avLst/>
+              </a:prstGeom>
+              <a:blipFill>
+                <a:blip r:embed="rId5"/>
+                <a:stretch>
+                  <a:fillRect l="-17857" r="-3571" b="-13333"/>
+                </a:stretch>
+              </a:blipFill>
+            </p:spPr>
+            <p:txBody>
+              <a:bodyPr/>
+              <a:lstStyle/>
+              <a:p>
+                <a:r>
+                  <a:rPr lang="en-US">
+                    <a:noFill/>
+                  </a:rPr>
+                  <a:t> </a:t>
+                </a:r>
+              </a:p>
+            </p:txBody>
+          </p:sp>
+        </mc:Fallback>
+      </mc:AlternateContent>
     </p:spTree>
     <p:extLst>
       <p:ext uri="{BB962C8B-B14F-4D97-AF65-F5344CB8AC3E}">
-        <p14:creationId xmlns:p14="http://schemas.microsoft.com/office/powerpoint/2010/main" val="4000646965"/>
-      </p:ext>
-    </p:extLst>
-  </p:cSld>
-  <p:clrMapOvr>
-    <a:masterClrMapping/>
-  </p:clrMapOvr>
-</p:sld>
-</file>
-
-<file path=ppt/slides/slide6.xml><?xml version="1.0" encoding="utf-8"?>
-<p:sld xmlns:a="http://schemas.openxmlformats.org/drawingml/2006/main" xmlns:r="http://schemas.openxmlformats.org/officeDocument/2006/relationships" xmlns:p="http://schemas.openxmlformats.org/presentationml/2006/main">
-  <p:cSld>
-    <p:spTree>
-      <p:nvGrpSpPr>
-        <p:cNvPr id="1" name=""/>
-        <p:cNvGrpSpPr/>
-        <p:nvPr/>
-      </p:nvGrpSpPr>
-      <p:grpSpPr>
-        <a:xfrm>
-          <a:off x="0" y="0"/>
-          <a:ext cx="0" cy="0"/>
-          <a:chOff x="0" y="0"/>
-          <a:chExt cx="0" cy="0"/>
-        </a:xfrm>
-      </p:grpSpPr>
-      <p:pic>
-        <p:nvPicPr>
-          <p:cNvPr id="5" name="Picture 4">
-            <a:extLst>
-              <a:ext uri="{FF2B5EF4-FFF2-40B4-BE49-F238E27FC236}">
-                <a16:creationId xmlns:a16="http://schemas.microsoft.com/office/drawing/2014/main" id="{E7163CAD-786A-4870-8CD3-5C64687C477D}"/>
-              </a:ext>
-            </a:extLst>
-          </p:cNvPr>
-          <p:cNvPicPr>
-            <a:picLocks noChangeAspect="1"/>
-          </p:cNvPicPr>
-          <p:nvPr/>
-        </p:nvPicPr>
-        <p:blipFill>
-          <a:blip r:embed="rId2"/>
-          <a:stretch>
-            <a:fillRect/>
-          </a:stretch>
-        </p:blipFill>
-        <p:spPr>
-          <a:xfrm>
-            <a:off x="2960799" y="1336720"/>
-            <a:ext cx="2857500" cy="1905000"/>
-          </a:xfrm>
-          <a:prstGeom prst="rect">
-            <a:avLst/>
-          </a:prstGeom>
-        </p:spPr>
-      </p:pic>
-      <p:pic>
-        <p:nvPicPr>
-          <p:cNvPr id="11" name="Picture 10">
-            <a:extLst>
-              <a:ext uri="{FF2B5EF4-FFF2-40B4-BE49-F238E27FC236}">
-                <a16:creationId xmlns:a16="http://schemas.microsoft.com/office/drawing/2014/main" id="{A81F255C-6B89-4F62-A432-CABB4BA0EFB3}"/>
-              </a:ext>
-            </a:extLst>
-          </p:cNvPr>
-          <p:cNvPicPr>
-            <a:picLocks noChangeAspect="1"/>
-          </p:cNvPicPr>
-          <p:nvPr/>
-        </p:nvPicPr>
-        <p:blipFill>
-          <a:blip r:embed="rId3"/>
-          <a:stretch>
-            <a:fillRect/>
-          </a:stretch>
-        </p:blipFill>
-        <p:spPr>
-          <a:xfrm>
-            <a:off x="5818299" y="1336720"/>
-            <a:ext cx="2857500" cy="1905000"/>
-          </a:xfrm>
-          <a:prstGeom prst="rect">
-            <a:avLst/>
-          </a:prstGeom>
-        </p:spPr>
-      </p:pic>
-      <p:sp>
-        <p:nvSpPr>
-          <p:cNvPr id="13" name="TextBox 12">
-            <a:extLst>
-              <a:ext uri="{FF2B5EF4-FFF2-40B4-BE49-F238E27FC236}">
-                <a16:creationId xmlns:a16="http://schemas.microsoft.com/office/drawing/2014/main" id="{ABEE8B78-FE18-42F2-A556-E18AF5433C22}"/>
-              </a:ext>
-            </a:extLst>
-          </p:cNvPr>
-          <p:cNvSpPr txBox="1"/>
-          <p:nvPr/>
-        </p:nvSpPr>
-        <p:spPr>
-          <a:xfrm>
-            <a:off x="4305701" y="3154183"/>
-            <a:ext cx="566670" cy="338554"/>
-          </a:xfrm>
-          <a:prstGeom prst="rect">
-            <a:avLst/>
-          </a:prstGeom>
-          <a:noFill/>
-        </p:spPr>
-        <p:txBody>
-          <a:bodyPr wrap="square" rtlCol="0">
-            <a:spAutoFit/>
-          </a:bodyPr>
-          <a:lstStyle/>
-          <a:p>
-            <a:r>
-              <a:rPr lang="en-US" sz="1600" dirty="0">
-                <a:latin typeface="Times New Roman" panose="02020603050405020304" pitchFamily="18" charset="0"/>
-                <a:cs typeface="Times New Roman" panose="02020603050405020304" pitchFamily="18" charset="0"/>
-              </a:rPr>
-              <a:t>a)</a:t>
-            </a:r>
-          </a:p>
-        </p:txBody>
-      </p:sp>
-      <p:sp>
-        <p:nvSpPr>
-          <p:cNvPr id="14" name="TextBox 13">
-            <a:extLst>
-              <a:ext uri="{FF2B5EF4-FFF2-40B4-BE49-F238E27FC236}">
-                <a16:creationId xmlns:a16="http://schemas.microsoft.com/office/drawing/2014/main" id="{3F7A2A77-652F-4F5A-9996-EEFB379D2EF2}"/>
-              </a:ext>
-            </a:extLst>
-          </p:cNvPr>
-          <p:cNvSpPr txBox="1"/>
-          <p:nvPr/>
-        </p:nvSpPr>
-        <p:spPr>
-          <a:xfrm>
-            <a:off x="7160319" y="3156866"/>
-            <a:ext cx="566670" cy="338554"/>
-          </a:xfrm>
-          <a:prstGeom prst="rect">
-            <a:avLst/>
-          </a:prstGeom>
-          <a:noFill/>
-        </p:spPr>
-        <p:txBody>
-          <a:bodyPr wrap="square" rtlCol="0">
-            <a:spAutoFit/>
-          </a:bodyPr>
-          <a:lstStyle/>
-          <a:p>
-            <a:r>
-              <a:rPr lang="en-US" sz="1600" dirty="0">
-                <a:latin typeface="Times New Roman" panose="02020603050405020304" pitchFamily="18" charset="0"/>
-                <a:cs typeface="Times New Roman" panose="02020603050405020304" pitchFamily="18" charset="0"/>
-              </a:rPr>
-              <a:t>b)</a:t>
-            </a:r>
-          </a:p>
-        </p:txBody>
-      </p:sp>
-      <p:sp>
-        <p:nvSpPr>
-          <p:cNvPr id="15" name="TextBox 14">
-            <a:extLst>
-              <a:ext uri="{FF2B5EF4-FFF2-40B4-BE49-F238E27FC236}">
-                <a16:creationId xmlns:a16="http://schemas.microsoft.com/office/drawing/2014/main" id="{8714BE93-8BF9-4E5E-BE11-82B30F8173CC}"/>
-              </a:ext>
-            </a:extLst>
-          </p:cNvPr>
-          <p:cNvSpPr txBox="1"/>
-          <p:nvPr/>
-        </p:nvSpPr>
-        <p:spPr>
-          <a:xfrm>
-            <a:off x="5617337" y="5217606"/>
-            <a:ext cx="566670" cy="338554"/>
-          </a:xfrm>
-          <a:prstGeom prst="rect">
-            <a:avLst/>
-          </a:prstGeom>
-          <a:noFill/>
-        </p:spPr>
-        <p:txBody>
-          <a:bodyPr wrap="square" rtlCol="0">
-            <a:spAutoFit/>
-          </a:bodyPr>
-          <a:lstStyle/>
-          <a:p>
-            <a:r>
-              <a:rPr lang="en-US" sz="1600" dirty="0">
-                <a:latin typeface="Times New Roman" panose="02020603050405020304" pitchFamily="18" charset="0"/>
-                <a:cs typeface="Times New Roman" panose="02020603050405020304" pitchFamily="18" charset="0"/>
-              </a:rPr>
-              <a:t>c)</a:t>
-            </a:r>
-          </a:p>
-        </p:txBody>
-      </p:sp>
-      <p:pic>
-        <p:nvPicPr>
-          <p:cNvPr id="16" name="Picture 15">
-            <a:extLst>
-              <a:ext uri="{FF2B5EF4-FFF2-40B4-BE49-F238E27FC236}">
-                <a16:creationId xmlns:a16="http://schemas.microsoft.com/office/drawing/2014/main" id="{64122180-73AA-4AA6-B04D-7BBFFC890740}"/>
-              </a:ext>
-            </a:extLst>
-          </p:cNvPr>
-          <p:cNvPicPr>
-            <a:picLocks noChangeAspect="1"/>
-          </p:cNvPicPr>
-          <p:nvPr/>
-        </p:nvPicPr>
-        <p:blipFill>
-          <a:blip r:embed="rId4"/>
-          <a:stretch>
-            <a:fillRect/>
-          </a:stretch>
-        </p:blipFill>
-        <p:spPr>
-          <a:xfrm>
-            <a:off x="3373460" y="3323460"/>
-            <a:ext cx="4762500" cy="1905000"/>
-          </a:xfrm>
-          <a:prstGeom prst="rect">
-            <a:avLst/>
-          </a:prstGeom>
-        </p:spPr>
-      </p:pic>
-      <p:sp>
-        <p:nvSpPr>
-          <p:cNvPr id="17" name="Rectangle 16">
-            <a:extLst>
-              <a:ext uri="{FF2B5EF4-FFF2-40B4-BE49-F238E27FC236}">
-                <a16:creationId xmlns:a16="http://schemas.microsoft.com/office/drawing/2014/main" id="{D800EA01-31F0-4E8C-8AB8-174C2E3C04B6}"/>
-              </a:ext>
-            </a:extLst>
-          </p:cNvPr>
-          <p:cNvSpPr/>
-          <p:nvPr/>
-        </p:nvSpPr>
-        <p:spPr>
-          <a:xfrm>
-            <a:off x="4844853" y="5607676"/>
-            <a:ext cx="2402196" cy="369332"/>
-          </a:xfrm>
-          <a:prstGeom prst="rect">
-            <a:avLst/>
-          </a:prstGeom>
-        </p:spPr>
-        <p:txBody>
-          <a:bodyPr wrap="none">
-            <a:spAutoFit/>
-          </a:bodyPr>
-          <a:lstStyle/>
-          <a:p>
-            <a:r>
-              <a:rPr lang="en-US" dirty="0" err="1"/>
-              <a:t>Plotter_all_WPT_motor</a:t>
-            </a:r>
-            <a:endParaRPr lang="en-US" dirty="0"/>
-          </a:p>
-        </p:txBody>
-      </p:sp>
-      <p:sp>
-        <p:nvSpPr>
-          <p:cNvPr id="18" name="Rectangle 17">
-            <a:extLst>
-              <a:ext uri="{FF2B5EF4-FFF2-40B4-BE49-F238E27FC236}">
-                <a16:creationId xmlns:a16="http://schemas.microsoft.com/office/drawing/2014/main" id="{DCE89CE6-7D9B-455C-8337-9AAC7767C265}"/>
-              </a:ext>
-            </a:extLst>
-          </p:cNvPr>
-          <p:cNvSpPr/>
-          <p:nvPr/>
-        </p:nvSpPr>
-        <p:spPr>
-          <a:xfrm>
-            <a:off x="3724699" y="614897"/>
-            <a:ext cx="4491999" cy="369332"/>
-          </a:xfrm>
-          <a:prstGeom prst="rect">
-            <a:avLst/>
-          </a:prstGeom>
-        </p:spPr>
-        <p:txBody>
-          <a:bodyPr wrap="none">
-            <a:spAutoFit/>
-          </a:bodyPr>
-          <a:lstStyle/>
-          <a:p>
-            <a:r>
-              <a:rPr lang="en-US" dirty="0"/>
-              <a:t>D:\Github\WPTMotor\Test-Result\2021.11.29</a:t>
-            </a:r>
-          </a:p>
-        </p:txBody>
-      </p:sp>
-    </p:spTree>
-    <p:extLst>
-      <p:ext uri="{BB962C8B-B14F-4D97-AF65-F5344CB8AC3E}">
-        <p14:creationId xmlns:p14="http://schemas.microsoft.com/office/powerpoint/2010/main" val="1722771054"/>
-      </p:ext>
-    </p:extLst>
-  </p:cSld>
-  <p:clrMapOvr>
-    <a:masterClrMapping/>
-  </p:clrMapOvr>
-</p:sld>
-</file>
-
-<file path=ppt/slides/slide7.xml><?xml version="1.0" encoding="utf-8"?>
-<p:sld xmlns:a="http://schemas.openxmlformats.org/drawingml/2006/main" xmlns:r="http://schemas.openxmlformats.org/officeDocument/2006/relationships" xmlns:p="http://schemas.openxmlformats.org/presentationml/2006/main">
-  <p:cSld>
-    <p:spTree>
-      <p:nvGrpSpPr>
-        <p:cNvPr id="1" name=""/>
-        <p:cNvGrpSpPr/>
-        <p:nvPr/>
-      </p:nvGrpSpPr>
-      <p:grpSpPr>
-        <a:xfrm>
-          <a:off x="0" y="0"/>
-          <a:ext cx="0" cy="0"/>
-          <a:chOff x="0" y="0"/>
-          <a:chExt cx="0" cy="0"/>
-        </a:xfrm>
-      </p:grpSpPr>
-      <p:sp>
-        <p:nvSpPr>
-          <p:cNvPr id="13" name="Rectangle 12">
-            <a:extLst>
-              <a:ext uri="{FF2B5EF4-FFF2-40B4-BE49-F238E27FC236}">
-                <a16:creationId xmlns:a16="http://schemas.microsoft.com/office/drawing/2014/main" id="{E36B8128-D131-456B-908A-2D87E8F88099}"/>
-              </a:ext>
-            </a:extLst>
-          </p:cNvPr>
-          <p:cNvSpPr/>
-          <p:nvPr/>
-        </p:nvSpPr>
-        <p:spPr>
-          <a:xfrm>
-            <a:off x="4581520" y="1189982"/>
-            <a:ext cx="4491999" cy="369332"/>
-          </a:xfrm>
-          <a:prstGeom prst="rect">
-            <a:avLst/>
-          </a:prstGeom>
-        </p:spPr>
-        <p:txBody>
-          <a:bodyPr wrap="none">
-            <a:spAutoFit/>
-          </a:bodyPr>
-          <a:lstStyle/>
-          <a:p>
-            <a:r>
-              <a:rPr lang="en-US" dirty="0"/>
-              <a:t>D:\Github\WPTMotor\Test-Result\2021.11.29</a:t>
-            </a:r>
-          </a:p>
-        </p:txBody>
-      </p:sp>
-      <p:pic>
-        <p:nvPicPr>
-          <p:cNvPr id="24" name="Picture 23">
-            <a:extLst>
-              <a:ext uri="{FF2B5EF4-FFF2-40B4-BE49-F238E27FC236}">
-                <a16:creationId xmlns:a16="http://schemas.microsoft.com/office/drawing/2014/main" id="{8B2D3155-26C4-401B-B921-01E93EBF55DF}"/>
-              </a:ext>
-            </a:extLst>
-          </p:cNvPr>
-          <p:cNvPicPr>
-            <a:picLocks noChangeAspect="1"/>
-          </p:cNvPicPr>
-          <p:nvPr/>
-        </p:nvPicPr>
-        <p:blipFill>
-          <a:blip r:embed="rId2"/>
-          <a:stretch>
-            <a:fillRect/>
-          </a:stretch>
-        </p:blipFill>
-        <p:spPr>
-          <a:xfrm>
-            <a:off x="3334555" y="2624608"/>
-            <a:ext cx="3810000" cy="1905000"/>
-          </a:xfrm>
-          <a:prstGeom prst="rect">
-            <a:avLst/>
-          </a:prstGeom>
-        </p:spPr>
-      </p:pic>
-    </p:spTree>
-    <p:extLst>
-      <p:ext uri="{BB962C8B-B14F-4D97-AF65-F5344CB8AC3E}">
-        <p14:creationId xmlns:p14="http://schemas.microsoft.com/office/powerpoint/2010/main" val="2958766520"/>
+        <p14:creationId xmlns:p14="http://schemas.microsoft.com/office/powerpoint/2010/main" val="1087101642"/>
       </p:ext>
     </p:extLst>
   </p:cSld>
@@ -5915,10 +9271,610 @@
           <a:chExt cx="0" cy="0"/>
         </a:xfrm>
       </p:grpSpPr>
+      <p:pic>
+        <p:nvPicPr>
+          <p:cNvPr id="15" name="Picture 14">
+            <a:extLst>
+              <a:ext uri="{FF2B5EF4-FFF2-40B4-BE49-F238E27FC236}">
+                <a16:creationId xmlns:a16="http://schemas.microsoft.com/office/drawing/2014/main" id="{C9E8F01E-14A4-4789-88A0-C16DD83ED5E2}"/>
+              </a:ext>
+            </a:extLst>
+          </p:cNvPr>
+          <p:cNvPicPr>
+            <a:picLocks noChangeAspect="1"/>
+          </p:cNvPicPr>
+          <p:nvPr/>
+        </p:nvPicPr>
+        <p:blipFill>
+          <a:blip r:embed="rId2"/>
+          <a:stretch>
+            <a:fillRect/>
+          </a:stretch>
+        </p:blipFill>
+        <p:spPr>
+          <a:xfrm>
+            <a:off x="2761981" y="1614286"/>
+            <a:ext cx="5715000" cy="1428750"/>
+          </a:xfrm>
+          <a:prstGeom prst="rect">
+            <a:avLst/>
+          </a:prstGeom>
+        </p:spPr>
+      </p:pic>
+      <p:pic>
+        <p:nvPicPr>
+          <p:cNvPr id="14" name="Picture 13">
+            <a:extLst>
+              <a:ext uri="{FF2B5EF4-FFF2-40B4-BE49-F238E27FC236}">
+                <a16:creationId xmlns:a16="http://schemas.microsoft.com/office/drawing/2014/main" id="{B91CA262-E24B-4A93-B451-7B6BF3DEE649}"/>
+              </a:ext>
+            </a:extLst>
+          </p:cNvPr>
+          <p:cNvPicPr>
+            <a:picLocks noChangeAspect="1"/>
+          </p:cNvPicPr>
+          <p:nvPr/>
+        </p:nvPicPr>
+        <p:blipFill>
+          <a:blip r:embed="rId3"/>
+          <a:stretch>
+            <a:fillRect/>
+          </a:stretch>
+        </p:blipFill>
+        <p:spPr>
+          <a:xfrm>
+            <a:off x="2761981" y="3043036"/>
+            <a:ext cx="5715000" cy="1428750"/>
+          </a:xfrm>
+          <a:prstGeom prst="rect">
+            <a:avLst/>
+          </a:prstGeom>
+        </p:spPr>
+      </p:pic>
+      <p:cxnSp>
+        <p:nvCxnSpPr>
+          <p:cNvPr id="6" name="Straight Connector 5">
+            <a:extLst>
+              <a:ext uri="{FF2B5EF4-FFF2-40B4-BE49-F238E27FC236}">
+                <a16:creationId xmlns:a16="http://schemas.microsoft.com/office/drawing/2014/main" id="{E6BC6832-45B5-4042-9D1B-902DFC08C2B3}"/>
+              </a:ext>
+            </a:extLst>
+          </p:cNvPr>
+          <p:cNvCxnSpPr>
+            <a:cxnSpLocks/>
+          </p:cNvCxnSpPr>
+          <p:nvPr/>
+        </p:nvCxnSpPr>
+        <p:spPr>
+          <a:xfrm>
+            <a:off x="4509095" y="1514606"/>
+            <a:ext cx="0" cy="2508504"/>
+          </a:xfrm>
+          <a:prstGeom prst="line">
+            <a:avLst/>
+          </a:prstGeom>
+          <a:ln w="9525">
+            <a:solidFill>
+              <a:schemeClr val="bg2">
+                <a:lumMod val="25000"/>
+              </a:schemeClr>
+            </a:solidFill>
+            <a:prstDash val="dash"/>
+          </a:ln>
+        </p:spPr>
+        <p:style>
+          <a:lnRef idx="1">
+            <a:schemeClr val="accent1"/>
+          </a:lnRef>
+          <a:fillRef idx="0">
+            <a:schemeClr val="accent1"/>
+          </a:fillRef>
+          <a:effectRef idx="0">
+            <a:schemeClr val="accent1"/>
+          </a:effectRef>
+          <a:fontRef idx="minor">
+            <a:schemeClr val="tx1"/>
+          </a:fontRef>
+        </p:style>
+      </p:cxnSp>
+      <mc:AlternateContent xmlns:mc="http://schemas.openxmlformats.org/markup-compatibility/2006">
+        <mc:Choice xmlns:a14="http://schemas.microsoft.com/office/drawing/2010/main" Requires="a14">
+          <p:sp>
+            <p:nvSpPr>
+              <p:cNvPr id="7" name="TextBox 6">
+                <a:extLst>
+                  <a:ext uri="{FF2B5EF4-FFF2-40B4-BE49-F238E27FC236}">
+                    <a16:creationId xmlns:a16="http://schemas.microsoft.com/office/drawing/2014/main" id="{9D5FE409-9E47-4E3A-AE0A-0CFBCFEE3CD4}"/>
+                  </a:ext>
+                </a:extLst>
+              </p:cNvPr>
+              <p:cNvSpPr txBox="1"/>
+              <p:nvPr/>
+            </p:nvSpPr>
+            <p:spPr>
+              <a:xfrm>
+                <a:off x="4427855" y="1329940"/>
+                <a:ext cx="162480" cy="184666"/>
+              </a:xfrm>
+              <a:prstGeom prst="rect">
+                <a:avLst/>
+              </a:prstGeom>
+              <a:noFill/>
+            </p:spPr>
+            <p:txBody>
+              <a:bodyPr wrap="none" lIns="0" tIns="0" rIns="0" bIns="0" rtlCol="0">
+                <a:spAutoFit/>
+              </a:bodyPr>
+              <a:lstStyle/>
+              <a:p>
+                <a:pPr/>
+                <a14:m>
+                  <m:oMathPara xmlns:m="http://schemas.openxmlformats.org/officeDocument/2006/math">
+                    <m:oMathParaPr>
+                      <m:jc m:val="centerGroup"/>
+                    </m:oMathParaPr>
+                    <m:oMath xmlns:m="http://schemas.openxmlformats.org/officeDocument/2006/math">
+                      <m:sSub>
+                        <m:sSubPr>
+                          <m:ctrlPr>
+                            <a:rPr lang="en-US" sz="1200" b="0" i="1" smtClean="0">
+                              <a:latin typeface="Cambria Math" panose="02040503050406030204" pitchFamily="18" charset="0"/>
+                            </a:rPr>
+                          </m:ctrlPr>
+                        </m:sSubPr>
+                        <m:e>
+                          <m:r>
+                            <a:rPr lang="en-US" sz="1200" b="0" i="1" smtClean="0">
+                              <a:latin typeface="Cambria Math" panose="02040503050406030204" pitchFamily="18" charset="0"/>
+                            </a:rPr>
+                            <m:t>𝑡</m:t>
+                          </m:r>
+                        </m:e>
+                        <m:sub>
+                          <m:r>
+                            <a:rPr lang="en-US" sz="1200" b="0" i="1" smtClean="0">
+                              <a:latin typeface="Cambria Math" panose="02040503050406030204" pitchFamily="18" charset="0"/>
+                            </a:rPr>
+                            <m:t>1</m:t>
+                          </m:r>
+                        </m:sub>
+                      </m:sSub>
+                    </m:oMath>
+                  </m:oMathPara>
+                </a14:m>
+                <a:endParaRPr lang="en-US" sz="1200" dirty="0"/>
+              </a:p>
+            </p:txBody>
+          </p:sp>
+        </mc:Choice>
+        <mc:Fallback>
+          <p:sp>
+            <p:nvSpPr>
+              <p:cNvPr id="7" name="TextBox 6">
+                <a:extLst>
+                  <a:ext uri="{FF2B5EF4-FFF2-40B4-BE49-F238E27FC236}">
+                    <a16:creationId xmlns:a16="http://schemas.microsoft.com/office/drawing/2014/main" id="{9D5FE409-9E47-4E3A-AE0A-0CFBCFEE3CD4}"/>
+                  </a:ext>
+                </a:extLst>
+              </p:cNvPr>
+              <p:cNvSpPr txBox="1">
+                <a:spLocks noRot="1" noChangeAspect="1" noMove="1" noResize="1" noEditPoints="1" noAdjustHandles="1" noChangeArrowheads="1" noChangeShapeType="1" noTextEdit="1"/>
+              </p:cNvSpPr>
+              <p:nvPr/>
+            </p:nvSpPr>
+            <p:spPr>
+              <a:xfrm>
+                <a:off x="4427855" y="1329940"/>
+                <a:ext cx="162480" cy="184666"/>
+              </a:xfrm>
+              <a:prstGeom prst="rect">
+                <a:avLst/>
+              </a:prstGeom>
+              <a:blipFill>
+                <a:blip r:embed="rId4"/>
+                <a:stretch>
+                  <a:fillRect l="-18519" r="-3704" b="-13333"/>
+                </a:stretch>
+              </a:blipFill>
+            </p:spPr>
+            <p:txBody>
+              <a:bodyPr/>
+              <a:lstStyle/>
+              <a:p>
+                <a:r>
+                  <a:rPr lang="en-US">
+                    <a:noFill/>
+                  </a:rPr>
+                  <a:t> </a:t>
+                </a:r>
+              </a:p>
+            </p:txBody>
+          </p:sp>
+        </mc:Fallback>
+      </mc:AlternateContent>
+      <p:cxnSp>
+        <p:nvCxnSpPr>
+          <p:cNvPr id="8" name="Straight Connector 7">
+            <a:extLst>
+              <a:ext uri="{FF2B5EF4-FFF2-40B4-BE49-F238E27FC236}">
+                <a16:creationId xmlns:a16="http://schemas.microsoft.com/office/drawing/2014/main" id="{6E83F748-9A31-46E3-A1AE-E8B2827C08C8}"/>
+              </a:ext>
+            </a:extLst>
+          </p:cNvPr>
+          <p:cNvCxnSpPr>
+            <a:cxnSpLocks/>
+          </p:cNvCxnSpPr>
+          <p:nvPr/>
+        </p:nvCxnSpPr>
+        <p:spPr>
+          <a:xfrm>
+            <a:off x="6849898" y="1514606"/>
+            <a:ext cx="0" cy="2508504"/>
+          </a:xfrm>
+          <a:prstGeom prst="line">
+            <a:avLst/>
+          </a:prstGeom>
+          <a:ln w="9525">
+            <a:solidFill>
+              <a:schemeClr val="bg2">
+                <a:lumMod val="25000"/>
+              </a:schemeClr>
+            </a:solidFill>
+            <a:prstDash val="dash"/>
+          </a:ln>
+        </p:spPr>
+        <p:style>
+          <a:lnRef idx="1">
+            <a:schemeClr val="accent1"/>
+          </a:lnRef>
+          <a:fillRef idx="0">
+            <a:schemeClr val="accent1"/>
+          </a:fillRef>
+          <a:effectRef idx="0">
+            <a:schemeClr val="accent1"/>
+          </a:effectRef>
+          <a:fontRef idx="minor">
+            <a:schemeClr val="tx1"/>
+          </a:fontRef>
+        </p:style>
+      </p:cxnSp>
+      <mc:AlternateContent xmlns:mc="http://schemas.openxmlformats.org/markup-compatibility/2006">
+        <mc:Choice xmlns:a14="http://schemas.microsoft.com/office/drawing/2010/main" Requires="a14">
+          <p:sp>
+            <p:nvSpPr>
+              <p:cNvPr id="9" name="TextBox 8">
+                <a:extLst>
+                  <a:ext uri="{FF2B5EF4-FFF2-40B4-BE49-F238E27FC236}">
+                    <a16:creationId xmlns:a16="http://schemas.microsoft.com/office/drawing/2014/main" id="{F0637DE4-7BC8-4B5E-B13B-454EF9E2F061}"/>
+                  </a:ext>
+                </a:extLst>
+              </p:cNvPr>
+              <p:cNvSpPr txBox="1"/>
+              <p:nvPr/>
+            </p:nvSpPr>
+            <p:spPr>
+              <a:xfrm>
+                <a:off x="6766862" y="1329940"/>
+                <a:ext cx="166071" cy="184666"/>
+              </a:xfrm>
+              <a:prstGeom prst="rect">
+                <a:avLst/>
+              </a:prstGeom>
+              <a:noFill/>
+            </p:spPr>
+            <p:txBody>
+              <a:bodyPr wrap="none" lIns="0" tIns="0" rIns="0" bIns="0" rtlCol="0">
+                <a:spAutoFit/>
+              </a:bodyPr>
+              <a:lstStyle/>
+              <a:p>
+                <a:pPr/>
+                <a14:m>
+                  <m:oMathPara xmlns:m="http://schemas.openxmlformats.org/officeDocument/2006/math">
+                    <m:oMathParaPr>
+                      <m:jc m:val="centerGroup"/>
+                    </m:oMathParaPr>
+                    <m:oMath xmlns:m="http://schemas.openxmlformats.org/officeDocument/2006/math">
+                      <m:sSub>
+                        <m:sSubPr>
+                          <m:ctrlPr>
+                            <a:rPr lang="en-US" sz="1200" b="0" i="1" smtClean="0">
+                              <a:latin typeface="Cambria Math" panose="02040503050406030204" pitchFamily="18" charset="0"/>
+                            </a:rPr>
+                          </m:ctrlPr>
+                        </m:sSubPr>
+                        <m:e>
+                          <m:r>
+                            <a:rPr lang="en-US" sz="1200" b="0" i="1" smtClean="0">
+                              <a:latin typeface="Cambria Math" panose="02040503050406030204" pitchFamily="18" charset="0"/>
+                            </a:rPr>
+                            <m:t>𝑡</m:t>
+                          </m:r>
+                        </m:e>
+                        <m:sub>
+                          <m:r>
+                            <a:rPr lang="en-US" sz="1200" b="0" i="1" smtClean="0">
+                              <a:latin typeface="Cambria Math" panose="02040503050406030204" pitchFamily="18" charset="0"/>
+                            </a:rPr>
+                            <m:t>2</m:t>
+                          </m:r>
+                        </m:sub>
+                      </m:sSub>
+                    </m:oMath>
+                  </m:oMathPara>
+                </a14:m>
+                <a:endParaRPr lang="en-US" sz="1200" dirty="0"/>
+              </a:p>
+            </p:txBody>
+          </p:sp>
+        </mc:Choice>
+        <mc:Fallback>
+          <p:sp>
+            <p:nvSpPr>
+              <p:cNvPr id="9" name="TextBox 8">
+                <a:extLst>
+                  <a:ext uri="{FF2B5EF4-FFF2-40B4-BE49-F238E27FC236}">
+                    <a16:creationId xmlns:a16="http://schemas.microsoft.com/office/drawing/2014/main" id="{F0637DE4-7BC8-4B5E-B13B-454EF9E2F061}"/>
+                  </a:ext>
+                </a:extLst>
+              </p:cNvPr>
+              <p:cNvSpPr txBox="1">
+                <a:spLocks noRot="1" noChangeAspect="1" noMove="1" noResize="1" noEditPoints="1" noAdjustHandles="1" noChangeArrowheads="1" noChangeShapeType="1" noTextEdit="1"/>
+              </p:cNvSpPr>
+              <p:nvPr/>
+            </p:nvSpPr>
+            <p:spPr>
+              <a:xfrm>
+                <a:off x="6766862" y="1329940"/>
+                <a:ext cx="166071" cy="184666"/>
+              </a:xfrm>
+              <a:prstGeom prst="rect">
+                <a:avLst/>
+              </a:prstGeom>
+              <a:blipFill>
+                <a:blip r:embed="rId5"/>
+                <a:stretch>
+                  <a:fillRect l="-18519" r="-7407" b="-13333"/>
+                </a:stretch>
+              </a:blipFill>
+            </p:spPr>
+            <p:txBody>
+              <a:bodyPr/>
+              <a:lstStyle/>
+              <a:p>
+                <a:r>
+                  <a:rPr lang="en-US">
+                    <a:noFill/>
+                  </a:rPr>
+                  <a:t> </a:t>
+                </a:r>
+              </a:p>
+            </p:txBody>
+          </p:sp>
+        </mc:Fallback>
+      </mc:AlternateContent>
+      <p:sp>
+        <p:nvSpPr>
+          <p:cNvPr id="16" name="Rectangle 15">
+            <a:extLst>
+              <a:ext uri="{FF2B5EF4-FFF2-40B4-BE49-F238E27FC236}">
+                <a16:creationId xmlns:a16="http://schemas.microsoft.com/office/drawing/2014/main" id="{262D0F2B-1AFB-4DBB-8685-8C5F26F44ADE}"/>
+              </a:ext>
+            </a:extLst>
+          </p:cNvPr>
+          <p:cNvSpPr/>
+          <p:nvPr/>
+        </p:nvSpPr>
+        <p:spPr>
+          <a:xfrm>
+            <a:off x="3734090" y="416878"/>
+            <a:ext cx="4491999" cy="369332"/>
+          </a:xfrm>
+          <a:prstGeom prst="rect">
+            <a:avLst/>
+          </a:prstGeom>
+        </p:spPr>
+        <p:txBody>
+          <a:bodyPr wrap="none">
+            <a:spAutoFit/>
+          </a:bodyPr>
+          <a:lstStyle/>
+          <a:p>
+            <a:r>
+              <a:rPr lang="en-US" dirty="0"/>
+              <a:t>D:\Github\WPTMotor\Test-Result\2022.12.01</a:t>
+            </a:r>
+          </a:p>
+        </p:txBody>
+      </p:sp>
+      <p:sp>
+        <p:nvSpPr>
+          <p:cNvPr id="18" name="Rectangle 17">
+            <a:extLst>
+              <a:ext uri="{FF2B5EF4-FFF2-40B4-BE49-F238E27FC236}">
+                <a16:creationId xmlns:a16="http://schemas.microsoft.com/office/drawing/2014/main" id="{0A0C97DF-94F3-4C1D-A20C-F8CC816CAE95}"/>
+              </a:ext>
+            </a:extLst>
+          </p:cNvPr>
+          <p:cNvSpPr/>
+          <p:nvPr/>
+        </p:nvSpPr>
+        <p:spPr>
+          <a:xfrm>
+            <a:off x="4291804" y="5715870"/>
+            <a:ext cx="2938690" cy="369332"/>
+          </a:xfrm>
+          <a:prstGeom prst="rect">
+            <a:avLst/>
+          </a:prstGeom>
+        </p:spPr>
+        <p:txBody>
+          <a:bodyPr wrap="none">
+            <a:spAutoFit/>
+          </a:bodyPr>
+          <a:lstStyle/>
+          <a:p>
+            <a:r>
+              <a:rPr lang="en-US" dirty="0"/>
+              <a:t>data_plotter_transient_tx_v2</a:t>
+            </a:r>
+          </a:p>
+        </p:txBody>
+      </p:sp>
     </p:spTree>
     <p:extLst>
       <p:ext uri="{BB962C8B-B14F-4D97-AF65-F5344CB8AC3E}">
-        <p14:creationId xmlns:p14="http://schemas.microsoft.com/office/powerpoint/2010/main" val="3895981147"/>
+        <p14:creationId xmlns:p14="http://schemas.microsoft.com/office/powerpoint/2010/main" val="1314111917"/>
+      </p:ext>
+    </p:extLst>
+  </p:cSld>
+  <p:clrMapOvr>
+    <a:masterClrMapping/>
+  </p:clrMapOvr>
+</p:sld>
+</file>
+
+<file path=ppt/slides/slide9.xml><?xml version="1.0" encoding="utf-8"?>
+<p:sld xmlns:a="http://schemas.openxmlformats.org/drawingml/2006/main" xmlns:r="http://schemas.openxmlformats.org/officeDocument/2006/relationships" xmlns:p="http://schemas.openxmlformats.org/presentationml/2006/main">
+  <p:cSld>
+    <p:spTree>
+      <p:nvGrpSpPr>
+        <p:cNvPr id="1" name=""/>
+        <p:cNvGrpSpPr/>
+        <p:nvPr/>
+      </p:nvGrpSpPr>
+      <p:grpSpPr>
+        <a:xfrm>
+          <a:off x="0" y="0"/>
+          <a:ext cx="0" cy="0"/>
+          <a:chOff x="0" y="0"/>
+          <a:chExt cx="0" cy="0"/>
+        </a:xfrm>
+      </p:grpSpPr>
+      <p:pic>
+        <p:nvPicPr>
+          <p:cNvPr id="17" name="Picture 16">
+            <a:extLst>
+              <a:ext uri="{FF2B5EF4-FFF2-40B4-BE49-F238E27FC236}">
+                <a16:creationId xmlns:a16="http://schemas.microsoft.com/office/drawing/2014/main" id="{C9AFB836-6469-45E2-9832-ED7285D6FE9A}"/>
+              </a:ext>
+            </a:extLst>
+          </p:cNvPr>
+          <p:cNvPicPr>
+            <a:picLocks noChangeAspect="1"/>
+          </p:cNvPicPr>
+          <p:nvPr/>
+        </p:nvPicPr>
+        <p:blipFill>
+          <a:blip r:embed="rId2"/>
+          <a:stretch>
+            <a:fillRect/>
+          </a:stretch>
+        </p:blipFill>
+        <p:spPr>
+          <a:xfrm>
+            <a:off x="678158" y="1037071"/>
+            <a:ext cx="3810000" cy="1905000"/>
+          </a:xfrm>
+          <a:prstGeom prst="rect">
+            <a:avLst/>
+          </a:prstGeom>
+        </p:spPr>
+      </p:pic>
+      <p:pic>
+        <p:nvPicPr>
+          <p:cNvPr id="18" name="Picture 17">
+            <a:extLst>
+              <a:ext uri="{FF2B5EF4-FFF2-40B4-BE49-F238E27FC236}">
+                <a16:creationId xmlns:a16="http://schemas.microsoft.com/office/drawing/2014/main" id="{3B803906-51B3-4E84-9538-BC3B21F49B2E}"/>
+              </a:ext>
+            </a:extLst>
+          </p:cNvPr>
+          <p:cNvPicPr>
+            <a:picLocks noChangeAspect="1"/>
+          </p:cNvPicPr>
+          <p:nvPr/>
+        </p:nvPicPr>
+        <p:blipFill>
+          <a:blip r:embed="rId3"/>
+          <a:stretch>
+            <a:fillRect/>
+          </a:stretch>
+        </p:blipFill>
+        <p:spPr>
+          <a:xfrm>
+            <a:off x="678158" y="3457226"/>
+            <a:ext cx="3810000" cy="1905000"/>
+          </a:xfrm>
+          <a:prstGeom prst="rect">
+            <a:avLst/>
+          </a:prstGeom>
+        </p:spPr>
+      </p:pic>
+      <p:pic>
+        <p:nvPicPr>
+          <p:cNvPr id="2" name="Picture 1">
+            <a:extLst>
+              <a:ext uri="{FF2B5EF4-FFF2-40B4-BE49-F238E27FC236}">
+                <a16:creationId xmlns:a16="http://schemas.microsoft.com/office/drawing/2014/main" id="{85D9D825-439D-4D17-B42E-F8559A1164B7}"/>
+              </a:ext>
+            </a:extLst>
+          </p:cNvPr>
+          <p:cNvPicPr>
+            <a:picLocks noChangeAspect="1"/>
+          </p:cNvPicPr>
+          <p:nvPr/>
+        </p:nvPicPr>
+        <p:blipFill>
+          <a:blip r:embed="rId4"/>
+          <a:stretch>
+            <a:fillRect/>
+          </a:stretch>
+        </p:blipFill>
+        <p:spPr>
+          <a:xfrm>
+            <a:off x="5324878" y="1037071"/>
+            <a:ext cx="5715000" cy="1905000"/>
+          </a:xfrm>
+          <a:prstGeom prst="rect">
+            <a:avLst/>
+          </a:prstGeom>
+        </p:spPr>
+      </p:pic>
+      <p:pic>
+        <p:nvPicPr>
+          <p:cNvPr id="3" name="Picture 2">
+            <a:extLst>
+              <a:ext uri="{FF2B5EF4-FFF2-40B4-BE49-F238E27FC236}">
+                <a16:creationId xmlns:a16="http://schemas.microsoft.com/office/drawing/2014/main" id="{F3CCCA8D-0BE7-4D94-8E5B-3249EA725526}"/>
+              </a:ext>
+            </a:extLst>
+          </p:cNvPr>
+          <p:cNvPicPr>
+            <a:picLocks noChangeAspect="1"/>
+          </p:cNvPicPr>
+          <p:nvPr/>
+        </p:nvPicPr>
+        <p:blipFill>
+          <a:blip r:embed="rId5"/>
+          <a:stretch>
+            <a:fillRect/>
+          </a:stretch>
+        </p:blipFill>
+        <p:spPr>
+          <a:xfrm>
+            <a:off x="5279801" y="3229914"/>
+            <a:ext cx="5715000" cy="1905000"/>
+          </a:xfrm>
+          <a:prstGeom prst="rect">
+            <a:avLst/>
+          </a:prstGeom>
+        </p:spPr>
+      </p:pic>
+    </p:spTree>
+    <p:extLst>
+      <p:ext uri="{BB962C8B-B14F-4D97-AF65-F5344CB8AC3E}">
+        <p14:creationId xmlns:p14="http://schemas.microsoft.com/office/powerpoint/2010/main" val="4000646965"/>
       </p:ext>
     </p:extLst>
   </p:cSld>

--- a/Test-Result/2022.12.01/New Microsoft PowerPoint Presentation.pptx
+++ b/Test-Result/2022.12.01/New Microsoft PowerPoint Presentation.pptx
@@ -18,9 +18,10 @@
     <p:sldId id="262" r:id="rId12"/>
     <p:sldId id="267" r:id="rId13"/>
     <p:sldId id="269" r:id="rId14"/>
-    <p:sldId id="261" r:id="rId15"/>
-    <p:sldId id="263" r:id="rId16"/>
-    <p:sldId id="268" r:id="rId17"/>
+    <p:sldId id="272" r:id="rId15"/>
+    <p:sldId id="261" r:id="rId16"/>
+    <p:sldId id="263" r:id="rId17"/>
+    <p:sldId id="268" r:id="rId18"/>
   </p:sldIdLst>
   <p:sldSz cx="12192000" cy="6858000"/>
   <p:notesSz cx="6858000" cy="9144000"/>
@@ -274,7 +275,7 @@
           <a:p>
             <a:fld id="{818D92CC-00E8-4D30-8D68-0F4CD445B4D9}" type="datetimeFigureOut">
               <a:rPr lang="en-US" smtClean="0"/>
-              <a:t>1/6/2022</a:t>
+              <a:t>3/21/2022</a:t>
             </a:fld>
             <a:endParaRPr lang="en-US"/>
           </a:p>
@@ -472,7 +473,7 @@
           <a:p>
             <a:fld id="{818D92CC-00E8-4D30-8D68-0F4CD445B4D9}" type="datetimeFigureOut">
               <a:rPr lang="en-US" smtClean="0"/>
-              <a:t>1/6/2022</a:t>
+              <a:t>3/21/2022</a:t>
             </a:fld>
             <a:endParaRPr lang="en-US"/>
           </a:p>
@@ -680,7 +681,7 @@
           <a:p>
             <a:fld id="{818D92CC-00E8-4D30-8D68-0F4CD445B4D9}" type="datetimeFigureOut">
               <a:rPr lang="en-US" smtClean="0"/>
-              <a:t>1/6/2022</a:t>
+              <a:t>3/21/2022</a:t>
             </a:fld>
             <a:endParaRPr lang="en-US"/>
           </a:p>
@@ -878,7 +879,7 @@
           <a:p>
             <a:fld id="{818D92CC-00E8-4D30-8D68-0F4CD445B4D9}" type="datetimeFigureOut">
               <a:rPr lang="en-US" smtClean="0"/>
-              <a:t>1/6/2022</a:t>
+              <a:t>3/21/2022</a:t>
             </a:fld>
             <a:endParaRPr lang="en-US"/>
           </a:p>
@@ -1153,7 +1154,7 @@
           <a:p>
             <a:fld id="{818D92CC-00E8-4D30-8D68-0F4CD445B4D9}" type="datetimeFigureOut">
               <a:rPr lang="en-US" smtClean="0"/>
-              <a:t>1/6/2022</a:t>
+              <a:t>3/21/2022</a:t>
             </a:fld>
             <a:endParaRPr lang="en-US"/>
           </a:p>
@@ -1418,7 +1419,7 @@
           <a:p>
             <a:fld id="{818D92CC-00E8-4D30-8D68-0F4CD445B4D9}" type="datetimeFigureOut">
               <a:rPr lang="en-US" smtClean="0"/>
-              <a:t>1/6/2022</a:t>
+              <a:t>3/21/2022</a:t>
             </a:fld>
             <a:endParaRPr lang="en-US"/>
           </a:p>
@@ -1830,7 +1831,7 @@
           <a:p>
             <a:fld id="{818D92CC-00E8-4D30-8D68-0F4CD445B4D9}" type="datetimeFigureOut">
               <a:rPr lang="en-US" smtClean="0"/>
-              <a:t>1/6/2022</a:t>
+              <a:t>3/21/2022</a:t>
             </a:fld>
             <a:endParaRPr lang="en-US"/>
           </a:p>
@@ -1971,7 +1972,7 @@
           <a:p>
             <a:fld id="{818D92CC-00E8-4D30-8D68-0F4CD445B4D9}" type="datetimeFigureOut">
               <a:rPr lang="en-US" smtClean="0"/>
-              <a:t>1/6/2022</a:t>
+              <a:t>3/21/2022</a:t>
             </a:fld>
             <a:endParaRPr lang="en-US"/>
           </a:p>
@@ -2084,7 +2085,7 @@
           <a:p>
             <a:fld id="{818D92CC-00E8-4D30-8D68-0F4CD445B4D9}" type="datetimeFigureOut">
               <a:rPr lang="en-US" smtClean="0"/>
-              <a:t>1/6/2022</a:t>
+              <a:t>3/21/2022</a:t>
             </a:fld>
             <a:endParaRPr lang="en-US"/>
           </a:p>
@@ -2395,7 +2396,7 @@
           <a:p>
             <a:fld id="{818D92CC-00E8-4D30-8D68-0F4CD445B4D9}" type="datetimeFigureOut">
               <a:rPr lang="en-US" smtClean="0"/>
-              <a:t>1/6/2022</a:t>
+              <a:t>3/21/2022</a:t>
             </a:fld>
             <a:endParaRPr lang="en-US"/>
           </a:p>
@@ -2683,7 +2684,7 @@
           <a:p>
             <a:fld id="{818D92CC-00E8-4D30-8D68-0F4CD445B4D9}" type="datetimeFigureOut">
               <a:rPr lang="en-US" smtClean="0"/>
-              <a:t>1/6/2022</a:t>
+              <a:t>3/21/2022</a:t>
             </a:fld>
             <a:endParaRPr lang="en-US"/>
           </a:p>
@@ -2924,7 +2925,7 @@
           <a:p>
             <a:fld id="{818D92CC-00E8-4D30-8D68-0F4CD445B4D9}" type="datetimeFigureOut">
               <a:rPr lang="en-US" smtClean="0"/>
-              <a:t>1/6/2022</a:t>
+              <a:t>3/21/2022</a:t>
             </a:fld>
             <a:endParaRPr lang="en-US"/>
           </a:p>
@@ -4727,46 +4728,12 @@
           <a:chExt cx="0" cy="0"/>
         </a:xfrm>
       </p:grpSpPr>
-      <p:sp>
-        <p:nvSpPr>
-          <p:cNvPr id="13" name="Rectangle 12">
-            <a:extLst>
-              <a:ext uri="{FF2B5EF4-FFF2-40B4-BE49-F238E27FC236}">
-                <a16:creationId xmlns:a16="http://schemas.microsoft.com/office/drawing/2014/main" id="{E36B8128-D131-456B-908A-2D87E8F88099}"/>
-              </a:ext>
-            </a:extLst>
-          </p:cNvPr>
-          <p:cNvSpPr/>
-          <p:nvPr/>
-        </p:nvSpPr>
-        <p:spPr>
-          <a:xfrm>
-            <a:off x="4285306" y="1428241"/>
-            <a:ext cx="4491999" cy="369332"/>
-          </a:xfrm>
-          <a:prstGeom prst="rect">
-            <a:avLst/>
-          </a:prstGeom>
-        </p:spPr>
-        <p:txBody>
-          <a:bodyPr wrap="none">
-            <a:spAutoFit/>
-          </a:bodyPr>
-          <a:lstStyle/>
-          <a:p>
-            <a:r>
-              <a:rPr lang="en-US" dirty="0"/>
-              <a:t>D:\Github\WPTMotor\Test-Result\2021.11.29</a:t>
-            </a:r>
-          </a:p>
-        </p:txBody>
-      </p:sp>
       <p:pic>
         <p:nvPicPr>
-          <p:cNvPr id="24" name="Picture 23">
-            <a:extLst>
-              <a:ext uri="{FF2B5EF4-FFF2-40B4-BE49-F238E27FC236}">
-                <a16:creationId xmlns:a16="http://schemas.microsoft.com/office/drawing/2014/main" id="{8B2D3155-26C4-401B-B921-01E93EBF55DF}"/>
+          <p:cNvPr id="6" name="Picture 5">
+            <a:extLst>
+              <a:ext uri="{FF2B5EF4-FFF2-40B4-BE49-F238E27FC236}">
+                <a16:creationId xmlns:a16="http://schemas.microsoft.com/office/drawing/2014/main" id="{41BDAA32-E734-4E72-868A-088FE7E23400}"/>
               </a:ext>
             </a:extLst>
           </p:cNvPr>
@@ -4783,8 +4750,250 @@
         </p:blipFill>
         <p:spPr>
           <a:xfrm>
-            <a:off x="4532290" y="2160968"/>
-            <a:ext cx="3810000" cy="1905000"/>
+            <a:off x="2945130" y="1340569"/>
+            <a:ext cx="2857500" cy="1905000"/>
+          </a:xfrm>
+          <a:prstGeom prst="rect">
+            <a:avLst/>
+          </a:prstGeom>
+        </p:spPr>
+      </p:pic>
+      <p:pic>
+        <p:nvPicPr>
+          <p:cNvPr id="7" name="Picture 6">
+            <a:extLst>
+              <a:ext uri="{FF2B5EF4-FFF2-40B4-BE49-F238E27FC236}">
+                <a16:creationId xmlns:a16="http://schemas.microsoft.com/office/drawing/2014/main" id="{3E0A5E8A-C834-4731-A5D2-A3C1A7EA1493}"/>
+              </a:ext>
+            </a:extLst>
+          </p:cNvPr>
+          <p:cNvPicPr>
+            <a:picLocks noChangeAspect="1"/>
+          </p:cNvPicPr>
+          <p:nvPr/>
+        </p:nvPicPr>
+        <p:blipFill>
+          <a:blip r:embed="rId3"/>
+          <a:stretch>
+            <a:fillRect/>
+          </a:stretch>
+        </p:blipFill>
+        <p:spPr>
+          <a:xfrm>
+            <a:off x="5703496" y="1340569"/>
+            <a:ext cx="2857500" cy="1905000"/>
+          </a:xfrm>
+          <a:prstGeom prst="rect">
+            <a:avLst/>
+          </a:prstGeom>
+        </p:spPr>
+      </p:pic>
+      <p:sp>
+        <p:nvSpPr>
+          <p:cNvPr id="9" name="TextBox 8">
+            <a:extLst>
+              <a:ext uri="{FF2B5EF4-FFF2-40B4-BE49-F238E27FC236}">
+                <a16:creationId xmlns:a16="http://schemas.microsoft.com/office/drawing/2014/main" id="{18810AA3-E71B-4EE9-8F38-1093E13C1C45}"/>
+              </a:ext>
+            </a:extLst>
+          </p:cNvPr>
+          <p:cNvSpPr txBox="1"/>
+          <p:nvPr/>
+        </p:nvSpPr>
+        <p:spPr>
+          <a:xfrm>
+            <a:off x="4275221" y="3184609"/>
+            <a:ext cx="566670" cy="338554"/>
+          </a:xfrm>
+          <a:prstGeom prst="rect">
+            <a:avLst/>
+          </a:prstGeom>
+          <a:noFill/>
+        </p:spPr>
+        <p:txBody>
+          <a:bodyPr wrap="square" rtlCol="0">
+            <a:spAutoFit/>
+          </a:bodyPr>
+          <a:lstStyle/>
+          <a:p>
+            <a:r>
+              <a:rPr lang="en-US" sz="1600" dirty="0">
+                <a:latin typeface="Times New Roman" panose="02020603050405020304" pitchFamily="18" charset="0"/>
+                <a:cs typeface="Times New Roman" panose="02020603050405020304" pitchFamily="18" charset="0"/>
+              </a:rPr>
+              <a:t>a)</a:t>
+            </a:r>
+          </a:p>
+        </p:txBody>
+      </p:sp>
+      <p:sp>
+        <p:nvSpPr>
+          <p:cNvPr id="10" name="TextBox 9">
+            <a:extLst>
+              <a:ext uri="{FF2B5EF4-FFF2-40B4-BE49-F238E27FC236}">
+                <a16:creationId xmlns:a16="http://schemas.microsoft.com/office/drawing/2014/main" id="{2754EB56-F535-4128-BAF6-7E6056874781}"/>
+              </a:ext>
+            </a:extLst>
+          </p:cNvPr>
+          <p:cNvSpPr txBox="1"/>
+          <p:nvPr/>
+        </p:nvSpPr>
+        <p:spPr>
+          <a:xfrm>
+            <a:off x="7044985" y="3184609"/>
+            <a:ext cx="610251" cy="338554"/>
+          </a:xfrm>
+          <a:prstGeom prst="rect">
+            <a:avLst/>
+          </a:prstGeom>
+          <a:noFill/>
+        </p:spPr>
+        <p:txBody>
+          <a:bodyPr wrap="square" rtlCol="0">
+            <a:spAutoFit/>
+          </a:bodyPr>
+          <a:lstStyle/>
+          <a:p>
+            <a:r>
+              <a:rPr lang="en-US" sz="1600" dirty="0">
+                <a:latin typeface="Times New Roman" panose="02020603050405020304" pitchFamily="18" charset="0"/>
+                <a:cs typeface="Times New Roman" panose="02020603050405020304" pitchFamily="18" charset="0"/>
+              </a:rPr>
+              <a:t>b)</a:t>
+            </a:r>
+          </a:p>
+        </p:txBody>
+      </p:sp>
+      <p:sp>
+        <p:nvSpPr>
+          <p:cNvPr id="11" name="TextBox 10">
+            <a:extLst>
+              <a:ext uri="{FF2B5EF4-FFF2-40B4-BE49-F238E27FC236}">
+                <a16:creationId xmlns:a16="http://schemas.microsoft.com/office/drawing/2014/main" id="{B682E5B3-8DE0-4CFC-BEE6-5B08469124E5}"/>
+              </a:ext>
+            </a:extLst>
+          </p:cNvPr>
+          <p:cNvSpPr txBox="1"/>
+          <p:nvPr/>
+        </p:nvSpPr>
+        <p:spPr>
+          <a:xfrm>
+            <a:off x="5637530" y="5178877"/>
+            <a:ext cx="566670" cy="338554"/>
+          </a:xfrm>
+          <a:prstGeom prst="rect">
+            <a:avLst/>
+          </a:prstGeom>
+          <a:noFill/>
+        </p:spPr>
+        <p:txBody>
+          <a:bodyPr wrap="square" rtlCol="0">
+            <a:spAutoFit/>
+          </a:bodyPr>
+          <a:lstStyle/>
+          <a:p>
+            <a:r>
+              <a:rPr lang="en-US" sz="1600" dirty="0">
+                <a:latin typeface="Times New Roman" panose="02020603050405020304" pitchFamily="18" charset="0"/>
+                <a:cs typeface="Times New Roman" panose="02020603050405020304" pitchFamily="18" charset="0"/>
+              </a:rPr>
+              <a:t>c)</a:t>
+            </a:r>
+          </a:p>
+        </p:txBody>
+      </p:sp>
+      <p:sp>
+        <p:nvSpPr>
+          <p:cNvPr id="15" name="Rectangle 14">
+            <a:extLst>
+              <a:ext uri="{FF2B5EF4-FFF2-40B4-BE49-F238E27FC236}">
+                <a16:creationId xmlns:a16="http://schemas.microsoft.com/office/drawing/2014/main" id="{512C3867-8BE4-4A07-A8B0-DFB2C9AB8FA7}"/>
+              </a:ext>
+            </a:extLst>
+          </p:cNvPr>
+          <p:cNvSpPr/>
+          <p:nvPr/>
+        </p:nvSpPr>
+        <p:spPr>
+          <a:xfrm>
+            <a:off x="3798485" y="320830"/>
+            <a:ext cx="4491999" cy="369332"/>
+          </a:xfrm>
+          <a:prstGeom prst="rect">
+            <a:avLst/>
+          </a:prstGeom>
+        </p:spPr>
+        <p:txBody>
+          <a:bodyPr wrap="none">
+            <a:spAutoFit/>
+          </a:bodyPr>
+          <a:lstStyle/>
+          <a:p>
+            <a:r>
+              <a:rPr lang="en-US" dirty="0"/>
+              <a:t>D:\Github\WPTMotor\Test-Result\2021.11.29</a:t>
+            </a:r>
+          </a:p>
+        </p:txBody>
+      </p:sp>
+      <p:sp>
+        <p:nvSpPr>
+          <p:cNvPr id="16" name="Rectangle 15">
+            <a:extLst>
+              <a:ext uri="{FF2B5EF4-FFF2-40B4-BE49-F238E27FC236}">
+                <a16:creationId xmlns:a16="http://schemas.microsoft.com/office/drawing/2014/main" id="{FE2F45BE-7D98-43AC-85E3-83D2B59CFDD9}"/>
+              </a:ext>
+            </a:extLst>
+          </p:cNvPr>
+          <p:cNvSpPr/>
+          <p:nvPr/>
+        </p:nvSpPr>
+        <p:spPr>
+          <a:xfrm>
+            <a:off x="4611981" y="5691320"/>
+            <a:ext cx="2738827" cy="369332"/>
+          </a:xfrm>
+          <a:prstGeom prst="rect">
+            <a:avLst/>
+          </a:prstGeom>
+        </p:spPr>
+        <p:txBody>
+          <a:bodyPr wrap="none">
+            <a:spAutoFit/>
+          </a:bodyPr>
+          <a:lstStyle/>
+          <a:p>
+            <a:r>
+              <a:rPr lang="en-US" dirty="0"/>
+              <a:t>Plotter_all_WPT_motor_v2</a:t>
+            </a:r>
+          </a:p>
+        </p:txBody>
+      </p:sp>
+      <p:pic>
+        <p:nvPicPr>
+          <p:cNvPr id="2" name="Picture 1">
+            <a:extLst>
+              <a:ext uri="{FF2B5EF4-FFF2-40B4-BE49-F238E27FC236}">
+                <a16:creationId xmlns:a16="http://schemas.microsoft.com/office/drawing/2014/main" id="{C00A17D0-64E5-4897-8CD2-865C8411E36D}"/>
+              </a:ext>
+            </a:extLst>
+          </p:cNvPr>
+          <p:cNvPicPr>
+            <a:picLocks noChangeAspect="1"/>
+          </p:cNvPicPr>
+          <p:nvPr/>
+        </p:nvPicPr>
+        <p:blipFill>
+          <a:blip r:embed="rId4"/>
+          <a:stretch>
+            <a:fillRect/>
+          </a:stretch>
+        </p:blipFill>
+        <p:spPr>
+          <a:xfrm>
+            <a:off x="3322246" y="3377147"/>
+            <a:ext cx="4762500" cy="1905000"/>
           </a:xfrm>
           <a:prstGeom prst="rect">
             <a:avLst/>
@@ -4794,7 +5003,7 @@
     </p:spTree>
     <p:extLst>
       <p:ext uri="{BB962C8B-B14F-4D97-AF65-F5344CB8AC3E}">
-        <p14:creationId xmlns:p14="http://schemas.microsoft.com/office/powerpoint/2010/main" val="2958766520"/>
+        <p14:creationId xmlns:p14="http://schemas.microsoft.com/office/powerpoint/2010/main" val="38750144"/>
       </p:ext>
     </p:extLst>
   </p:cSld>
@@ -4821,6 +5030,100 @@
           <a:chExt cx="0" cy="0"/>
         </a:xfrm>
       </p:grpSpPr>
+      <p:sp>
+        <p:nvSpPr>
+          <p:cNvPr id="13" name="Rectangle 12">
+            <a:extLst>
+              <a:ext uri="{FF2B5EF4-FFF2-40B4-BE49-F238E27FC236}">
+                <a16:creationId xmlns:a16="http://schemas.microsoft.com/office/drawing/2014/main" id="{E36B8128-D131-456B-908A-2D87E8F88099}"/>
+              </a:ext>
+            </a:extLst>
+          </p:cNvPr>
+          <p:cNvSpPr/>
+          <p:nvPr/>
+        </p:nvSpPr>
+        <p:spPr>
+          <a:xfrm>
+            <a:off x="4285306" y="1428241"/>
+            <a:ext cx="4491999" cy="369332"/>
+          </a:xfrm>
+          <a:prstGeom prst="rect">
+            <a:avLst/>
+          </a:prstGeom>
+        </p:spPr>
+        <p:txBody>
+          <a:bodyPr wrap="none">
+            <a:spAutoFit/>
+          </a:bodyPr>
+          <a:lstStyle/>
+          <a:p>
+            <a:r>
+              <a:rPr lang="en-US" dirty="0"/>
+              <a:t>D:\Github\WPTMotor\Test-Result\2021.11.29</a:t>
+            </a:r>
+          </a:p>
+        </p:txBody>
+      </p:sp>
+      <p:pic>
+        <p:nvPicPr>
+          <p:cNvPr id="24" name="Picture 23">
+            <a:extLst>
+              <a:ext uri="{FF2B5EF4-FFF2-40B4-BE49-F238E27FC236}">
+                <a16:creationId xmlns:a16="http://schemas.microsoft.com/office/drawing/2014/main" id="{8B2D3155-26C4-401B-B921-01E93EBF55DF}"/>
+              </a:ext>
+            </a:extLst>
+          </p:cNvPr>
+          <p:cNvPicPr>
+            <a:picLocks noChangeAspect="1"/>
+          </p:cNvPicPr>
+          <p:nvPr/>
+        </p:nvPicPr>
+        <p:blipFill>
+          <a:blip r:embed="rId2"/>
+          <a:stretch>
+            <a:fillRect/>
+          </a:stretch>
+        </p:blipFill>
+        <p:spPr>
+          <a:xfrm>
+            <a:off x="4532290" y="2160968"/>
+            <a:ext cx="3810000" cy="1905000"/>
+          </a:xfrm>
+          <a:prstGeom prst="rect">
+            <a:avLst/>
+          </a:prstGeom>
+        </p:spPr>
+      </p:pic>
+    </p:spTree>
+    <p:extLst>
+      <p:ext uri="{BB962C8B-B14F-4D97-AF65-F5344CB8AC3E}">
+        <p14:creationId xmlns:p14="http://schemas.microsoft.com/office/powerpoint/2010/main" val="2958766520"/>
+      </p:ext>
+    </p:extLst>
+  </p:cSld>
+  <p:clrMapOvr>
+    <a:masterClrMapping/>
+  </p:clrMapOvr>
+</p:sld>
+</file>
+
+<file path=ppt/slides/slide16.xml><?xml version="1.0" encoding="utf-8"?>
+<p:sld xmlns:a="http://schemas.openxmlformats.org/drawingml/2006/main" xmlns:r="http://schemas.openxmlformats.org/officeDocument/2006/relationships" xmlns:p="http://schemas.openxmlformats.org/presentationml/2006/main">
+  <p:cSld>
+    <p:spTree>
+      <p:nvGrpSpPr>
+        <p:cNvPr id="1" name=""/>
+        <p:cNvGrpSpPr/>
+        <p:nvPr/>
+      </p:nvGrpSpPr>
+      <p:grpSpPr>
+        <a:xfrm>
+          <a:off x="0" y="0"/>
+          <a:ext cx="0" cy="0"/>
+          <a:chOff x="0" y="0"/>
+          <a:chExt cx="0" cy="0"/>
+        </a:xfrm>
+      </p:grpSpPr>
       <p:pic>
         <p:nvPicPr>
           <p:cNvPr id="5" name="Picture 4">
@@ -4928,7 +5231,7 @@
 </p:sld>
 </file>
 
-<file path=ppt/slides/slide16.xml><?xml version="1.0" encoding="utf-8"?>
+<file path=ppt/slides/slide17.xml><?xml version="1.0" encoding="utf-8"?>
 <p:sld xmlns:a="http://schemas.openxmlformats.org/drawingml/2006/main" xmlns:r="http://schemas.openxmlformats.org/officeDocument/2006/relationships" xmlns:p="http://schemas.openxmlformats.org/presentationml/2006/main">
   <p:cSld>
     <p:spTree>
@@ -6523,8 +6826,8 @@
           </a:fontRef>
         </p:style>
       </p:cxnSp>
-      <mc:AlternateContent xmlns:mc="http://schemas.openxmlformats.org/markup-compatibility/2006">
-        <mc:Choice xmlns:a14="http://schemas.microsoft.com/office/drawing/2010/main" Requires="a14">
+      <mc:AlternateContent xmlns:mc="http://schemas.openxmlformats.org/markup-compatibility/2006" xmlns:a14="http://schemas.microsoft.com/office/drawing/2010/main">
+        <mc:Choice Requires="a14">
           <p:sp>
             <p:nvSpPr>
               <p:cNvPr id="8" name="TextBox 7">
@@ -6593,7 +6896,7 @@
             </p:txBody>
           </p:sp>
         </mc:Choice>
-        <mc:Fallback>
+        <mc:Fallback xmlns="">
           <p:sp>
             <p:nvSpPr>
               <p:cNvPr id="8" name="TextBox 7">
@@ -6638,8 +6941,8 @@
           </p:sp>
         </mc:Fallback>
       </mc:AlternateContent>
-      <mc:AlternateContent xmlns:mc="http://schemas.openxmlformats.org/markup-compatibility/2006">
-        <mc:Choice xmlns:a14="http://schemas.microsoft.com/office/drawing/2010/main" Requires="a14">
+      <mc:AlternateContent xmlns:mc="http://schemas.openxmlformats.org/markup-compatibility/2006" xmlns:a14="http://schemas.microsoft.com/office/drawing/2010/main">
+        <mc:Choice Requires="a14">
           <p:sp>
             <p:nvSpPr>
               <p:cNvPr id="9" name="TextBox 8">
@@ -6708,7 +7011,7 @@
             </p:txBody>
           </p:sp>
         </mc:Choice>
-        <mc:Fallback>
+        <mc:Fallback xmlns="">
           <p:sp>
             <p:nvSpPr>
               <p:cNvPr id="9" name="TextBox 8">
@@ -7527,8 +7830,8 @@
           </a:fontRef>
         </p:style>
       </p:cxnSp>
-      <mc:AlternateContent xmlns:mc="http://schemas.openxmlformats.org/markup-compatibility/2006">
-        <mc:Choice xmlns:a14="http://schemas.microsoft.com/office/drawing/2010/main" Requires="a14">
+      <mc:AlternateContent xmlns:mc="http://schemas.openxmlformats.org/markup-compatibility/2006" xmlns:a14="http://schemas.microsoft.com/office/drawing/2010/main">
+        <mc:Choice Requires="a14">
           <p:sp>
             <p:nvSpPr>
               <p:cNvPr id="9" name="TextBox 8">
@@ -7597,7 +7900,7 @@
             </p:txBody>
           </p:sp>
         </mc:Choice>
-        <mc:Fallback>
+        <mc:Fallback xmlns="">
           <p:sp>
             <p:nvSpPr>
               <p:cNvPr id="9" name="TextBox 8">
@@ -7642,8 +7945,8 @@
           </p:sp>
         </mc:Fallback>
       </mc:AlternateContent>
-      <mc:AlternateContent xmlns:mc="http://schemas.openxmlformats.org/markup-compatibility/2006">
-        <mc:Choice xmlns:a14="http://schemas.microsoft.com/office/drawing/2010/main" Requires="a14">
+      <mc:AlternateContent xmlns:mc="http://schemas.openxmlformats.org/markup-compatibility/2006" xmlns:a14="http://schemas.microsoft.com/office/drawing/2010/main">
+        <mc:Choice Requires="a14">
           <p:sp>
             <p:nvSpPr>
               <p:cNvPr id="10" name="TextBox 9">
@@ -7712,7 +8015,7 @@
             </p:txBody>
           </p:sp>
         </mc:Choice>
-        <mc:Fallback>
+        <mc:Fallback xmlns="">
           <p:sp>
             <p:nvSpPr>
               <p:cNvPr id="10" name="TextBox 9">
@@ -8965,8 +9268,8 @@
           </a:fontRef>
         </p:style>
       </p:cxnSp>
-      <mc:AlternateContent xmlns:mc="http://schemas.openxmlformats.org/markup-compatibility/2006">
-        <mc:Choice xmlns:a14="http://schemas.microsoft.com/office/drawing/2010/main" Requires="a14">
+      <mc:AlternateContent xmlns:mc="http://schemas.openxmlformats.org/markup-compatibility/2006" xmlns:a14="http://schemas.microsoft.com/office/drawing/2010/main">
+        <mc:Choice Requires="a14">
           <p:sp>
             <p:nvSpPr>
               <p:cNvPr id="7" name="TextBox 6">
@@ -9035,7 +9338,7 @@
             </p:txBody>
           </p:sp>
         </mc:Choice>
-        <mc:Fallback>
+        <mc:Fallback xmlns="">
           <p:sp>
             <p:nvSpPr>
               <p:cNvPr id="7" name="TextBox 6">
@@ -9126,8 +9429,8 @@
           </a:fontRef>
         </p:style>
       </p:cxnSp>
-      <mc:AlternateContent xmlns:mc="http://schemas.openxmlformats.org/markup-compatibility/2006">
-        <mc:Choice xmlns:a14="http://schemas.microsoft.com/office/drawing/2010/main" Requires="a14">
+      <mc:AlternateContent xmlns:mc="http://schemas.openxmlformats.org/markup-compatibility/2006" xmlns:a14="http://schemas.microsoft.com/office/drawing/2010/main">
+        <mc:Choice Requires="a14">
           <p:sp>
             <p:nvSpPr>
               <p:cNvPr id="9" name="TextBox 8">
@@ -9196,7 +9499,7 @@
             </p:txBody>
           </p:sp>
         </mc:Choice>
-        <mc:Fallback>
+        <mc:Fallback xmlns="">
           <p:sp>
             <p:nvSpPr>
               <p:cNvPr id="9" name="TextBox 8">
@@ -9377,8 +9680,8 @@
           </a:fontRef>
         </p:style>
       </p:cxnSp>
-      <mc:AlternateContent xmlns:mc="http://schemas.openxmlformats.org/markup-compatibility/2006">
-        <mc:Choice xmlns:a14="http://schemas.microsoft.com/office/drawing/2010/main" Requires="a14">
+      <mc:AlternateContent xmlns:mc="http://schemas.openxmlformats.org/markup-compatibility/2006" xmlns:a14="http://schemas.microsoft.com/office/drawing/2010/main">
+        <mc:Choice Requires="a14">
           <p:sp>
             <p:nvSpPr>
               <p:cNvPr id="7" name="TextBox 6">
@@ -9447,7 +9750,7 @@
             </p:txBody>
           </p:sp>
         </mc:Choice>
-        <mc:Fallback>
+        <mc:Fallback xmlns="">
           <p:sp>
             <p:nvSpPr>
               <p:cNvPr id="7" name="TextBox 6">
@@ -9538,8 +9841,8 @@
           </a:fontRef>
         </p:style>
       </p:cxnSp>
-      <mc:AlternateContent xmlns:mc="http://schemas.openxmlformats.org/markup-compatibility/2006">
-        <mc:Choice xmlns:a14="http://schemas.microsoft.com/office/drawing/2010/main" Requires="a14">
+      <mc:AlternateContent xmlns:mc="http://schemas.openxmlformats.org/markup-compatibility/2006" xmlns:a14="http://schemas.microsoft.com/office/drawing/2010/main">
+        <mc:Choice Requires="a14">
           <p:sp>
             <p:nvSpPr>
               <p:cNvPr id="9" name="TextBox 8">
@@ -9608,7 +9911,7 @@
             </p:txBody>
           </p:sp>
         </mc:Choice>
-        <mc:Fallback>
+        <mc:Fallback xmlns="">
           <p:sp>
             <p:nvSpPr>
               <p:cNvPr id="9" name="TextBox 8">

--- a/Test-Result/2022.12.01/New Microsoft PowerPoint Presentation.pptx
+++ b/Test-Result/2022.12.01/New Microsoft PowerPoint Presentation.pptx
@@ -22,6 +22,7 @@
     <p:sldId id="261" r:id="rId16"/>
     <p:sldId id="263" r:id="rId17"/>
     <p:sldId id="268" r:id="rId18"/>
+    <p:sldId id="273" r:id="rId19"/>
   </p:sldIdLst>
   <p:sldSz cx="12192000" cy="6858000"/>
   <p:notesSz cx="6858000" cy="9144000"/>
@@ -275,7 +276,7 @@
           <a:p>
             <a:fld id="{818D92CC-00E8-4D30-8D68-0F4CD445B4D9}" type="datetimeFigureOut">
               <a:rPr lang="en-US" smtClean="0"/>
-              <a:t>3/21/2022</a:t>
+              <a:t>6/6/2022</a:t>
             </a:fld>
             <a:endParaRPr lang="en-US"/>
           </a:p>
@@ -473,7 +474,7 @@
           <a:p>
             <a:fld id="{818D92CC-00E8-4D30-8D68-0F4CD445B4D9}" type="datetimeFigureOut">
               <a:rPr lang="en-US" smtClean="0"/>
-              <a:t>3/21/2022</a:t>
+              <a:t>6/6/2022</a:t>
             </a:fld>
             <a:endParaRPr lang="en-US"/>
           </a:p>
@@ -681,7 +682,7 @@
           <a:p>
             <a:fld id="{818D92CC-00E8-4D30-8D68-0F4CD445B4D9}" type="datetimeFigureOut">
               <a:rPr lang="en-US" smtClean="0"/>
-              <a:t>3/21/2022</a:t>
+              <a:t>6/6/2022</a:t>
             </a:fld>
             <a:endParaRPr lang="en-US"/>
           </a:p>
@@ -879,7 +880,7 @@
           <a:p>
             <a:fld id="{818D92CC-00E8-4D30-8D68-0F4CD445B4D9}" type="datetimeFigureOut">
               <a:rPr lang="en-US" smtClean="0"/>
-              <a:t>3/21/2022</a:t>
+              <a:t>6/6/2022</a:t>
             </a:fld>
             <a:endParaRPr lang="en-US"/>
           </a:p>
@@ -1154,7 +1155,7 @@
           <a:p>
             <a:fld id="{818D92CC-00E8-4D30-8D68-0F4CD445B4D9}" type="datetimeFigureOut">
               <a:rPr lang="en-US" smtClean="0"/>
-              <a:t>3/21/2022</a:t>
+              <a:t>6/6/2022</a:t>
             </a:fld>
             <a:endParaRPr lang="en-US"/>
           </a:p>
@@ -1419,7 +1420,7 @@
           <a:p>
             <a:fld id="{818D92CC-00E8-4D30-8D68-0F4CD445B4D9}" type="datetimeFigureOut">
               <a:rPr lang="en-US" smtClean="0"/>
-              <a:t>3/21/2022</a:t>
+              <a:t>6/6/2022</a:t>
             </a:fld>
             <a:endParaRPr lang="en-US"/>
           </a:p>
@@ -1831,7 +1832,7 @@
           <a:p>
             <a:fld id="{818D92CC-00E8-4D30-8D68-0F4CD445B4D9}" type="datetimeFigureOut">
               <a:rPr lang="en-US" smtClean="0"/>
-              <a:t>3/21/2022</a:t>
+              <a:t>6/6/2022</a:t>
             </a:fld>
             <a:endParaRPr lang="en-US"/>
           </a:p>
@@ -1972,7 +1973,7 @@
           <a:p>
             <a:fld id="{818D92CC-00E8-4D30-8D68-0F4CD445B4D9}" type="datetimeFigureOut">
               <a:rPr lang="en-US" smtClean="0"/>
-              <a:t>3/21/2022</a:t>
+              <a:t>6/6/2022</a:t>
             </a:fld>
             <a:endParaRPr lang="en-US"/>
           </a:p>
@@ -2085,7 +2086,7 @@
           <a:p>
             <a:fld id="{818D92CC-00E8-4D30-8D68-0F4CD445B4D9}" type="datetimeFigureOut">
               <a:rPr lang="en-US" smtClean="0"/>
-              <a:t>3/21/2022</a:t>
+              <a:t>6/6/2022</a:t>
             </a:fld>
             <a:endParaRPr lang="en-US"/>
           </a:p>
@@ -2396,7 +2397,7 @@
           <a:p>
             <a:fld id="{818D92CC-00E8-4D30-8D68-0F4CD445B4D9}" type="datetimeFigureOut">
               <a:rPr lang="en-US" smtClean="0"/>
-              <a:t>3/21/2022</a:t>
+              <a:t>6/6/2022</a:t>
             </a:fld>
             <a:endParaRPr lang="en-US"/>
           </a:p>
@@ -2684,7 +2685,7 @@
           <a:p>
             <a:fld id="{818D92CC-00E8-4D30-8D68-0F4CD445B4D9}" type="datetimeFigureOut">
               <a:rPr lang="en-US" smtClean="0"/>
-              <a:t>3/21/2022</a:t>
+              <a:t>6/6/2022</a:t>
             </a:fld>
             <a:endParaRPr lang="en-US"/>
           </a:p>
@@ -2925,7 +2926,7 @@
           <a:p>
             <a:fld id="{818D92CC-00E8-4D30-8D68-0F4CD445B4D9}" type="datetimeFigureOut">
               <a:rPr lang="en-US" smtClean="0"/>
-              <a:t>3/21/2022</a:t>
+              <a:t>6/6/2022</a:t>
             </a:fld>
             <a:endParaRPr lang="en-US"/>
           </a:p>
@@ -5355,6 +5356,164 @@
 </p:sld>
 </file>
 
+<file path=ppt/slides/slide18.xml><?xml version="1.0" encoding="utf-8"?>
+<p:sld xmlns:a="http://schemas.openxmlformats.org/drawingml/2006/main" xmlns:r="http://schemas.openxmlformats.org/officeDocument/2006/relationships" xmlns:p="http://schemas.openxmlformats.org/presentationml/2006/main">
+  <p:cSld>
+    <p:spTree>
+      <p:nvGrpSpPr>
+        <p:cNvPr id="1" name=""/>
+        <p:cNvGrpSpPr/>
+        <p:nvPr/>
+      </p:nvGrpSpPr>
+      <p:grpSpPr>
+        <a:xfrm>
+          <a:off x="0" y="0"/>
+          <a:ext cx="0" cy="0"/>
+          <a:chOff x="0" y="0"/>
+          <a:chExt cx="0" cy="0"/>
+        </a:xfrm>
+      </p:grpSpPr>
+      <p:sp>
+        <p:nvSpPr>
+          <p:cNvPr id="4" name="Rectangle 3">
+            <a:extLst>
+              <a:ext uri="{FF2B5EF4-FFF2-40B4-BE49-F238E27FC236}">
+                <a16:creationId xmlns:a16="http://schemas.microsoft.com/office/drawing/2014/main" id="{31C18C3E-929D-4CDF-BD70-166649EF0C31}"/>
+              </a:ext>
+            </a:extLst>
+          </p:cNvPr>
+          <p:cNvSpPr/>
+          <p:nvPr/>
+        </p:nvSpPr>
+        <p:spPr>
+          <a:xfrm>
+            <a:off x="2622672" y="513326"/>
+            <a:ext cx="4491999" cy="369332"/>
+          </a:xfrm>
+          <a:prstGeom prst="rect">
+            <a:avLst/>
+          </a:prstGeom>
+        </p:spPr>
+        <p:txBody>
+          <a:bodyPr wrap="none">
+            <a:spAutoFit/>
+          </a:bodyPr>
+          <a:lstStyle/>
+          <a:p>
+            <a:r>
+              <a:rPr lang="en-US" dirty="0"/>
+              <a:t>D:\Github\WPTMotor\Test-Result\2022.12.01</a:t>
+            </a:r>
+          </a:p>
+        </p:txBody>
+      </p:sp>
+      <p:sp>
+        <p:nvSpPr>
+          <p:cNvPr id="5" name="Rectangle 4">
+            <a:extLst>
+              <a:ext uri="{FF2B5EF4-FFF2-40B4-BE49-F238E27FC236}">
+                <a16:creationId xmlns:a16="http://schemas.microsoft.com/office/drawing/2014/main" id="{205DF0E7-DBDB-4CEB-B1B4-AAB82F986240}"/>
+              </a:ext>
+            </a:extLst>
+          </p:cNvPr>
+          <p:cNvSpPr/>
+          <p:nvPr/>
+        </p:nvSpPr>
+        <p:spPr>
+          <a:xfrm>
+            <a:off x="3812359" y="5921494"/>
+            <a:ext cx="1692002" cy="369332"/>
+          </a:xfrm>
+          <a:prstGeom prst="rect">
+            <a:avLst/>
+          </a:prstGeom>
+        </p:spPr>
+        <p:txBody>
+          <a:bodyPr wrap="none">
+            <a:spAutoFit/>
+          </a:bodyPr>
+          <a:lstStyle/>
+          <a:p>
+            <a:r>
+              <a:rPr lang="en-US" dirty="0"/>
+              <a:t>data_plotter_v2</a:t>
+            </a:r>
+          </a:p>
+        </p:txBody>
+      </p:sp>
+      <p:pic>
+        <p:nvPicPr>
+          <p:cNvPr id="6" name="Picture 5">
+            <a:extLst>
+              <a:ext uri="{FF2B5EF4-FFF2-40B4-BE49-F238E27FC236}">
+                <a16:creationId xmlns:a16="http://schemas.microsoft.com/office/drawing/2014/main" id="{5237CA98-6201-456E-9774-B59C87A3C44F}"/>
+              </a:ext>
+            </a:extLst>
+          </p:cNvPr>
+          <p:cNvPicPr>
+            <a:picLocks noChangeAspect="1"/>
+          </p:cNvPicPr>
+          <p:nvPr/>
+        </p:nvPicPr>
+        <p:blipFill>
+          <a:blip r:embed="rId2"/>
+          <a:stretch>
+            <a:fillRect/>
+          </a:stretch>
+        </p:blipFill>
+        <p:spPr>
+          <a:xfrm>
+            <a:off x="2427732" y="1604772"/>
+            <a:ext cx="5715000" cy="1905000"/>
+          </a:xfrm>
+          <a:prstGeom prst="rect">
+            <a:avLst/>
+          </a:prstGeom>
+        </p:spPr>
+      </p:pic>
+      <p:pic>
+        <p:nvPicPr>
+          <p:cNvPr id="7" name="Picture 6">
+            <a:extLst>
+              <a:ext uri="{FF2B5EF4-FFF2-40B4-BE49-F238E27FC236}">
+                <a16:creationId xmlns:a16="http://schemas.microsoft.com/office/drawing/2014/main" id="{20BA3004-5422-4AB4-B26C-7B095B8A82EC}"/>
+              </a:ext>
+            </a:extLst>
+          </p:cNvPr>
+          <p:cNvPicPr>
+            <a:picLocks noChangeAspect="1"/>
+          </p:cNvPicPr>
+          <p:nvPr/>
+        </p:nvPicPr>
+        <p:blipFill>
+          <a:blip r:embed="rId3"/>
+          <a:stretch>
+            <a:fillRect/>
+          </a:stretch>
+        </p:blipFill>
+        <p:spPr>
+          <a:xfrm>
+            <a:off x="2427732" y="3429000"/>
+            <a:ext cx="5715000" cy="1905000"/>
+          </a:xfrm>
+          <a:prstGeom prst="rect">
+            <a:avLst/>
+          </a:prstGeom>
+        </p:spPr>
+      </p:pic>
+    </p:spTree>
+    <p:extLst>
+      <p:ext uri="{BB962C8B-B14F-4D97-AF65-F5344CB8AC3E}">
+        <p14:creationId xmlns:p14="http://schemas.microsoft.com/office/powerpoint/2010/main" val="373250499"/>
+      </p:ext>
+    </p:extLst>
+  </p:cSld>
+  <p:clrMapOvr>
+    <a:masterClrMapping/>
+  </p:clrMapOvr>
+</p:sld>
+</file>
+
 <file path=ppt/slides/slide2.xml><?xml version="1.0" encoding="utf-8"?>
 <p:sld xmlns:a="http://schemas.openxmlformats.org/drawingml/2006/main" xmlns:r="http://schemas.openxmlformats.org/officeDocument/2006/relationships" xmlns:p="http://schemas.openxmlformats.org/presentationml/2006/main">
   <p:cSld>
